--- a/digital certificate_new.pptx
+++ b/digital certificate_new.pptx
@@ -20,6 +20,7 @@
     <p:sldId id="265" r:id="rId17"/>
     <p:sldId id="266" r:id="rId18"/>
     <p:sldId id="267" r:id="rId19"/>
+    <p:sldId id="268" r:id="rId20"/>
   </p:sldIdLst>
   <p:sldSz cx="13004800" cy="9753600"/>
   <p:notesSz cx="6858000" cy="9144000"/>
@@ -74,10 +75,10 @@
         </a:solidFill>
         <a:effectLst/>
         <a:uFillTx/>
-        <a:latin typeface="Superclarendon"/>
-        <a:ea typeface="Superclarendon"/>
-        <a:cs typeface="Superclarendon"/>
-        <a:sym typeface="Superclarendon"/>
+        <a:latin typeface="+mn-lt"/>
+        <a:ea typeface="+mn-ea"/>
+        <a:cs typeface="+mn-cs"/>
+        <a:sym typeface="Helvetica Neue"/>
       </a:defRPr>
     </a:lvl1pPr>
     <a:lvl2pPr marL="0" marR="0" indent="0" algn="ctr" defTabSz="584200" rtl="0" fontAlgn="auto" latinLnBrk="0" hangingPunct="0">
@@ -104,10 +105,10 @@
         </a:solidFill>
         <a:effectLst/>
         <a:uFillTx/>
-        <a:latin typeface="Superclarendon"/>
-        <a:ea typeface="Superclarendon"/>
-        <a:cs typeface="Superclarendon"/>
-        <a:sym typeface="Superclarendon"/>
+        <a:latin typeface="+mn-lt"/>
+        <a:ea typeface="+mn-ea"/>
+        <a:cs typeface="+mn-cs"/>
+        <a:sym typeface="Helvetica Neue"/>
       </a:defRPr>
     </a:lvl2pPr>
     <a:lvl3pPr marL="0" marR="0" indent="0" algn="ctr" defTabSz="584200" rtl="0" fontAlgn="auto" latinLnBrk="0" hangingPunct="0">
@@ -134,10 +135,10 @@
         </a:solidFill>
         <a:effectLst/>
         <a:uFillTx/>
-        <a:latin typeface="Superclarendon"/>
-        <a:ea typeface="Superclarendon"/>
-        <a:cs typeface="Superclarendon"/>
-        <a:sym typeface="Superclarendon"/>
+        <a:latin typeface="+mn-lt"/>
+        <a:ea typeface="+mn-ea"/>
+        <a:cs typeface="+mn-cs"/>
+        <a:sym typeface="Helvetica Neue"/>
       </a:defRPr>
     </a:lvl3pPr>
     <a:lvl4pPr marL="0" marR="0" indent="0" algn="ctr" defTabSz="584200" rtl="0" fontAlgn="auto" latinLnBrk="0" hangingPunct="0">
@@ -164,10 +165,10 @@
         </a:solidFill>
         <a:effectLst/>
         <a:uFillTx/>
-        <a:latin typeface="Superclarendon"/>
-        <a:ea typeface="Superclarendon"/>
-        <a:cs typeface="Superclarendon"/>
-        <a:sym typeface="Superclarendon"/>
+        <a:latin typeface="+mn-lt"/>
+        <a:ea typeface="+mn-ea"/>
+        <a:cs typeface="+mn-cs"/>
+        <a:sym typeface="Helvetica Neue"/>
       </a:defRPr>
     </a:lvl4pPr>
     <a:lvl5pPr marL="0" marR="0" indent="0" algn="ctr" defTabSz="584200" rtl="0" fontAlgn="auto" latinLnBrk="0" hangingPunct="0">
@@ -194,10 +195,10 @@
         </a:solidFill>
         <a:effectLst/>
         <a:uFillTx/>
-        <a:latin typeface="Superclarendon"/>
-        <a:ea typeface="Superclarendon"/>
-        <a:cs typeface="Superclarendon"/>
-        <a:sym typeface="Superclarendon"/>
+        <a:latin typeface="+mn-lt"/>
+        <a:ea typeface="+mn-ea"/>
+        <a:cs typeface="+mn-cs"/>
+        <a:sym typeface="Helvetica Neue"/>
       </a:defRPr>
     </a:lvl5pPr>
     <a:lvl6pPr marL="0" marR="0" indent="0" algn="ctr" defTabSz="584200" rtl="0" fontAlgn="auto" latinLnBrk="0" hangingPunct="0">
@@ -224,10 +225,10 @@
         </a:solidFill>
         <a:effectLst/>
         <a:uFillTx/>
-        <a:latin typeface="Superclarendon"/>
-        <a:ea typeface="Superclarendon"/>
-        <a:cs typeface="Superclarendon"/>
-        <a:sym typeface="Superclarendon"/>
+        <a:latin typeface="+mn-lt"/>
+        <a:ea typeface="+mn-ea"/>
+        <a:cs typeface="+mn-cs"/>
+        <a:sym typeface="Helvetica Neue"/>
       </a:defRPr>
     </a:lvl6pPr>
     <a:lvl7pPr marL="0" marR="0" indent="0" algn="ctr" defTabSz="584200" rtl="0" fontAlgn="auto" latinLnBrk="0" hangingPunct="0">
@@ -254,10 +255,10 @@
         </a:solidFill>
         <a:effectLst/>
         <a:uFillTx/>
-        <a:latin typeface="Superclarendon"/>
-        <a:ea typeface="Superclarendon"/>
-        <a:cs typeface="Superclarendon"/>
-        <a:sym typeface="Superclarendon"/>
+        <a:latin typeface="+mn-lt"/>
+        <a:ea typeface="+mn-ea"/>
+        <a:cs typeface="+mn-cs"/>
+        <a:sym typeface="Helvetica Neue"/>
       </a:defRPr>
     </a:lvl7pPr>
     <a:lvl8pPr marL="0" marR="0" indent="0" algn="ctr" defTabSz="584200" rtl="0" fontAlgn="auto" latinLnBrk="0" hangingPunct="0">
@@ -284,10 +285,10 @@
         </a:solidFill>
         <a:effectLst/>
         <a:uFillTx/>
-        <a:latin typeface="Superclarendon"/>
-        <a:ea typeface="Superclarendon"/>
-        <a:cs typeface="Superclarendon"/>
-        <a:sym typeface="Superclarendon"/>
+        <a:latin typeface="+mn-lt"/>
+        <a:ea typeface="+mn-ea"/>
+        <a:cs typeface="+mn-cs"/>
+        <a:sym typeface="Helvetica Neue"/>
       </a:defRPr>
     </a:lvl8pPr>
     <a:lvl9pPr marL="0" marR="0" indent="0" algn="ctr" defTabSz="584200" rtl="0" fontAlgn="auto" latinLnBrk="0" hangingPunct="0">
@@ -314,10 +315,10 @@
         </a:solidFill>
         <a:effectLst/>
         <a:uFillTx/>
-        <a:latin typeface="Superclarendon"/>
-        <a:ea typeface="Superclarendon"/>
-        <a:cs typeface="Superclarendon"/>
-        <a:sym typeface="Superclarendon"/>
+        <a:latin typeface="+mn-lt"/>
+        <a:ea typeface="+mn-ea"/>
+        <a:cs typeface="+mn-cs"/>
+        <a:sym typeface="Helvetica Neue"/>
       </a:defRPr>
     </a:lvl9pPr>
   </p:defaultTextStyle>
@@ -750,7 +751,7 @@
                 </a:solidFill>
               </a:defRPr>
             </a:lvl1pPr>
-            <a:lvl2pPr marL="1281205" indent="-658905" algn="ctr">
+            <a:lvl2pPr marL="1281205" indent="-658904" algn="ctr">
               <a:spcBef>
                 <a:spcPts val="1200"/>
               </a:spcBef>
@@ -763,7 +764,7 @@
                 </a:solidFill>
               </a:defRPr>
             </a:lvl2pPr>
-            <a:lvl3pPr marL="1903505" indent="-658905" algn="ctr">
+            <a:lvl3pPr marL="1903504" indent="-658904" algn="ctr">
               <a:spcBef>
                 <a:spcPts val="1200"/>
               </a:spcBef>
@@ -776,7 +777,7 @@
                 </a:solidFill>
               </a:defRPr>
             </a:lvl3pPr>
-            <a:lvl4pPr marL="2525805" indent="-658905" algn="ctr">
+            <a:lvl4pPr marL="2525804" indent="-658904" algn="ctr">
               <a:spcBef>
                 <a:spcPts val="1200"/>
               </a:spcBef>
@@ -789,7 +790,7 @@
                 </a:solidFill>
               </a:defRPr>
             </a:lvl4pPr>
-            <a:lvl5pPr marL="3148105" indent="-658905" algn="ctr">
+            <a:lvl5pPr marL="3148104" indent="-658904" algn="ctr">
               <a:spcBef>
                 <a:spcPts val="1200"/>
               </a:spcBef>
@@ -846,7 +847,7 @@
         <p:spPr>
           <a:xfrm>
             <a:off x="1270000" y="4184648"/>
-            <a:ext cx="10464800" cy="850902"/>
+            <a:ext cx="10464800" cy="850903"/>
           </a:xfrm>
           <a:prstGeom prst="rect">
             <a:avLst/>
@@ -856,18 +857,10 @@
           <a:bodyPr/>
           <a:lstStyle/>
           <a:p>
-            <a:pPr marL="0" indent="0" algn="ctr">
-              <a:lnSpc>
-                <a:spcPct val="120000"/>
-              </a:lnSpc>
-              <a:buSzTx/>
-              <a:buNone/>
-              <a:defRPr b="1" spc="-200" sz="4200">
-                <a:latin typeface="Superclarendon"/>
-                <a:ea typeface="Superclarendon"/>
-                <a:cs typeface="Superclarendon"/>
-                <a:sym typeface="Superclarendon"/>
-              </a:defRPr>
+            <a:pPr>
+              <a:buBlip>
+                <a:blip r:embed="rId3"/>
+              </a:buBlip>
             </a:pPr>
           </a:p>
         </p:txBody>
@@ -1202,7 +1195,7 @@
         <p:spPr>
           <a:xfrm>
             <a:off x="4734473" y="8193633"/>
-            <a:ext cx="3457772" cy="71844"/>
+            <a:ext cx="3457772" cy="71845"/>
           </a:xfrm>
           <a:prstGeom prst="rect">
             <a:avLst/>
@@ -1533,7 +1526,7 @@
         <p:spPr>
           <a:xfrm>
             <a:off x="1286046" y="5082128"/>
-            <a:ext cx="4512626" cy="71849"/>
+            <a:ext cx="4512627" cy="71850"/>
           </a:xfrm>
           <a:prstGeom prst="rect">
             <a:avLst/>
@@ -1757,8 +1750,8 @@
         </p:blipFill>
         <p:spPr>
           <a:xfrm>
-            <a:off x="1060082" y="2732633"/>
-            <a:ext cx="10908153" cy="71906"/>
+            <a:off x="1060081" y="2732633"/>
+            <a:ext cx="10908154" cy="71907"/>
           </a:xfrm>
           <a:prstGeom prst="rect">
             <a:avLst/>
@@ -1862,8 +1855,8 @@
         </p:blipFill>
         <p:spPr>
           <a:xfrm>
-            <a:off x="1060082" y="2732633"/>
-            <a:ext cx="10908153" cy="71906"/>
+            <a:off x="1060081" y="2732633"/>
+            <a:ext cx="10908154" cy="71907"/>
           </a:xfrm>
           <a:prstGeom prst="rect">
             <a:avLst/>
@@ -2045,8 +2038,8 @@
         </p:blipFill>
         <p:spPr>
           <a:xfrm>
-            <a:off x="1060082" y="2732633"/>
-            <a:ext cx="10908153" cy="71906"/>
+            <a:off x="1060081" y="2732633"/>
+            <a:ext cx="10908154" cy="71907"/>
           </a:xfrm>
           <a:prstGeom prst="rect">
             <a:avLst/>
@@ -2067,7 +2060,7 @@
         <p:spPr>
           <a:xfrm>
             <a:off x="1181100" y="3380452"/>
-            <a:ext cx="5461000" cy="5308602"/>
+            <a:ext cx="5461000" cy="5308603"/>
           </a:xfrm>
           <a:prstGeom prst="rect">
             <a:avLst/>
@@ -2401,7 +2394,7 @@
         <p:spPr>
           <a:xfrm>
             <a:off x="6692900" y="5082252"/>
-            <a:ext cx="5334000" cy="3898902"/>
+            <a:ext cx="5334000" cy="3898903"/>
           </a:xfrm>
           <a:prstGeom prst="rect">
             <a:avLst/>
@@ -2427,8 +2420,8 @@
         </p:nvSpPr>
         <p:spPr>
           <a:xfrm>
-            <a:off x="6699118" y="751551"/>
-            <a:ext cx="5334002" cy="3898903"/>
+            <a:off x="6699118" y="751550"/>
+            <a:ext cx="5334003" cy="3898905"/>
           </a:xfrm>
           <a:prstGeom prst="rect">
             <a:avLst/>
@@ -2686,6 +2679,10 @@
                 <a:solidFill>
                   <a:srgbClr val="F1F1F1"/>
                 </a:solidFill>
+                <a:latin typeface="Superclarendon"/>
+                <a:ea typeface="Superclarendon"/>
+                <a:cs typeface="Superclarendon"/>
+                <a:sym typeface="Superclarendon"/>
               </a:defRPr>
             </a:lvl1pPr>
           </a:lstStyle>
@@ -3614,7 +3611,7 @@
       </p:grpSpPr>
       <p:sp>
         <p:nvSpPr>
-          <p:cNvPr id="163" name="CA agent"/>
+          <p:cNvPr id="164" name="how does digital certificate work？"/>
           <p:cNvSpPr txBox="1"/>
           <p:nvPr>
             <p:ph type="title"/>
@@ -3627,11 +3624,53 @@
         </p:spPr>
         <p:txBody>
           <a:bodyPr/>
+          <a:lstStyle>
+            <a:lvl1pPr>
+              <a:defRPr spc="-200"/>
+            </a:lvl1pPr>
+          </a:lstStyle>
+          <a:p>
+            <a:pPr/>
+            <a:r>
+              <a:t>how does digital certificate work？</a:t>
+            </a:r>
+          </a:p>
+        </p:txBody>
+      </p:sp>
+      <p:sp>
+        <p:nvSpPr>
+          <p:cNvPr id="165" name="简单介绍工作流程，最好有截图，重点介绍我们能参与部分…"/>
+          <p:cNvSpPr txBox="1"/>
+          <p:nvPr>
+            <p:ph type="body" idx="1"/>
+          </p:nvPr>
+        </p:nvSpPr>
+        <p:spPr>
+          <a:prstGeom prst="rect">
+            <a:avLst/>
+          </a:prstGeom>
+        </p:spPr>
+        <p:txBody>
+          <a:bodyPr/>
           <a:lstStyle/>
           <a:p>
-            <a:pPr/>
-            <a:r>
-              <a:t>CA agent</a:t>
+            <a:pPr>
+              <a:buBlip>
+                <a:blip r:embed="rId2"/>
+              </a:buBlip>
+            </a:pPr>
+            <a:r>
+              <a:t>简单介绍工作流程，最好有截图，重点介绍我们能参与部分</a:t>
+            </a:r>
+          </a:p>
+          <a:p>
+            <a:pPr>
+              <a:buBlip>
+                <a:blip r:embed="rId2"/>
+              </a:buBlip>
+            </a:pPr>
+            <a:r>
+              <a:t>介绍CA agent的指责，下一页介绍免费的CA agent</a:t>
             </a:r>
           </a:p>
         </p:txBody>
@@ -3664,7 +3703,7 @@
       </p:grpSpPr>
       <p:sp>
         <p:nvSpPr>
-          <p:cNvPr id="165" name="Technology Overview of Digital Certificates"/>
+          <p:cNvPr id="167" name="CA agent"/>
           <p:cNvSpPr txBox="1"/>
           <p:nvPr>
             <p:ph type="title"/>
@@ -3678,48 +3717,14 @@
         <p:txBody>
           <a:bodyPr/>
           <a:lstStyle>
-            <a:lvl1pPr defTabSz="490727">
-              <a:defRPr spc="-168" sz="4032"/>
+            <a:lvl1pPr>
+              <a:defRPr spc="-200"/>
             </a:lvl1pPr>
           </a:lstStyle>
           <a:p>
             <a:pPr/>
             <a:r>
-              <a:t> Challenge of digital certificate（fake digital certificate）</a:t>
-            </a:r>
-          </a:p>
-        </p:txBody>
-      </p:sp>
-      <p:sp>
-        <p:nvSpPr>
-          <p:cNvPr id="166" name="一些假digital certificate的列子，截图"/>
-          <p:cNvSpPr txBox="1"/>
-          <p:nvPr>
-            <p:ph type="body" idx="4294967295"/>
-          </p:nvPr>
-        </p:nvSpPr>
-        <p:spPr>
-          <a:xfrm>
-            <a:off x="1270000" y="3263900"/>
-            <a:ext cx="10464800" cy="5715000"/>
-          </a:xfrm>
-          <a:prstGeom prst="rect">
-            <a:avLst/>
-          </a:prstGeom>
-        </p:spPr>
-        <p:txBody>
-          <a:bodyPr/>
-          <a:lstStyle>
-            <a:lvl1pPr>
-              <a:buBlip>
-                <a:blip r:embed="rId2"/>
-              </a:buBlip>
-            </a:lvl1pPr>
-          </a:lstStyle>
-          <a:p>
-            <a:pPr/>
-            <a:r>
-              <a:t>一些假digital certificate的列子，截图</a:t>
+              <a:t>CA agent</a:t>
             </a:r>
           </a:p>
         </p:txBody>
@@ -3752,7 +3757,95 @@
       </p:grpSpPr>
       <p:sp>
         <p:nvSpPr>
-          <p:cNvPr id="168" name="What does security provide?…"/>
+          <p:cNvPr id="169" name="Technology Overview of Digital Certificates"/>
+          <p:cNvSpPr txBox="1"/>
+          <p:nvPr>
+            <p:ph type="title"/>
+          </p:nvPr>
+        </p:nvSpPr>
+        <p:spPr>
+          <a:prstGeom prst="rect">
+            <a:avLst/>
+          </a:prstGeom>
+        </p:spPr>
+        <p:txBody>
+          <a:bodyPr/>
+          <a:lstStyle>
+            <a:lvl1pPr defTabSz="490727">
+              <a:defRPr spc="-200" sz="4000"/>
+            </a:lvl1pPr>
+          </a:lstStyle>
+          <a:p>
+            <a:pPr/>
+            <a:r>
+              <a:t> Challenge of digital certificate（fake digital certificate）</a:t>
+            </a:r>
+          </a:p>
+        </p:txBody>
+      </p:sp>
+      <p:sp>
+        <p:nvSpPr>
+          <p:cNvPr id="170" name="一些假digital certificate的列子，截图"/>
+          <p:cNvSpPr txBox="1"/>
+          <p:nvPr>
+            <p:ph type="body" idx="4294967295"/>
+          </p:nvPr>
+        </p:nvSpPr>
+        <p:spPr>
+          <a:xfrm>
+            <a:off x="1270000" y="3263900"/>
+            <a:ext cx="10464800" cy="5715000"/>
+          </a:xfrm>
+          <a:prstGeom prst="rect">
+            <a:avLst/>
+          </a:prstGeom>
+        </p:spPr>
+        <p:txBody>
+          <a:bodyPr/>
+          <a:lstStyle>
+            <a:lvl1pPr>
+              <a:buBlip>
+                <a:blip r:embed="rId2"/>
+              </a:buBlip>
+            </a:lvl1pPr>
+          </a:lstStyle>
+          <a:p>
+            <a:pPr/>
+            <a:r>
+              <a:t>一些假digital certificate的列子，截图</a:t>
+            </a:r>
+          </a:p>
+        </p:txBody>
+      </p:sp>
+    </p:spTree>
+  </p:cSld>
+  <p:clrMapOvr>
+    <a:masterClrMapping/>
+  </p:clrMapOvr>
+  <p:transition xmlns:p14="http://schemas.microsoft.com/office/powerpoint/2010/main" spd="med" advClick="1"/>
+</p:sld>
+</file>
+
+<file path=ppt/slides/slide13.xml><?xml version="1.0" encoding="utf-8"?>
+<p:sld xmlns:a="http://schemas.openxmlformats.org/drawingml/2006/main" xmlns:r="http://schemas.openxmlformats.org/officeDocument/2006/relationships" xmlns:p="http://schemas.openxmlformats.org/presentationml/2006/main" showMasterSp="1" showMasterPhAnim="1">
+  <p:cSld>
+    <p:spTree>
+      <p:nvGrpSpPr>
+        <p:cNvPr id="1" name=""/>
+        <p:cNvGrpSpPr/>
+        <p:nvPr/>
+      </p:nvGrpSpPr>
+      <p:grpSpPr>
+        <a:xfrm>
+          <a:off x="0" y="0"/>
+          <a:ext cx="0" cy="0"/>
+          <a:chOff x="0" y="0"/>
+          <a:chExt cx="0" cy="0"/>
+        </a:xfrm>
+      </p:grpSpPr>
+      <p:sp>
+        <p:nvSpPr>
+          <p:cNvPr id="172" name="What does security provide?…"/>
           <p:cNvSpPr txBox="1"/>
           <p:nvPr>
             <p:ph type="title"/>
@@ -3819,7 +3912,11 @@
         </p:spPr>
         <p:txBody>
           <a:bodyPr/>
-          <a:lstStyle/>
+          <a:lstStyle>
+            <a:lvl1pPr>
+              <a:defRPr spc="-200"/>
+            </a:lvl1pPr>
+          </a:lstStyle>
           <a:p>
             <a:pPr/>
             <a:r>
@@ -3982,7 +4079,7 @@
       </p:grpSpPr>
       <p:sp>
         <p:nvSpPr>
-          <p:cNvPr id="147" name="The contents of a digital certificate (X.509 certificate…"/>
+          <p:cNvPr id="147" name="Why is security needed on the Internet?"/>
           <p:cNvSpPr txBox="1"/>
           <p:nvPr>
             <p:ph type="title"/>
@@ -3995,42 +4092,31 @@
         </p:spPr>
         <p:txBody>
           <a:bodyPr/>
-          <a:lstStyle/>
-          <a:p>
-            <a:pPr defTabSz="461518">
-              <a:defRPr spc="-113" sz="3792"/>
-            </a:pPr>
-            <a:r>
-              <a:t>  The contents of a digital certificate (X.509 certificate</a:t>
-            </a:r>
-            <a:endParaRPr>
-              <a:solidFill>
-                <a:srgbClr val="454545"/>
-              </a:solidFill>
-            </a:endParaRPr>
-          </a:p>
-          <a:p>
-            <a:pPr defTabSz="461518">
-              <a:defRPr spc="-113" sz="3792"/>
-            </a:pPr>
-            <a:r>
-              <a:t>)</a:t>
+          <a:lstStyle>
+            <a:lvl1pPr>
+              <a:defRPr spc="-200"/>
+            </a:lvl1pPr>
+          </a:lstStyle>
+          <a:p>
+            <a:pPr/>
+            <a:r>
+              <a:t> Why is security needed on the Internet?</a:t>
             </a:r>
           </a:p>
         </p:txBody>
       </p:sp>
       <p:sp>
         <p:nvSpPr>
-          <p:cNvPr id="148" name="Most digital certificates in use today follow what is known as the X.509 standard.  X.509 is used in SSL (Secure Sockets Layer) and TLS (Transport Layer Security)…"/>
+          <p:cNvPr id="148" name="有哪些数据安全的问题，安全漏洞…"/>
           <p:cNvSpPr txBox="1"/>
           <p:nvPr>
-            <p:ph type="body" sz="quarter" idx="4294967295"/>
+            <p:ph type="body" idx="4294967295"/>
           </p:nvPr>
         </p:nvSpPr>
         <p:spPr>
           <a:xfrm>
-            <a:off x="1281758" y="3060672"/>
-            <a:ext cx="10464801" cy="1905001"/>
+            <a:off x="1270000" y="3263900"/>
+            <a:ext cx="10464800" cy="5715000"/>
           </a:xfrm>
           <a:prstGeom prst="rect">
             <a:avLst/>
@@ -4040,432 +4126,23 @@
           <a:bodyPr/>
           <a:lstStyle/>
           <a:p>
-            <a:pPr marL="423163" indent="-423163" defTabSz="397256">
-              <a:spcBef>
-                <a:spcPts val="2800"/>
-              </a:spcBef>
+            <a:pPr>
               <a:buBlip>
                 <a:blip r:embed="rId2"/>
               </a:buBlip>
-              <a:defRPr sz="2312"/>
             </a:pPr>
             <a:r>
-              <a:t> Most digital certificates in use today follow what is known as the X.509 standard.  X.509 is used in SSL (Secure Sockets Layer) and TLS (Transport Layer Security)</a:t>
-            </a:r>
-          </a:p>
-          <a:p>
-            <a:pPr marL="423163" indent="-423163" defTabSz="397256">
-              <a:spcBef>
-                <a:spcPts val="2800"/>
-              </a:spcBef>
+              <a:t>有哪些数据安全的问题，安全漏洞</a:t>
+            </a:r>
+          </a:p>
+          <a:p>
+            <a:pPr>
               <a:buBlip>
                 <a:blip r:embed="rId2"/>
               </a:buBlip>
-              <a:defRPr sz="2312"/>
             </a:pPr>
             <a:r>
-              <a:t> it's what's being used in HTTPS, </a:t>
-            </a:r>
-            <a:r>
-              <a:rPr>
-                <a:solidFill>
-                  <a:srgbClr val="E47502"/>
-                </a:solidFill>
-                <a:hlinkClick r:id="rId3" invalidUrl="" action="" tgtFrame="" tooltip="" history="1" highlightClick="0" endSnd="0"/>
-              </a:rPr>
-              <a:t>FTPS</a:t>
-            </a:r>
-            <a:r>
-              <a:t>, </a:t>
-            </a:r>
-            <a:r>
-              <a:rPr>
-                <a:solidFill>
-                  <a:srgbClr val="E47502"/>
-                </a:solidFill>
-                <a:hlinkClick r:id="rId4" invalidUrl="" action="" tgtFrame="" tooltip="" history="1" highlightClick="0" endSnd="0"/>
-              </a:rPr>
-              <a:t>WebDAVS</a:t>
-            </a:r>
-            <a:r>
-              <a:t> and other secure data transfer protocols.</a:t>
-            </a:r>
-          </a:p>
-        </p:txBody>
-      </p:sp>
-      <p:sp>
-        <p:nvSpPr>
-          <p:cNvPr id="149" name="Information about the subject a.k.a. Subject Name - &quot;subject&quot; refers to the site represented by the cert.…"/>
-          <p:cNvSpPr txBox="1"/>
-          <p:nvPr/>
-        </p:nvSpPr>
-        <p:spPr>
-          <a:xfrm>
-            <a:off x="949799" y="5412306"/>
-            <a:ext cx="10908152" cy="2953700"/>
-          </a:xfrm>
-          <a:prstGeom prst="rect">
-            <a:avLst/>
-          </a:prstGeom>
-          <a:ln w="12700">
-            <a:miter lim="400000"/>
-          </a:ln>
-          <a:extLst>
-            <a:ext uri="{C572A759-6A51-4108-AA02-DFA0A04FC94B}">
-              <ma14:wrappingTextBoxFlag xmlns:ma14="http://schemas.microsoft.com/office/mac/drawingml/2011/main" val="1"/>
-            </a:ext>
-          </a:extLst>
-        </p:spPr>
-        <p:txBody>
-          <a:bodyPr lIns="50800" tIns="50800" rIns="50800" bIns="50800" anchor="ctr">
-            <a:spAutoFit/>
-          </a:bodyPr>
-          <a:lstStyle/>
-          <a:p>
-            <a:pPr marL="457200" indent="-317500" algn="l" defTabSz="457200">
-              <a:lnSpc>
-                <a:spcPts val="3000"/>
-              </a:lnSpc>
-              <a:buClr>
-                <a:srgbClr val="484848"/>
-              </a:buClr>
-              <a:buSzPct val="100000"/>
-              <a:buFont typeface="Arial"/>
-              <a:buChar char="▪"/>
-              <a:defRPr sz="1300">
-                <a:solidFill>
-                  <a:srgbClr val="484848"/>
-                </a:solidFill>
-                <a:latin typeface="Arial"/>
-                <a:ea typeface="Arial"/>
-                <a:cs typeface="Arial"/>
-                <a:sym typeface="Arial"/>
-              </a:defRPr>
-            </a:pPr>
-            <a:r>
-              <a:t>I</a:t>
-            </a:r>
-            <a:r>
-              <a:rPr b="1"/>
-              <a:t>nformation about the subject a.k.a. Subject Name </a:t>
-            </a:r>
-            <a:r>
-              <a:t>- "subject" refers to the site represented by the cert.</a:t>
-            </a:r>
-          </a:p>
-          <a:p>
-            <a:pPr marL="457200" indent="-317500" algn="l" defTabSz="457200">
-              <a:lnSpc>
-                <a:spcPts val="3000"/>
-              </a:lnSpc>
-              <a:buClr>
-                <a:srgbClr val="484848"/>
-              </a:buClr>
-              <a:buSzPct val="100000"/>
-              <a:buFont typeface="Arial"/>
-              <a:buChar char="▪"/>
-              <a:defRPr sz="1300">
-                <a:solidFill>
-                  <a:srgbClr val="484848"/>
-                </a:solidFill>
-                <a:latin typeface="Arial"/>
-                <a:ea typeface="Arial"/>
-                <a:cs typeface="Arial"/>
-                <a:sym typeface="Arial"/>
-              </a:defRPr>
-            </a:pPr>
-            <a:r>
-              <a:rPr b="1"/>
-              <a:t>Information about the certificate issuer/certificate authority (CA) </a:t>
-            </a:r>
-            <a:r>
-              <a:t>- The CA is the body that issued and signed the certificate. More about this shortly</a:t>
-            </a:r>
-          </a:p>
-          <a:p>
-            <a:pPr marL="457200" indent="-317500" algn="l" defTabSz="457200">
-              <a:lnSpc>
-                <a:spcPts val="3000"/>
-              </a:lnSpc>
-              <a:buClr>
-                <a:srgbClr val="484848"/>
-              </a:buClr>
-              <a:buSzPct val="100000"/>
-              <a:buFont typeface="Arial"/>
-              <a:buChar char="▪"/>
-              <a:defRPr sz="1300">
-                <a:solidFill>
-                  <a:srgbClr val="484848"/>
-                </a:solidFill>
-                <a:latin typeface="Arial"/>
-                <a:ea typeface="Arial"/>
-                <a:cs typeface="Arial"/>
-                <a:sym typeface="Arial"/>
-              </a:defRPr>
-            </a:pPr>
-            <a:r>
-              <a:rPr b="1"/>
-              <a:t>Serial number </a:t>
-            </a:r>
-            <a:r>
-              <a:t>- this is the serial number assigned by the issuer to this certificate. Each issuer must make sure each certificate it issues has a unique serial number. </a:t>
-            </a:r>
-          </a:p>
-          <a:p>
-            <a:pPr marL="457200" indent="-317500" algn="l" defTabSz="457200">
-              <a:lnSpc>
-                <a:spcPts val="3000"/>
-              </a:lnSpc>
-              <a:buClr>
-                <a:srgbClr val="484848"/>
-              </a:buClr>
-              <a:buSzPct val="100000"/>
-              <a:buFont typeface="Arial"/>
-              <a:buChar char="▪"/>
-              <a:defRPr sz="1300">
-                <a:solidFill>
-                  <a:srgbClr val="484848"/>
-                </a:solidFill>
-                <a:latin typeface="Arial"/>
-                <a:ea typeface="Arial"/>
-                <a:cs typeface="Arial"/>
-                <a:sym typeface="Arial"/>
-              </a:defRPr>
-            </a:pPr>
-            <a:r>
-              <a:rPr b="1"/>
-              <a:t>Version</a:t>
-            </a:r>
-            <a:r>
-              <a:t> - the X.509 version used by a given certificate. These days, you'll usually find version 3.</a:t>
-            </a:r>
-          </a:p>
-          <a:p>
-            <a:pPr marL="457200" indent="-317500" algn="l" defTabSz="457200">
-              <a:lnSpc>
-                <a:spcPts val="3000"/>
-              </a:lnSpc>
-              <a:buClr>
-                <a:srgbClr val="484848"/>
-              </a:buClr>
-              <a:buSzPct val="100000"/>
-              <a:buFont typeface="Arial"/>
-              <a:buChar char="▪"/>
-              <a:defRPr sz="1300">
-                <a:solidFill>
-                  <a:srgbClr val="484848"/>
-                </a:solidFill>
-                <a:latin typeface="Arial"/>
-                <a:ea typeface="Arial"/>
-                <a:cs typeface="Arial"/>
-                <a:sym typeface="Arial"/>
-              </a:defRPr>
-            </a:pPr>
-            <a:r>
-              <a:rPr b="1"/>
-              <a:t>Validity period </a:t>
-            </a:r>
-            <a:r>
-              <a:t>- certs aren't meant to last forever. The validity period defines the period over which the cert can still be deemed trustworthy. </a:t>
-            </a:r>
-          </a:p>
-          <a:p>
-            <a:pPr marL="457200" indent="-317500" algn="l" defTabSz="457200">
-              <a:lnSpc>
-                <a:spcPts val="3000"/>
-              </a:lnSpc>
-              <a:buClr>
-                <a:srgbClr val="484848"/>
-              </a:buClr>
-              <a:buSzPct val="100000"/>
-              <a:buFont typeface="Arial"/>
-              <a:buChar char="▪"/>
-              <a:defRPr sz="1300">
-                <a:solidFill>
-                  <a:srgbClr val="484848"/>
-                </a:solidFill>
-                <a:latin typeface="Arial"/>
-                <a:ea typeface="Arial"/>
-                <a:cs typeface="Arial"/>
-                <a:sym typeface="Arial"/>
-              </a:defRPr>
-            </a:pPr>
-            <a:r>
-              <a:rPr b="1"/>
-              <a:t>Signature</a:t>
-            </a:r>
-            <a:r>
-              <a:t> -  This is the </a:t>
-            </a:r>
-            <a:r>
-              <a:rPr>
-                <a:solidFill>
-                  <a:srgbClr val="E47502"/>
-                </a:solidFill>
-                <a:hlinkClick r:id="rId5" invalidUrl="" action="" tgtFrame="" tooltip="" history="1" highlightClick="0" endSnd="0"/>
-              </a:rPr>
-              <a:t>digital signature</a:t>
-            </a:r>
-            <a:r>
-              <a:t> of the entire digital certificate, generated using the certificate issuer's private key</a:t>
-            </a:r>
-          </a:p>
-          <a:p>
-            <a:pPr marL="457200" indent="-317500" algn="l" defTabSz="457200">
-              <a:lnSpc>
-                <a:spcPts val="3000"/>
-              </a:lnSpc>
-              <a:buClr>
-                <a:srgbClr val="484848"/>
-              </a:buClr>
-              <a:buSzPct val="100000"/>
-              <a:buFont typeface="Arial"/>
-              <a:buChar char="▪"/>
-              <a:defRPr sz="1300">
-                <a:solidFill>
-                  <a:srgbClr val="484848"/>
-                </a:solidFill>
-                <a:latin typeface="Arial"/>
-                <a:ea typeface="Arial"/>
-                <a:cs typeface="Arial"/>
-                <a:sym typeface="Arial"/>
-              </a:defRPr>
-            </a:pPr>
-            <a:r>
-              <a:rPr b="1"/>
-              <a:t>Signature algorithm</a:t>
-            </a:r>
-            <a:r>
-              <a:t> - The cryptographic signature algorithm used to generate the digital signature (e.g. SHA-1 with RSA Encryption)</a:t>
-            </a:r>
-          </a:p>
-          <a:p>
-            <a:pPr marL="457200" indent="-317500" algn="l" defTabSz="457200">
-              <a:lnSpc>
-                <a:spcPts val="3000"/>
-              </a:lnSpc>
-              <a:buClr>
-                <a:srgbClr val="484848"/>
-              </a:buClr>
-              <a:buSzPct val="100000"/>
-              <a:buFont typeface="Arial"/>
-              <a:buChar char="▪"/>
-              <a:defRPr sz="1300">
-                <a:solidFill>
-                  <a:srgbClr val="484848"/>
-                </a:solidFill>
-                <a:latin typeface="Arial"/>
-                <a:ea typeface="Arial"/>
-                <a:cs typeface="Arial"/>
-                <a:sym typeface="Arial"/>
-              </a:defRPr>
-            </a:pPr>
-            <a:r>
-              <a:rPr b="1"/>
-              <a:t>Public key information</a:t>
-            </a:r>
-            <a:r>
-              <a:t> - Information about the subject's public key. This includes:</a:t>
-            </a:r>
-          </a:p>
-          <a:p>
-            <a:pPr lvl="1" marL="914400" indent="-317500" algn="l" defTabSz="457200">
-              <a:lnSpc>
-                <a:spcPts val="3000"/>
-              </a:lnSpc>
-              <a:buClr>
-                <a:srgbClr val="484848"/>
-              </a:buClr>
-              <a:buSzPct val="100000"/>
-              <a:buFont typeface="Arial"/>
-              <a:buChar char="▪"/>
-              <a:defRPr sz="1300">
-                <a:solidFill>
-                  <a:srgbClr val="484848"/>
-                </a:solidFill>
-                <a:latin typeface="Arial"/>
-                <a:ea typeface="Arial"/>
-                <a:cs typeface="Arial"/>
-                <a:sym typeface="Arial"/>
-              </a:defRPr>
-            </a:pPr>
-            <a:r>
-              <a:t>the algorithm (e.g. Elliptic Curve Public Key), </a:t>
-            </a:r>
-          </a:p>
-          <a:p>
-            <a:pPr lvl="1" marL="914400" indent="-317500" algn="l" defTabSz="457200">
-              <a:lnSpc>
-                <a:spcPts val="3000"/>
-              </a:lnSpc>
-              <a:buClr>
-                <a:srgbClr val="484848"/>
-              </a:buClr>
-              <a:buSzPct val="100000"/>
-              <a:buFont typeface="Arial"/>
-              <a:buChar char="▪"/>
-              <a:defRPr sz="1300">
-                <a:solidFill>
-                  <a:srgbClr val="484848"/>
-                </a:solidFill>
-                <a:latin typeface="Arial"/>
-                <a:ea typeface="Arial"/>
-                <a:cs typeface="Arial"/>
-                <a:sym typeface="Arial"/>
-              </a:defRPr>
-            </a:pPr>
-            <a:r>
-              <a:t>the key size (e.g. 256 bits),</a:t>
-            </a:r>
-          </a:p>
-          <a:p>
-            <a:pPr lvl="1" marL="914400" indent="-317500" algn="l" defTabSz="457200">
-              <a:lnSpc>
-                <a:spcPts val="3000"/>
-              </a:lnSpc>
-              <a:buClr>
-                <a:srgbClr val="484848"/>
-              </a:buClr>
-              <a:buSzPct val="100000"/>
-              <a:buFont typeface="Arial"/>
-              <a:buChar char="▪"/>
-              <a:defRPr sz="1300">
-                <a:solidFill>
-                  <a:srgbClr val="484848"/>
-                </a:solidFill>
-                <a:latin typeface="Arial"/>
-                <a:ea typeface="Arial"/>
-                <a:cs typeface="Arial"/>
-                <a:sym typeface="Arial"/>
-              </a:defRPr>
-            </a:pPr>
-            <a:r>
-              <a:t>the key usage (e.g. can encrypt, verify, derive), and</a:t>
-            </a:r>
-          </a:p>
-          <a:p>
-            <a:pPr lvl="1" marL="914400" indent="-317500" algn="l" defTabSz="457200">
-              <a:lnSpc>
-                <a:spcPts val="3000"/>
-              </a:lnSpc>
-              <a:buClr>
-                <a:srgbClr val="484848"/>
-              </a:buClr>
-              <a:buSzPct val="100000"/>
-              <a:buFont typeface="Arial"/>
-              <a:buChar char="▪"/>
-              <a:defRPr sz="1300">
-                <a:solidFill>
-                  <a:srgbClr val="484848"/>
-                </a:solidFill>
-                <a:latin typeface="Arial"/>
-                <a:ea typeface="Arial"/>
-                <a:cs typeface="Arial"/>
-                <a:sym typeface="Arial"/>
-              </a:defRPr>
-            </a:pPr>
-            <a:r>
-              <a:t>the public key itself</a:t>
+              <a:t>怎么用digital certificate解决的</a:t>
             </a:r>
           </a:p>
         </p:txBody>
@@ -4498,7 +4175,7 @@
       </p:grpSpPr>
       <p:sp>
         <p:nvSpPr>
-          <p:cNvPr id="151" name="conclusion—digital certificate VS digital signature"/>
+          <p:cNvPr id="150" name="Types of digital certificate"/>
           <p:cNvSpPr txBox="1"/>
           <p:nvPr>
             <p:ph type="title"/>
@@ -4519,7 +4196,7 @@
           <a:p>
             <a:pPr/>
             <a:r>
-              <a:t>TPM</a:t>
+              <a:t> Types of digital certificate</a:t>
             </a:r>
           </a:p>
         </p:txBody>
@@ -4552,7 +4229,7 @@
       </p:grpSpPr>
       <p:sp>
         <p:nvSpPr>
-          <p:cNvPr id="153" name="Why is security needed on the Internet?"/>
+          <p:cNvPr id="152" name="The contents of a digital certificate (X.509 certificate…"/>
           <p:cNvSpPr txBox="1"/>
           <p:nvPr>
             <p:ph type="title"/>
@@ -4565,31 +4242,42 @@
         </p:spPr>
         <p:txBody>
           <a:bodyPr/>
-          <a:lstStyle>
-            <a:lvl1pPr>
-              <a:defRPr spc="-200"/>
-            </a:lvl1pPr>
-          </a:lstStyle>
-          <a:p>
-            <a:pPr/>
-            <a:r>
-              <a:t> Why is security needed on the Internet?</a:t>
+          <a:lstStyle/>
+          <a:p>
+            <a:pPr defTabSz="461518">
+              <a:defRPr spc="-200" sz="3700"/>
+            </a:pPr>
+            <a:r>
+              <a:t>  The contents of a digital certificate (X.509 certificate</a:t>
+            </a:r>
+            <a:endParaRPr spc="-113">
+              <a:solidFill>
+                <a:srgbClr val="454545"/>
+              </a:solidFill>
+            </a:endParaRPr>
+          </a:p>
+          <a:p>
+            <a:pPr defTabSz="461518">
+              <a:defRPr spc="-200" sz="3700"/>
+            </a:pPr>
+            <a:r>
+              <a:t>)</a:t>
             </a:r>
           </a:p>
         </p:txBody>
       </p:sp>
       <p:sp>
         <p:nvSpPr>
-          <p:cNvPr id="154" name="有哪些数据安全的问题，安全漏洞…"/>
+          <p:cNvPr id="153" name="Most digital certificates in use today follow what is known as the X.509 standard.  X.509 is used in SSL (Secure Sockets Layer) and TLS (Transport Layer Security)…"/>
           <p:cNvSpPr txBox="1"/>
           <p:nvPr>
-            <p:ph type="body" idx="4294967295"/>
+            <p:ph type="body" sz="quarter" idx="4294967295"/>
           </p:nvPr>
         </p:nvSpPr>
         <p:spPr>
           <a:xfrm>
-            <a:off x="1270000" y="3263900"/>
-            <a:ext cx="10464800" cy="5715000"/>
+            <a:off x="1281758" y="3060672"/>
+            <a:ext cx="10464801" cy="1905002"/>
           </a:xfrm>
           <a:prstGeom prst="rect">
             <a:avLst/>
@@ -4599,23 +4287,448 @@
           <a:bodyPr/>
           <a:lstStyle/>
           <a:p>
-            <a:pPr>
+            <a:pPr marL="423162" indent="-423162" defTabSz="397256">
+              <a:spcBef>
+                <a:spcPts val="2800"/>
+              </a:spcBef>
               <a:buBlip>
                 <a:blip r:embed="rId2"/>
               </a:buBlip>
+              <a:defRPr sz="2300"/>
             </a:pPr>
             <a:r>
-              <a:t>有哪些数据安全的问题，安全漏洞</a:t>
-            </a:r>
-          </a:p>
-          <a:p>
-            <a:pPr>
+              <a:t> Most digital certificates in use today follow what is known as the X.509 standard.  X.509 is used in SSL (Secure Sockets Layer) and TLS (Transport Layer Security)</a:t>
+            </a:r>
+          </a:p>
+          <a:p>
+            <a:pPr marL="423162" indent="-423162" defTabSz="397256">
+              <a:spcBef>
+                <a:spcPts val="2800"/>
+              </a:spcBef>
               <a:buBlip>
                 <a:blip r:embed="rId2"/>
               </a:buBlip>
+              <a:defRPr sz="2300"/>
             </a:pPr>
             <a:r>
-              <a:t>怎么用digital certificate解决的</a:t>
+              <a:t> it's what's being used in HTTPS, </a:t>
+            </a:r>
+            <a:r>
+              <a:rPr u="sng">
+                <a:solidFill>
+                  <a:srgbClr val="0000FF"/>
+                </a:solidFill>
+                <a:uFill>
+                  <a:solidFill>
+                    <a:srgbClr val="0000FF"/>
+                  </a:solidFill>
+                </a:uFill>
+                <a:hlinkClick r:id="rId3" invalidUrl="" action="" tgtFrame="" tooltip="" history="1" highlightClick="0" endSnd="0"/>
+              </a:rPr>
+              <a:t>FTPS</a:t>
+            </a:r>
+            <a:r>
+              <a:t>, </a:t>
+            </a:r>
+            <a:r>
+              <a:rPr u="sng">
+                <a:solidFill>
+                  <a:srgbClr val="0000FF"/>
+                </a:solidFill>
+                <a:uFill>
+                  <a:solidFill>
+                    <a:srgbClr val="0000FF"/>
+                  </a:solidFill>
+                </a:uFill>
+                <a:hlinkClick r:id="rId4" invalidUrl="" action="" tgtFrame="" tooltip="" history="1" highlightClick="0" endSnd="0"/>
+              </a:rPr>
+              <a:t>WebDAVS</a:t>
+            </a:r>
+            <a:r>
+              <a:t> and other secure data transfer protocols.</a:t>
+            </a:r>
+          </a:p>
+        </p:txBody>
+      </p:sp>
+      <p:sp>
+        <p:nvSpPr>
+          <p:cNvPr id="154" name="Information about the subject a.k.a. Subject Name - &quot;subject&quot; refers to the site represented by the cert.…"/>
+          <p:cNvSpPr txBox="1"/>
+          <p:nvPr/>
+        </p:nvSpPr>
+        <p:spPr>
+          <a:xfrm>
+            <a:off x="949798" y="4191962"/>
+            <a:ext cx="10908154" cy="5394388"/>
+          </a:xfrm>
+          <a:prstGeom prst="rect">
+            <a:avLst/>
+          </a:prstGeom>
+          <a:ln w="12700">
+            <a:miter lim="400000"/>
+          </a:ln>
+          <a:extLst>
+            <a:ext uri="{C572A759-6A51-4108-AA02-DFA0A04FC94B}">
+              <ma14:wrappingTextBoxFlag xmlns:ma14="http://schemas.microsoft.com/office/mac/drawingml/2011/main" val="1"/>
+            </a:ext>
+          </a:extLst>
+        </p:spPr>
+        <p:txBody>
+          <a:bodyPr lIns="50800" tIns="50800" rIns="50800" bIns="50800" anchor="ctr">
+            <a:spAutoFit/>
+          </a:bodyPr>
+          <a:lstStyle/>
+          <a:p>
+            <a:pPr marL="457200" indent="-317500" algn="l" defTabSz="457200">
+              <a:lnSpc>
+                <a:spcPts val="3000"/>
+              </a:lnSpc>
+              <a:buClr>
+                <a:srgbClr val="484848"/>
+              </a:buClr>
+              <a:buSzPct val="100000"/>
+              <a:buFont typeface="Arial"/>
+              <a:buChar char="▪"/>
+              <a:defRPr sz="1300">
+                <a:solidFill>
+                  <a:srgbClr val="484848"/>
+                </a:solidFill>
+                <a:latin typeface="Arial"/>
+                <a:ea typeface="Arial"/>
+                <a:cs typeface="Arial"/>
+                <a:sym typeface="Arial"/>
+              </a:defRPr>
+            </a:pPr>
+            <a:r>
+              <a:t>I</a:t>
+            </a:r>
+            <a:r>
+              <a:rPr b="1"/>
+              <a:t>nformation about the subject a.k.a. Subject Name </a:t>
+            </a:r>
+            <a:r>
+              <a:t>- "subject" refers to the site represented by the cert.</a:t>
+            </a:r>
+          </a:p>
+          <a:p>
+            <a:pPr marL="457200" indent="-317500" algn="l" defTabSz="457200">
+              <a:lnSpc>
+                <a:spcPts val="3000"/>
+              </a:lnSpc>
+              <a:buClr>
+                <a:srgbClr val="484848"/>
+              </a:buClr>
+              <a:buSzPct val="100000"/>
+              <a:buFont typeface="Arial"/>
+              <a:buChar char="▪"/>
+              <a:defRPr b="1" sz="1300">
+                <a:solidFill>
+                  <a:srgbClr val="484848"/>
+                </a:solidFill>
+                <a:latin typeface="Arial"/>
+                <a:ea typeface="Arial"/>
+                <a:cs typeface="Arial"/>
+                <a:sym typeface="Arial"/>
+              </a:defRPr>
+            </a:pPr>
+            <a:r>
+              <a:t>Information about the certificate issuer/certificate authority (CA) </a:t>
+            </a:r>
+            <a:r>
+              <a:rPr b="0"/>
+              <a:t>- The CA is the body that issued and signed the certificate. More about this shortly</a:t>
+            </a:r>
+          </a:p>
+          <a:p>
+            <a:pPr marL="457200" indent="-317500" algn="l" defTabSz="457200">
+              <a:lnSpc>
+                <a:spcPts val="3000"/>
+              </a:lnSpc>
+              <a:buClr>
+                <a:srgbClr val="484848"/>
+              </a:buClr>
+              <a:buSzPct val="100000"/>
+              <a:buFont typeface="Arial"/>
+              <a:buChar char="▪"/>
+              <a:defRPr b="1" sz="1300">
+                <a:solidFill>
+                  <a:srgbClr val="484848"/>
+                </a:solidFill>
+                <a:latin typeface="Arial"/>
+                <a:ea typeface="Arial"/>
+                <a:cs typeface="Arial"/>
+                <a:sym typeface="Arial"/>
+              </a:defRPr>
+            </a:pPr>
+            <a:r>
+              <a:t>Serial number </a:t>
+            </a:r>
+            <a:r>
+              <a:rPr b="0"/>
+              <a:t>- this is the serial number assigned by the issuer to this certificate. Each issuer must make sure each certificate it issues has a unique serial number. </a:t>
+            </a:r>
+          </a:p>
+          <a:p>
+            <a:pPr marL="457200" indent="-317500" algn="l" defTabSz="457200">
+              <a:lnSpc>
+                <a:spcPts val="3000"/>
+              </a:lnSpc>
+              <a:buClr>
+                <a:srgbClr val="484848"/>
+              </a:buClr>
+              <a:buSzPct val="100000"/>
+              <a:buFont typeface="Arial"/>
+              <a:buChar char="▪"/>
+              <a:defRPr b="1" sz="1300">
+                <a:solidFill>
+                  <a:srgbClr val="484848"/>
+                </a:solidFill>
+                <a:latin typeface="Arial"/>
+                <a:ea typeface="Arial"/>
+                <a:cs typeface="Arial"/>
+                <a:sym typeface="Arial"/>
+              </a:defRPr>
+            </a:pPr>
+            <a:r>
+              <a:t>Version</a:t>
+            </a:r>
+            <a:r>
+              <a:rPr b="0"/>
+              <a:t> - the X.509 version used by a given certificate. These days, you'll usually find version 3.</a:t>
+            </a:r>
+          </a:p>
+          <a:p>
+            <a:pPr marL="457200" indent="-317500" algn="l" defTabSz="457200">
+              <a:lnSpc>
+                <a:spcPts val="3000"/>
+              </a:lnSpc>
+              <a:buClr>
+                <a:srgbClr val="484848"/>
+              </a:buClr>
+              <a:buSzPct val="100000"/>
+              <a:buFont typeface="Arial"/>
+              <a:buChar char="▪"/>
+              <a:defRPr b="1" sz="1300">
+                <a:solidFill>
+                  <a:srgbClr val="484848"/>
+                </a:solidFill>
+                <a:latin typeface="Arial"/>
+                <a:ea typeface="Arial"/>
+                <a:cs typeface="Arial"/>
+                <a:sym typeface="Arial"/>
+              </a:defRPr>
+            </a:pPr>
+            <a:r>
+              <a:t>Validity period </a:t>
+            </a:r>
+            <a:r>
+              <a:rPr b="0"/>
+              <a:t>- certs aren't meant to last forever. The validity period defines the period over which the cert can still be deemed trustworthy. </a:t>
+            </a:r>
+          </a:p>
+          <a:p>
+            <a:pPr marL="457200" indent="-317500" algn="l" defTabSz="457200">
+              <a:lnSpc>
+                <a:spcPts val="3000"/>
+              </a:lnSpc>
+              <a:buClr>
+                <a:srgbClr val="484848"/>
+              </a:buClr>
+              <a:buSzPct val="100000"/>
+              <a:buFont typeface="Arial"/>
+              <a:buChar char="▪"/>
+              <a:defRPr b="1" sz="1300">
+                <a:solidFill>
+                  <a:srgbClr val="484848"/>
+                </a:solidFill>
+                <a:latin typeface="Arial"/>
+                <a:ea typeface="Arial"/>
+                <a:cs typeface="Arial"/>
+                <a:sym typeface="Arial"/>
+              </a:defRPr>
+            </a:pPr>
+            <a:r>
+              <a:t>Signature</a:t>
+            </a:r>
+            <a:r>
+              <a:rPr b="0"/>
+              <a:t> -  This is the </a:t>
+            </a:r>
+            <a:r>
+              <a:rPr b="0" u="sng">
+                <a:solidFill>
+                  <a:srgbClr val="0000FF"/>
+                </a:solidFill>
+                <a:uFill>
+                  <a:solidFill>
+                    <a:srgbClr val="0000FF"/>
+                  </a:solidFill>
+                </a:uFill>
+                <a:hlinkClick r:id="rId5" invalidUrl="" action="" tgtFrame="" tooltip="" history="1" highlightClick="0" endSnd="0"/>
+              </a:rPr>
+              <a:t>digital signature</a:t>
+            </a:r>
+            <a:r>
+              <a:rPr b="0"/>
+              <a:t> of the entire digital certificate, generated using the certificate issuer's private key</a:t>
+            </a:r>
+          </a:p>
+          <a:p>
+            <a:pPr marL="457200" indent="-317500" algn="l" defTabSz="457200">
+              <a:lnSpc>
+                <a:spcPts val="3000"/>
+              </a:lnSpc>
+              <a:buClr>
+                <a:srgbClr val="484848"/>
+              </a:buClr>
+              <a:buSzPct val="100000"/>
+              <a:buFont typeface="Arial"/>
+              <a:buChar char="▪"/>
+              <a:defRPr b="1" sz="1300">
+                <a:solidFill>
+                  <a:srgbClr val="484848"/>
+                </a:solidFill>
+                <a:latin typeface="Arial"/>
+                <a:ea typeface="Arial"/>
+                <a:cs typeface="Arial"/>
+                <a:sym typeface="Arial"/>
+              </a:defRPr>
+            </a:pPr>
+            <a:r>
+              <a:t>Signature algorithm</a:t>
+            </a:r>
+            <a:r>
+              <a:rPr b="0"/>
+              <a:t> - The cryptographic signature algorithm used to generate the digital signature (e.g. SHA-1 with RSA Encryption)</a:t>
+            </a:r>
+          </a:p>
+          <a:p>
+            <a:pPr marL="457200" indent="-317500" algn="l" defTabSz="457200">
+              <a:lnSpc>
+                <a:spcPts val="3000"/>
+              </a:lnSpc>
+              <a:buClr>
+                <a:srgbClr val="484848"/>
+              </a:buClr>
+              <a:buSzPct val="100000"/>
+              <a:buFont typeface="Arial"/>
+              <a:buChar char="▪"/>
+              <a:defRPr b="1" sz="1300">
+                <a:solidFill>
+                  <a:srgbClr val="484848"/>
+                </a:solidFill>
+                <a:latin typeface="Arial"/>
+                <a:ea typeface="Arial"/>
+                <a:cs typeface="Arial"/>
+                <a:sym typeface="Arial"/>
+              </a:defRPr>
+            </a:pPr>
+            <a:r>
+              <a:t>Public key information</a:t>
+            </a:r>
+            <a:r>
+              <a:rPr b="0"/>
+              <a:t> - Information about the subject's public key. This includes:</a:t>
+            </a:r>
+          </a:p>
+          <a:p>
+            <a:pPr lvl="1" marL="914400" indent="-317500" algn="l" defTabSz="457200">
+              <a:lnSpc>
+                <a:spcPts val="3000"/>
+              </a:lnSpc>
+              <a:buClr>
+                <a:srgbClr val="484848"/>
+              </a:buClr>
+              <a:buSzPct val="100000"/>
+              <a:buFont typeface="Arial"/>
+              <a:buChar char="▪"/>
+              <a:defRPr sz="1300">
+                <a:solidFill>
+                  <a:srgbClr val="484848"/>
+                </a:solidFill>
+                <a:latin typeface="Arial"/>
+                <a:ea typeface="Arial"/>
+                <a:cs typeface="Arial"/>
+                <a:sym typeface="Arial"/>
+              </a:defRPr>
+            </a:pPr>
+            <a:r>
+              <a:t>the algorithm (e.g. Elliptic Curve Public Key), </a:t>
+            </a:r>
+          </a:p>
+          <a:p>
+            <a:pPr lvl="1" marL="914400" indent="-317500" algn="l" defTabSz="457200">
+              <a:lnSpc>
+                <a:spcPts val="3000"/>
+              </a:lnSpc>
+              <a:buClr>
+                <a:srgbClr val="484848"/>
+              </a:buClr>
+              <a:buSzPct val="100000"/>
+              <a:buFont typeface="Arial"/>
+              <a:buChar char="▪"/>
+              <a:defRPr sz="1300">
+                <a:solidFill>
+                  <a:srgbClr val="484848"/>
+                </a:solidFill>
+                <a:latin typeface="Arial"/>
+                <a:ea typeface="Arial"/>
+                <a:cs typeface="Arial"/>
+                <a:sym typeface="Arial"/>
+              </a:defRPr>
+            </a:pPr>
+            <a:r>
+              <a:t>the key size (e.g. 256 bits),</a:t>
+            </a:r>
+          </a:p>
+          <a:p>
+            <a:pPr lvl="1" marL="914400" indent="-317500" algn="l" defTabSz="457200">
+              <a:lnSpc>
+                <a:spcPts val="3000"/>
+              </a:lnSpc>
+              <a:buClr>
+                <a:srgbClr val="484848"/>
+              </a:buClr>
+              <a:buSzPct val="100000"/>
+              <a:buFont typeface="Arial"/>
+              <a:buChar char="▪"/>
+              <a:defRPr sz="1300">
+                <a:solidFill>
+                  <a:srgbClr val="484848"/>
+                </a:solidFill>
+                <a:latin typeface="Arial"/>
+                <a:ea typeface="Arial"/>
+                <a:cs typeface="Arial"/>
+                <a:sym typeface="Arial"/>
+              </a:defRPr>
+            </a:pPr>
+            <a:r>
+              <a:t>the key usage (e.g. can encrypt, verify, derive), and</a:t>
+            </a:r>
+          </a:p>
+          <a:p>
+            <a:pPr lvl="1" marL="914400" indent="-317500" algn="l" defTabSz="457200">
+              <a:lnSpc>
+                <a:spcPts val="3000"/>
+              </a:lnSpc>
+              <a:buClr>
+                <a:srgbClr val="484848"/>
+              </a:buClr>
+              <a:buSzPct val="100000"/>
+              <a:buFont typeface="Arial"/>
+              <a:buChar char="▪"/>
+              <a:defRPr sz="1300">
+                <a:solidFill>
+                  <a:srgbClr val="484848"/>
+                </a:solidFill>
+                <a:latin typeface="Arial"/>
+                <a:ea typeface="Arial"/>
+                <a:cs typeface="Arial"/>
+                <a:sym typeface="Arial"/>
+              </a:defRPr>
+            </a:pPr>
+            <a:r>
+              <a:t>the public key itself</a:t>
             </a:r>
           </a:p>
         </p:txBody>
@@ -4648,7 +4761,7 @@
       </p:grpSpPr>
       <p:sp>
         <p:nvSpPr>
-          <p:cNvPr id="156" name="Types of digital certificate"/>
+          <p:cNvPr id="156" name="How to know if a website is trustworthy?"/>
           <p:cNvSpPr txBox="1"/>
           <p:nvPr>
             <p:ph type="title"/>
@@ -4661,15 +4774,62 @@
         </p:spPr>
         <p:txBody>
           <a:bodyPr/>
+          <a:lstStyle/>
+          <a:p>
+            <a:pPr/>
+            <a:r>
+              <a:t>How to know if a website is trustworthy?</a:t>
+            </a:r>
+          </a:p>
+        </p:txBody>
+      </p:sp>
+      <p:sp>
+        <p:nvSpPr>
+          <p:cNvPr id="157" name="Means: safe for personal communication and business transactions."/>
+          <p:cNvSpPr txBox="1"/>
+          <p:nvPr/>
+        </p:nvSpPr>
+        <p:spPr>
+          <a:xfrm>
+            <a:off x="1891080" y="3173272"/>
+            <a:ext cx="9068665" cy="498756"/>
+          </a:xfrm>
+          <a:prstGeom prst="rect">
+            <a:avLst/>
+          </a:prstGeom>
+          <a:ln w="12700">
+            <a:miter lim="400000"/>
+          </a:ln>
+          <a:extLst>
+            <a:ext uri="{C572A759-6A51-4108-AA02-DFA0A04FC94B}">
+              <ma14:wrappingTextBoxFlag xmlns:ma14="http://schemas.microsoft.com/office/mac/drawingml/2011/main" val="1"/>
+            </a:ext>
+          </a:extLst>
+        </p:spPr>
+        <p:txBody>
+          <a:bodyPr wrap="none" lIns="50800" tIns="50800" rIns="50800" bIns="50800" anchor="ctr">
+            <a:spAutoFit/>
+          </a:bodyPr>
           <a:lstStyle>
-            <a:lvl1pPr>
-              <a:defRPr spc="-200"/>
+            <a:lvl1pPr algn="l">
+              <a:spcBef>
+                <a:spcPts val="3000"/>
+              </a:spcBef>
+              <a:defRPr sz="2600">
+                <a:solidFill>
+                  <a:srgbClr val="EEEEEE"/>
+                </a:solidFill>
+                <a:latin typeface="Helvetica Neue Bold Condensed"/>
+                <a:ea typeface="Helvetica Neue Bold Condensed"/>
+                <a:cs typeface="Helvetica Neue Bold Condensed"/>
+                <a:sym typeface="Helvetica Neue Bold Condensed"/>
+              </a:defRPr>
             </a:lvl1pPr>
           </a:lstStyle>
           <a:p>
             <a:pPr/>
             <a:r>
-              <a:t> Types of digital certificate</a:t>
+              <a:t>Means: safe for personal communication and business transactions.</a:t>
             </a:r>
           </a:p>
         </p:txBody>
@@ -4702,7 +4862,7 @@
       </p:grpSpPr>
       <p:sp>
         <p:nvSpPr>
-          <p:cNvPr id="158" name="How to create a digital certificate?"/>
+          <p:cNvPr id="159" name="conclusion—digital certificate VS digital signature"/>
           <p:cNvSpPr txBox="1"/>
           <p:nvPr>
             <p:ph type="title"/>
@@ -4715,11 +4875,67 @@
         </p:spPr>
         <p:txBody>
           <a:bodyPr/>
+          <a:lstStyle>
+            <a:lvl1pPr>
+              <a:defRPr spc="-200"/>
+            </a:lvl1pPr>
+          </a:lstStyle>
+          <a:p>
+            <a:pPr/>
+            <a:r>
+              <a:t>TPM</a:t>
+            </a:r>
+          </a:p>
+        </p:txBody>
+      </p:sp>
+      <p:sp>
+        <p:nvSpPr>
+          <p:cNvPr id="160" name="How they recognise that is you?…"/>
+          <p:cNvSpPr txBox="1"/>
+          <p:nvPr>
+            <p:ph type="body" idx="4294967295"/>
+          </p:nvPr>
+        </p:nvSpPr>
+        <p:spPr>
+          <a:xfrm>
+            <a:off x="1270000" y="3263900"/>
+            <a:ext cx="10464800" cy="5715000"/>
+          </a:xfrm>
+          <a:prstGeom prst="rect">
+            <a:avLst/>
+          </a:prstGeom>
+        </p:spPr>
+        <p:txBody>
+          <a:bodyPr/>
           <a:lstStyle/>
           <a:p>
-            <a:pPr/>
-            <a:r>
-              <a:t>How to create a digital certificate?</a:t>
+            <a:pPr>
+              <a:buBlip>
+                <a:blip r:embed="rId2"/>
+              </a:buBlip>
+            </a:pPr>
+            <a:r>
+              <a:t>How they recognise that is you?</a:t>
+            </a:r>
+          </a:p>
+          <a:p>
+            <a:pPr>
+              <a:buBlip>
+                <a:blip r:embed="rId2"/>
+              </a:buBlip>
+            </a:pPr>
+            <a:r>
+              <a:t>How to keep your certificate</a:t>
+            </a:r>
+          </a:p>
+          <a:p>
+            <a:pPr>
+              <a:buBlip>
+                <a:blip r:embed="rId2"/>
+              </a:buBlip>
+            </a:pPr>
+            <a:r>
+              <a:t>Use of TPM</a:t>
             </a:r>
           </a:p>
         </p:txBody>
@@ -4752,7 +4968,7 @@
       </p:grpSpPr>
       <p:sp>
         <p:nvSpPr>
-          <p:cNvPr id="160" name="how does digital certificate work？"/>
+          <p:cNvPr id="162" name="How to create a digital certificate?"/>
           <p:cNvSpPr txBox="1"/>
           <p:nvPr>
             <p:ph type="title"/>
@@ -4765,49 +4981,15 @@
         </p:spPr>
         <p:txBody>
           <a:bodyPr/>
-          <a:lstStyle/>
+          <a:lstStyle>
+            <a:lvl1pPr>
+              <a:defRPr spc="-200"/>
+            </a:lvl1pPr>
+          </a:lstStyle>
           <a:p>
             <a:pPr/>
             <a:r>
-              <a:t>how does digital certificate work？</a:t>
-            </a:r>
-          </a:p>
-        </p:txBody>
-      </p:sp>
-      <p:sp>
-        <p:nvSpPr>
-          <p:cNvPr id="161" name="简单介绍工作流程，最好有截图，重点介绍我们能参与部分…"/>
-          <p:cNvSpPr txBox="1"/>
-          <p:nvPr>
-            <p:ph type="body" idx="1"/>
-          </p:nvPr>
-        </p:nvSpPr>
-        <p:spPr>
-          <a:prstGeom prst="rect">
-            <a:avLst/>
-          </a:prstGeom>
-        </p:spPr>
-        <p:txBody>
-          <a:bodyPr/>
-          <a:lstStyle/>
-          <a:p>
-            <a:pPr>
-              <a:buBlip>
-                <a:blip r:embed="rId2"/>
-              </a:buBlip>
-            </a:pPr>
-            <a:r>
-              <a:t>简单介绍工作流程，最好有截图，重点介绍我们能参与部分</a:t>
-            </a:r>
-          </a:p>
-          <a:p>
-            <a:pPr>
-              <a:buBlip>
-                <a:blip r:embed="rId2"/>
-              </a:buBlip>
-            </a:pPr>
-            <a:r>
-              <a:t>介绍CA agent的指责，下一页介绍免费的CA agent</a:t>
+              <a:t>How to create a digital certificate?</a:t>
             </a:r>
           </a:p>
         </p:txBody>
@@ -5012,7 +5194,7 @@
     <a:spDef>
       <a:spPr>
         <a:solidFill>
-          <a:srgbClr val="EEEEEE"/>
+          <a:srgbClr val="FFFFFF"/>
         </a:solidFill>
         <a:ln w="25400" cap="flat">
           <a:solidFill>
@@ -5052,10 +5234,10 @@
             </a:solidFill>
             <a:effectLst/>
             <a:uFillTx/>
-            <a:latin typeface="Superclarendon"/>
-            <a:ea typeface="Superclarendon"/>
-            <a:cs typeface="Superclarendon"/>
-            <a:sym typeface="Superclarendon"/>
+            <a:latin typeface="+mn-lt"/>
+            <a:ea typeface="+mn-ea"/>
+            <a:cs typeface="+mn-cs"/>
+            <a:sym typeface="Helvetica Neue"/>
           </a:defRPr>
         </a:defPPr>
         <a:lvl1pPr marL="0" marR="0" indent="0" algn="l" defTabSz="914400" rtl="0" fontAlgn="auto" latinLnBrk="1" hangingPunct="0">
@@ -5623,10 +5805,10 @@
             </a:solidFill>
             <a:effectLst/>
             <a:uFillTx/>
-            <a:latin typeface="Superclarendon"/>
-            <a:ea typeface="Superclarendon"/>
-            <a:cs typeface="Superclarendon"/>
-            <a:sym typeface="Superclarendon"/>
+            <a:latin typeface="+mn-lt"/>
+            <a:ea typeface="+mn-ea"/>
+            <a:cs typeface="+mn-cs"/>
+            <a:sym typeface="Helvetica Neue"/>
           </a:defRPr>
         </a:defPPr>
         <a:lvl1pPr marL="0" marR="0" indent="0" algn="l" defTabSz="914400" rtl="0" fontAlgn="auto" latinLnBrk="1" hangingPunct="0">
@@ -6066,7 +6248,7 @@
     <a:spDef>
       <a:spPr>
         <a:solidFill>
-          <a:srgbClr val="EEEEEE"/>
+          <a:srgbClr val="FFFFFF"/>
         </a:solidFill>
         <a:ln w="25400" cap="flat">
           <a:solidFill>
@@ -6106,10 +6288,10 @@
             </a:solidFill>
             <a:effectLst/>
             <a:uFillTx/>
-            <a:latin typeface="Superclarendon"/>
-            <a:ea typeface="Superclarendon"/>
-            <a:cs typeface="Superclarendon"/>
-            <a:sym typeface="Superclarendon"/>
+            <a:latin typeface="+mn-lt"/>
+            <a:ea typeface="+mn-ea"/>
+            <a:cs typeface="+mn-cs"/>
+            <a:sym typeface="Helvetica Neue"/>
           </a:defRPr>
         </a:defPPr>
         <a:lvl1pPr marL="0" marR="0" indent="0" algn="l" defTabSz="914400" rtl="0" fontAlgn="auto" latinLnBrk="1" hangingPunct="0">
@@ -6677,10 +6859,10 @@
             </a:solidFill>
             <a:effectLst/>
             <a:uFillTx/>
-            <a:latin typeface="Superclarendon"/>
-            <a:ea typeface="Superclarendon"/>
-            <a:cs typeface="Superclarendon"/>
-            <a:sym typeface="Superclarendon"/>
+            <a:latin typeface="+mn-lt"/>
+            <a:ea typeface="+mn-ea"/>
+            <a:cs typeface="+mn-cs"/>
+            <a:sym typeface="Helvetica Neue"/>
           </a:defRPr>
         </a:defPPr>
         <a:lvl1pPr marL="0" marR="0" indent="0" algn="l" defTabSz="914400" rtl="0" fontAlgn="auto" latinLnBrk="1" hangingPunct="0">

--- a/digital certificate_new.pptx
+++ b/digital certificate_new.pptx
@@ -2,25 +2,27 @@
 <file path=ppt/presentation.xml><?xml version="1.0" encoding="utf-8"?>
 <p:presentation xmlns:a="http://schemas.openxmlformats.org/drawingml/2006/main" xmlns:r="http://schemas.openxmlformats.org/officeDocument/2006/relationships" xmlns:p="http://schemas.openxmlformats.org/presentationml/2006/main">
   <p:sldMasterIdLst>
-    <p:sldMasterId id="2147483648" r:id="rId5"/>
+    <p:sldMasterId id="2147483648" r:id="rId1"/>
   </p:sldMasterIdLst>
   <p:notesMasterIdLst>
-    <p:notesMasterId r:id="rId7"/>
+    <p:notesMasterId r:id="rId17"/>
   </p:notesMasterIdLst>
   <p:sldIdLst>
-    <p:sldId id="256" r:id="rId8"/>
-    <p:sldId id="257" r:id="rId9"/>
-    <p:sldId id="258" r:id="rId10"/>
-    <p:sldId id="259" r:id="rId11"/>
-    <p:sldId id="260" r:id="rId12"/>
-    <p:sldId id="261" r:id="rId13"/>
-    <p:sldId id="262" r:id="rId14"/>
-    <p:sldId id="263" r:id="rId15"/>
-    <p:sldId id="264" r:id="rId16"/>
-    <p:sldId id="265" r:id="rId17"/>
-    <p:sldId id="266" r:id="rId18"/>
-    <p:sldId id="267" r:id="rId19"/>
-    <p:sldId id="268" r:id="rId20"/>
+    <p:sldId id="256" r:id="rId2"/>
+    <p:sldId id="257" r:id="rId3"/>
+    <p:sldId id="258" r:id="rId4"/>
+    <p:sldId id="259" r:id="rId5"/>
+    <p:sldId id="260" r:id="rId6"/>
+    <p:sldId id="261" r:id="rId7"/>
+    <p:sldId id="262" r:id="rId8"/>
+    <p:sldId id="270" r:id="rId9"/>
+    <p:sldId id="263" r:id="rId10"/>
+    <p:sldId id="264" r:id="rId11"/>
+    <p:sldId id="265" r:id="rId12"/>
+    <p:sldId id="266" r:id="rId13"/>
+    <p:sldId id="269" r:id="rId14"/>
+    <p:sldId id="267" r:id="rId15"/>
+    <p:sldId id="268" r:id="rId16"/>
   </p:sldIdLst>
   <p:sldSz cx="13004800" cy="9753600"/>
   <p:notesSz cx="6858000" cy="9144000"/>
@@ -40,7 +42,7 @@
       <a:buFontTx/>
       <a:buNone/>
       <a:tabLst/>
-      <a:defRPr b="0" baseline="0" cap="none" i="0" spc="0" strike="noStrike" sz="1800" u="none" kumimoji="0" normalizeH="0">
+      <a:defRPr kumimoji="0" sz="1800" b="0" i="0" u="none" strike="noStrike" cap="none" spc="0" normalizeH="0" baseline="0">
         <a:ln>
           <a:noFill/>
         </a:ln>
@@ -66,7 +68,7 @@
       <a:buFontTx/>
       <a:buNone/>
       <a:tabLst/>
-      <a:defRPr b="0" baseline="0" cap="none" i="0" spc="0" strike="noStrike" sz="3800" u="none" kumimoji="0" normalizeH="0">
+      <a:defRPr kumimoji="0" sz="3800" b="0" i="0" u="none" strike="noStrike" cap="none" spc="0" normalizeH="0" baseline="0">
         <a:ln>
           <a:noFill/>
         </a:ln>
@@ -96,7 +98,7 @@
       <a:buFontTx/>
       <a:buNone/>
       <a:tabLst/>
-      <a:defRPr b="0" baseline="0" cap="none" i="0" spc="0" strike="noStrike" sz="3800" u="none" kumimoji="0" normalizeH="0">
+      <a:defRPr kumimoji="0" sz="3800" b="0" i="0" u="none" strike="noStrike" cap="none" spc="0" normalizeH="0" baseline="0">
         <a:ln>
           <a:noFill/>
         </a:ln>
@@ -126,7 +128,7 @@
       <a:buFontTx/>
       <a:buNone/>
       <a:tabLst/>
-      <a:defRPr b="0" baseline="0" cap="none" i="0" spc="0" strike="noStrike" sz="3800" u="none" kumimoji="0" normalizeH="0">
+      <a:defRPr kumimoji="0" sz="3800" b="0" i="0" u="none" strike="noStrike" cap="none" spc="0" normalizeH="0" baseline="0">
         <a:ln>
           <a:noFill/>
         </a:ln>
@@ -156,7 +158,7 @@
       <a:buFontTx/>
       <a:buNone/>
       <a:tabLst/>
-      <a:defRPr b="0" baseline="0" cap="none" i="0" spc="0" strike="noStrike" sz="3800" u="none" kumimoji="0" normalizeH="0">
+      <a:defRPr kumimoji="0" sz="3800" b="0" i="0" u="none" strike="noStrike" cap="none" spc="0" normalizeH="0" baseline="0">
         <a:ln>
           <a:noFill/>
         </a:ln>
@@ -186,7 +188,7 @@
       <a:buFontTx/>
       <a:buNone/>
       <a:tabLst/>
-      <a:defRPr b="0" baseline="0" cap="none" i="0" spc="0" strike="noStrike" sz="3800" u="none" kumimoji="0" normalizeH="0">
+      <a:defRPr kumimoji="0" sz="3800" b="0" i="0" u="none" strike="noStrike" cap="none" spc="0" normalizeH="0" baseline="0">
         <a:ln>
           <a:noFill/>
         </a:ln>
@@ -216,7 +218,7 @@
       <a:buFontTx/>
       <a:buNone/>
       <a:tabLst/>
-      <a:defRPr b="0" baseline="0" cap="none" i="0" spc="0" strike="noStrike" sz="3800" u="none" kumimoji="0" normalizeH="0">
+      <a:defRPr kumimoji="0" sz="3800" b="0" i="0" u="none" strike="noStrike" cap="none" spc="0" normalizeH="0" baseline="0">
         <a:ln>
           <a:noFill/>
         </a:ln>
@@ -246,7 +248,7 @@
       <a:buFontTx/>
       <a:buNone/>
       <a:tabLst/>
-      <a:defRPr b="0" baseline="0" cap="none" i="0" spc="0" strike="noStrike" sz="3800" u="none" kumimoji="0" normalizeH="0">
+      <a:defRPr kumimoji="0" sz="3800" b="0" i="0" u="none" strike="noStrike" cap="none" spc="0" normalizeH="0" baseline="0">
         <a:ln>
           <a:noFill/>
         </a:ln>
@@ -276,7 +278,7 @@
       <a:buFontTx/>
       <a:buNone/>
       <a:tabLst/>
-      <a:defRPr b="0" baseline="0" cap="none" i="0" spc="0" strike="noStrike" sz="3800" u="none" kumimoji="0" normalizeH="0">
+      <a:defRPr kumimoji="0" sz="3800" b="0" i="0" u="none" strike="noStrike" cap="none" spc="0" normalizeH="0" baseline="0">
         <a:ln>
           <a:noFill/>
         </a:ln>
@@ -306,7 +308,7 @@
       <a:buFontTx/>
       <a:buNone/>
       <a:tabLst/>
-      <a:defRPr b="0" baseline="0" cap="none" i="0" spc="0" strike="noStrike" sz="3800" u="none" kumimoji="0" normalizeH="0">
+      <a:defRPr kumimoji="0" sz="3800" b="0" i="0" u="none" strike="noStrike" cap="none" spc="0" normalizeH="0" baseline="0">
         <a:ln>
           <a:noFill/>
         </a:ln>
@@ -325,13 +327,14 @@
 </p:presentation>
 </file>
 
-<file path=ppt/commentAuthors.xml><?xml version="1.0" encoding="utf-8"?>
-<p:cmAuthorLst xmlns:a="http://schemas.openxmlformats.org/drawingml/2006/main" xmlns:r="http://schemas.openxmlformats.org/officeDocument/2006/relationships" xmlns:p="http://schemas.openxmlformats.org/presentationml/2006/main"/>
-</file>
-
 <file path=ppt/notesMasters/notesMaster1.xml><?xml version="1.0" encoding="utf-8"?>
 <p:notesMaster xmlns:a="http://schemas.openxmlformats.org/drawingml/2006/main" xmlns:r="http://schemas.openxmlformats.org/officeDocument/2006/relationships" xmlns:p="http://schemas.openxmlformats.org/presentationml/2006/main">
   <p:cSld>
+    <p:bg>
+      <p:bgRef idx="1001">
+        <a:schemeClr val="bg1"/>
+      </p:bgRef>
+    </p:bg>
     <p:spTree>
       <p:nvGrpSpPr>
         <p:cNvPr id="1" name=""/>
@@ -349,7 +352,9 @@
       <p:sp>
         <p:nvSpPr>
           <p:cNvPr id="135" name="Shape 135"/>
-          <p:cNvSpPr/>
+          <p:cNvSpPr>
+            <a:spLocks noGrp="1" noRot="1" noChangeAspect="1"/>
+          </p:cNvSpPr>
           <p:nvPr>
             <p:ph type="sldImg"/>
           </p:nvPr>
@@ -367,14 +372,16 @@
           <a:bodyPr/>
           <a:lstStyle/>
           <a:p>
-            <a:pPr/>
+            <a:endParaRPr/>
           </a:p>
         </p:txBody>
       </p:sp>
       <p:sp>
         <p:nvSpPr>
           <p:cNvPr id="136" name="Shape 136"/>
-          <p:cNvSpPr/>
+          <p:cNvSpPr>
+            <a:spLocks noGrp="1"/>
+          </p:cNvSpPr>
           <p:nvPr>
             <p:ph type="body" sz="quarter" idx="1"/>
           </p:nvPr>
@@ -392,11 +399,16 @@
           <a:bodyPr/>
           <a:lstStyle/>
           <a:p>
-            <a:pPr/>
+            <a:endParaRPr/>
           </a:p>
         </p:txBody>
       </p:sp>
     </p:spTree>
+    <p:extLst>
+      <p:ext uri="{BB962C8B-B14F-4D97-AF65-F5344CB8AC3E}">
+        <p14:creationId xmlns:p14="http://schemas.microsoft.com/office/powerpoint/2010/main" val="875585988"/>
+      </p:ext>
+    </p:extLst>
   </p:cSld>
   <p:clrMap bg1="lt1" tx1="dk1" bg2="lt2" tx2="dk2" accent1="accent1" accent2="accent2" accent3="accent3" accent4="accent4" accent5="accent5" accent6="accent6" hlink="hlink" folHlink="folHlink"/>
   <p:notesStyle>
@@ -503,18 +515,80 @@
 </p:notesMaster>
 </file>
 
+<file path=ppt/notesSlides/notesSlide1.xml><?xml version="1.0" encoding="utf-8"?>
+<p:notes xmlns:a="http://schemas.openxmlformats.org/drawingml/2006/main" xmlns:r="http://schemas.openxmlformats.org/officeDocument/2006/relationships" xmlns:p="http://schemas.openxmlformats.org/presentationml/2006/main">
+  <p:cSld>
+    <p:spTree>
+      <p:nvGrpSpPr>
+        <p:cNvPr id="1" name=""/>
+        <p:cNvGrpSpPr/>
+        <p:nvPr/>
+      </p:nvGrpSpPr>
+      <p:grpSpPr>
+        <a:xfrm>
+          <a:off x="0" y="0"/>
+          <a:ext cx="0" cy="0"/>
+          <a:chOff x="0" y="0"/>
+          <a:chExt cx="0" cy="0"/>
+        </a:xfrm>
+      </p:grpSpPr>
+      <p:sp>
+        <p:nvSpPr>
+          <p:cNvPr id="2" name="幻灯片图像占位符 1"/>
+          <p:cNvSpPr>
+            <a:spLocks noGrp="1" noRot="1" noChangeAspect="1"/>
+          </p:cNvSpPr>
+          <p:nvPr>
+            <p:ph type="sldImg"/>
+          </p:nvPr>
+        </p:nvSpPr>
+        <p:spPr/>
+      </p:sp>
+      <p:sp>
+        <p:nvSpPr>
+          <p:cNvPr id="3" name="备注占位符 2"/>
+          <p:cNvSpPr>
+            <a:spLocks noGrp="1"/>
+          </p:cNvSpPr>
+          <p:nvPr>
+            <p:ph type="body" idx="1"/>
+          </p:nvPr>
+        </p:nvSpPr>
+        <p:spPr/>
+        <p:txBody>
+          <a:bodyPr/>
+          <a:lstStyle/>
+          <a:p>
+            <a:endParaRPr lang="zh-CN" altLang="en-US" dirty="0"/>
+          </a:p>
+        </p:txBody>
+      </p:sp>
+    </p:spTree>
+    <p:extLst>
+      <p:ext uri="{BB962C8B-B14F-4D97-AF65-F5344CB8AC3E}">
+        <p14:creationId xmlns:p14="http://schemas.microsoft.com/office/powerpoint/2010/main" val="1611534891"/>
+      </p:ext>
+    </p:extLst>
+  </p:cSld>
+  <p:clrMapOvr>
+    <a:masterClrMapping/>
+  </p:clrMapOvr>
+</p:notes>
+</file>
+
 <file path=ppt/slideLayouts/slideLayout1.xml><?xml version="1.0" encoding="utf-8"?>
-<p:sldLayout xmlns:a="http://schemas.openxmlformats.org/drawingml/2006/main" xmlns:r="http://schemas.openxmlformats.org/officeDocument/2006/relationships" xmlns:p="http://schemas.openxmlformats.org/presentationml/2006/main" type="title" showMasterSp="1" showMasterPhAnim="1">
+<p:sldLayout xmlns:a="http://schemas.openxmlformats.org/drawingml/2006/main" xmlns:r="http://schemas.openxmlformats.org/officeDocument/2006/relationships" xmlns:p="http://schemas.openxmlformats.org/presentationml/2006/main" type="title">
   <p:cSld name="标题与副标题">
     <p:bg>
       <p:bgPr>
         <a:blipFill rotWithShape="1">
           <a:blip r:embed="rId2"/>
-          <a:srcRect l="0" t="0" r="0" b="0"/>
+          <a:srcRect/>
           <a:stretch>
             <a:fillRect/>
           </a:stretch>
         </a:blipFill>
+        <a:effectLst/>
       </p:bgPr>
     </p:bg>
     <p:spTree>
@@ -534,7 +608,9 @@
       <p:sp>
         <p:nvSpPr>
           <p:cNvPr id="11" name="标题文本"/>
-          <p:cNvSpPr txBox="1"/>
+          <p:cNvSpPr txBox="1">
+            <a:spLocks noGrp="1"/>
+          </p:cNvSpPr>
           <p:nvPr>
             <p:ph type="title"/>
           </p:nvPr>
@@ -552,11 +628,10 @@
           <a:bodyPr anchor="b"/>
           <a:lstStyle>
             <a:lvl1pPr>
-              <a:defRPr spc="-128" sz="6400"/>
+              <a:defRPr sz="6400" spc="-128"/>
             </a:lvl1pPr>
           </a:lstStyle>
           <a:p>
-            <a:pPr/>
             <a:r>
               <a:t>标题文本</a:t>
             </a:r>
@@ -566,7 +641,9 @@
       <p:sp>
         <p:nvSpPr>
           <p:cNvPr id="12" name="正文级别 1…"/>
-          <p:cNvSpPr txBox="1"/>
+          <p:cNvSpPr txBox="1">
+            <a:spLocks noGrp="1"/>
+          </p:cNvSpPr>
           <p:nvPr>
             <p:ph type="body" sz="quarter" idx="1"/>
           </p:nvPr>
@@ -625,7 +702,6 @@
             </a:lvl5pPr>
           </a:lstStyle>
           <a:p>
-            <a:pPr/>
             <a:r>
               <a:t>正文级别 1</a:t>
             </a:r>
@@ -659,7 +735,9 @@
       <p:sp>
         <p:nvSpPr>
           <p:cNvPr id="13" name="幻灯片编号"/>
-          <p:cNvSpPr txBox="1"/>
+          <p:cNvSpPr txBox="1">
+            <a:spLocks noGrp="1"/>
+          </p:cNvSpPr>
           <p:nvPr>
             <p:ph type="sldNum" sz="quarter" idx="2"/>
           </p:nvPr>
@@ -677,8 +755,10 @@
           <a:bodyPr anchor="ctr"/>
           <a:lstStyle/>
           <a:p>
-            <a:pPr/>
-            <a:fld id="{86CB4B4D-7CA3-9044-876B-883B54F8677D}" type="slidenum"/>
+            <a:fld id="{86CB4B4D-7CA3-9044-876B-883B54F8677D}" type="slidenum">
+              <a:t>‹#›</a:t>
+            </a:fld>
+            <a:endParaRPr/>
           </a:p>
         </p:txBody>
       </p:sp>
@@ -687,22 +767,23 @@
   <p:clrMapOvr>
     <a:masterClrMapping/>
   </p:clrMapOvr>
-  <p:transition xmlns:p14="http://schemas.microsoft.com/office/powerpoint/2010/main" spd="med" advClick="1"/>
+  <p:transition spd="med"/>
 </p:sldLayout>
 </file>
 
 <file path=ppt/slideLayouts/slideLayout10.xml><?xml version="1.0" encoding="utf-8"?>
-<p:sldLayout xmlns:a="http://schemas.openxmlformats.org/drawingml/2006/main" xmlns:r="http://schemas.openxmlformats.org/officeDocument/2006/relationships" xmlns:p="http://schemas.openxmlformats.org/presentationml/2006/main" type="tx" showMasterSp="1" showMasterPhAnim="1">
+<p:sldLayout xmlns:a="http://schemas.openxmlformats.org/drawingml/2006/main" xmlns:r="http://schemas.openxmlformats.org/officeDocument/2006/relationships" xmlns:p="http://schemas.openxmlformats.org/presentationml/2006/main" type="tx">
   <p:cSld name="引文">
     <p:bg>
       <p:bgPr>
         <a:blipFill rotWithShape="1">
           <a:blip r:embed="rId2"/>
-          <a:srcRect l="0" t="0" r="0" b="0"/>
+          <a:srcRect/>
           <a:stretch>
             <a:fillRect/>
           </a:stretch>
         </a:blipFill>
+        <a:effectLst/>
       </p:bgPr>
     </p:bg>
     <p:spTree>
@@ -722,7 +803,9 @@
       <p:sp>
         <p:nvSpPr>
           <p:cNvPr id="98" name="正文级别 1…"/>
-          <p:cNvSpPr txBox="1"/>
+          <p:cNvSpPr txBox="1">
+            <a:spLocks noGrp="1"/>
+          </p:cNvSpPr>
           <p:nvPr>
             <p:ph type="body" sz="quarter" idx="1"/>
           </p:nvPr>
@@ -805,7 +888,6 @@
             </a:lvl5pPr>
           </a:lstStyle>
           <a:p>
-            <a:pPr/>
             <a:r>
               <a:t>正文级别 1</a:t>
             </a:r>
@@ -839,7 +921,9 @@
       <p:sp>
         <p:nvSpPr>
           <p:cNvPr id="99" name="“在此键入引文。”"/>
-          <p:cNvSpPr txBox="1"/>
+          <p:cNvSpPr txBox="1">
+            <a:spLocks noGrp="1"/>
+          </p:cNvSpPr>
           <p:nvPr>
             <p:ph type="body" sz="quarter" idx="13"/>
           </p:nvPr>
@@ -862,13 +946,16 @@
                 <a:blip r:embed="rId3"/>
               </a:buBlip>
             </a:pPr>
+            <a:endParaRPr/>
           </a:p>
         </p:txBody>
       </p:sp>
       <p:sp>
         <p:nvSpPr>
           <p:cNvPr id="100" name="幻灯片编号"/>
-          <p:cNvSpPr txBox="1"/>
+          <p:cNvSpPr txBox="1">
+            <a:spLocks noGrp="1"/>
+          </p:cNvSpPr>
           <p:nvPr>
             <p:ph type="sldNum" sz="quarter" idx="2"/>
           </p:nvPr>
@@ -882,8 +969,10 @@
           <a:bodyPr/>
           <a:lstStyle/>
           <a:p>
-            <a:pPr/>
-            <a:fld id="{86CB4B4D-7CA3-9044-876B-883B54F8677D}" type="slidenum"/>
+            <a:fld id="{86CB4B4D-7CA3-9044-876B-883B54F8677D}" type="slidenum">
+              <a:t>‹#›</a:t>
+            </a:fld>
+            <a:endParaRPr/>
           </a:p>
         </p:txBody>
       </p:sp>
@@ -892,22 +981,23 @@
   <p:clrMapOvr>
     <a:masterClrMapping/>
   </p:clrMapOvr>
-  <p:transition xmlns:p14="http://schemas.microsoft.com/office/powerpoint/2010/main" spd="med" advClick="1"/>
+  <p:transition spd="med"/>
 </p:sldLayout>
 </file>
 
 <file path=ppt/slideLayouts/slideLayout11.xml><?xml version="1.0" encoding="utf-8"?>
-<p:sldLayout xmlns:a="http://schemas.openxmlformats.org/drawingml/2006/main" xmlns:r="http://schemas.openxmlformats.org/officeDocument/2006/relationships" xmlns:p="http://schemas.openxmlformats.org/presentationml/2006/main" type="tx" showMasterSp="1" showMasterPhAnim="1">
+<p:sldLayout xmlns:a="http://schemas.openxmlformats.org/drawingml/2006/main" xmlns:r="http://schemas.openxmlformats.org/officeDocument/2006/relationships" xmlns:p="http://schemas.openxmlformats.org/presentationml/2006/main" type="tx">
   <p:cSld name="照片">
     <p:bg>
       <p:bgPr>
         <a:blipFill rotWithShape="1">
           <a:blip r:embed="rId2"/>
-          <a:srcRect l="0" t="0" r="0" b="0"/>
+          <a:srcRect/>
           <a:stretch>
             <a:fillRect/>
           </a:stretch>
         </a:blipFill>
+        <a:effectLst/>
       </p:bgPr>
     </p:bg>
     <p:spTree>
@@ -927,7 +1017,9 @@
       <p:sp>
         <p:nvSpPr>
           <p:cNvPr id="107" name="157588660_2880x1920.jpeg"/>
-          <p:cNvSpPr/>
+          <p:cNvSpPr>
+            <a:spLocks noGrp="1"/>
+          </p:cNvSpPr>
           <p:nvPr>
             <p:ph type="pic" idx="13"/>
           </p:nvPr>
@@ -947,14 +1039,16 @@
           </a:bodyPr>
           <a:lstStyle/>
           <a:p>
-            <a:pPr/>
+            <a:endParaRPr/>
           </a:p>
         </p:txBody>
       </p:sp>
       <p:sp>
         <p:nvSpPr>
           <p:cNvPr id="108" name="幻灯片编号"/>
-          <p:cNvSpPr txBox="1"/>
+          <p:cNvSpPr txBox="1">
+            <a:spLocks noGrp="1"/>
+          </p:cNvSpPr>
           <p:nvPr>
             <p:ph type="sldNum" sz="quarter" idx="2"/>
           </p:nvPr>
@@ -968,8 +1062,10 @@
           <a:bodyPr/>
           <a:lstStyle/>
           <a:p>
-            <a:pPr/>
-            <a:fld id="{86CB4B4D-7CA3-9044-876B-883B54F8677D}" type="slidenum"/>
+            <a:fld id="{86CB4B4D-7CA3-9044-876B-883B54F8677D}" type="slidenum">
+              <a:t>‹#›</a:t>
+            </a:fld>
+            <a:endParaRPr/>
           </a:p>
         </p:txBody>
       </p:sp>
@@ -978,12 +1074,12 @@
   <p:clrMapOvr>
     <a:masterClrMapping/>
   </p:clrMapOvr>
-  <p:transition xmlns:p14="http://schemas.microsoft.com/office/powerpoint/2010/main" spd="med" advClick="1"/>
+  <p:transition spd="med"/>
 </p:sldLayout>
 </file>
 
 <file path=ppt/slideLayouts/slideLayout12.xml><?xml version="1.0" encoding="utf-8"?>
-<p:sldLayout xmlns:a="http://schemas.openxmlformats.org/drawingml/2006/main" xmlns:r="http://schemas.openxmlformats.org/officeDocument/2006/relationships" xmlns:p="http://schemas.openxmlformats.org/presentationml/2006/main" type="tx" showMasterSp="1" showMasterPhAnim="1">
+<p:sldLayout xmlns:a="http://schemas.openxmlformats.org/drawingml/2006/main" xmlns:r="http://schemas.openxmlformats.org/officeDocument/2006/relationships" xmlns:p="http://schemas.openxmlformats.org/presentationml/2006/main" type="tx">
   <p:cSld name="空白">
     <p:spTree>
       <p:nvGrpSpPr>
@@ -1002,7 +1098,9 @@
       <p:sp>
         <p:nvSpPr>
           <p:cNvPr id="115" name="幻灯片编号"/>
-          <p:cNvSpPr txBox="1"/>
+          <p:cNvSpPr txBox="1">
+            <a:spLocks noGrp="1"/>
+          </p:cNvSpPr>
           <p:nvPr>
             <p:ph type="sldNum" sz="quarter" idx="2"/>
           </p:nvPr>
@@ -1016,8 +1114,10 @@
           <a:bodyPr/>
           <a:lstStyle/>
           <a:p>
-            <a:pPr/>
-            <a:fld id="{86CB4B4D-7CA3-9044-876B-883B54F8677D}" type="slidenum"/>
+            <a:fld id="{86CB4B4D-7CA3-9044-876B-883B54F8677D}" type="slidenum">
+              <a:t>‹#›</a:t>
+            </a:fld>
+            <a:endParaRPr/>
           </a:p>
         </p:txBody>
       </p:sp>
@@ -1026,22 +1126,23 @@
   <p:clrMapOvr>
     <a:masterClrMapping/>
   </p:clrMapOvr>
-  <p:transition xmlns:p14="http://schemas.microsoft.com/office/powerpoint/2010/main" spd="med" advClick="1"/>
+  <p:transition spd="med"/>
 </p:sldLayout>
 </file>
 
 <file path=ppt/slideLayouts/slideLayout13.xml><?xml version="1.0" encoding="utf-8"?>
-<p:sldLayout xmlns:a="http://schemas.openxmlformats.org/drawingml/2006/main" xmlns:r="http://schemas.openxmlformats.org/officeDocument/2006/relationships" xmlns:p="http://schemas.openxmlformats.org/presentationml/2006/main" type="tx" showMasterSp="1" showMasterPhAnim="1">
+<p:sldLayout xmlns:a="http://schemas.openxmlformats.org/drawingml/2006/main" xmlns:r="http://schemas.openxmlformats.org/officeDocument/2006/relationships" xmlns:p="http://schemas.openxmlformats.org/presentationml/2006/main" type="tx">
   <p:cSld name="空白 - 备选">
     <p:bg>
       <p:bgPr>
         <a:blipFill rotWithShape="1">
           <a:blip r:embed="rId2"/>
-          <a:srcRect l="0" t="0" r="0" b="0"/>
+          <a:srcRect/>
           <a:stretch>
             <a:fillRect/>
           </a:stretch>
         </a:blipFill>
+        <a:effectLst/>
       </p:bgPr>
     </p:bg>
     <p:spTree>
@@ -1061,7 +1162,9 @@
       <p:sp>
         <p:nvSpPr>
           <p:cNvPr id="122" name="幻灯片编号"/>
-          <p:cNvSpPr txBox="1"/>
+          <p:cNvSpPr txBox="1">
+            <a:spLocks noGrp="1"/>
+          </p:cNvSpPr>
           <p:nvPr>
             <p:ph type="sldNum" sz="quarter" idx="2"/>
           </p:nvPr>
@@ -1075,8 +1178,10 @@
           <a:bodyPr/>
           <a:lstStyle/>
           <a:p>
-            <a:pPr/>
-            <a:fld id="{86CB4B4D-7CA3-9044-876B-883B54F8677D}" type="slidenum"/>
+            <a:fld id="{86CB4B4D-7CA3-9044-876B-883B54F8677D}" type="slidenum">
+              <a:t>‹#›</a:t>
+            </a:fld>
+            <a:endParaRPr/>
           </a:p>
         </p:txBody>
       </p:sp>
@@ -1085,22 +1190,23 @@
   <p:clrMapOvr>
     <a:masterClrMapping/>
   </p:clrMapOvr>
-  <p:transition xmlns:p14="http://schemas.microsoft.com/office/powerpoint/2010/main" spd="med" advClick="1"/>
+  <p:transition spd="med"/>
 </p:sldLayout>
 </file>
 
 <file path=ppt/slideLayouts/slideLayout14.xml><?xml version="1.0" encoding="utf-8"?>
-<p:sldLayout xmlns:a="http://schemas.openxmlformats.org/drawingml/2006/main" xmlns:r="http://schemas.openxmlformats.org/officeDocument/2006/relationships" xmlns:p="http://schemas.openxmlformats.org/presentationml/2006/main" type="tx" showMasterSp="1" showMasterPhAnim="1">
+<p:sldLayout xmlns:a="http://schemas.openxmlformats.org/drawingml/2006/main" xmlns:r="http://schemas.openxmlformats.org/officeDocument/2006/relationships" xmlns:p="http://schemas.openxmlformats.org/presentationml/2006/main" type="tx">
   <p:cSld name="空白 - 备选 2">
     <p:bg>
       <p:bgPr>
         <a:blipFill rotWithShape="1">
           <a:blip r:embed="rId2"/>
-          <a:srcRect l="0" t="0" r="0" b="0"/>
+          <a:srcRect/>
           <a:stretch>
             <a:fillRect/>
           </a:stretch>
         </a:blipFill>
+        <a:effectLst/>
       </p:bgPr>
     </p:bg>
     <p:spTree>
@@ -1120,7 +1226,9 @@
       <p:sp>
         <p:nvSpPr>
           <p:cNvPr id="129" name="幻灯片编号"/>
-          <p:cNvSpPr txBox="1"/>
+          <p:cNvSpPr txBox="1">
+            <a:spLocks noGrp="1"/>
+          </p:cNvSpPr>
           <p:nvPr>
             <p:ph type="sldNum" sz="quarter" idx="2"/>
           </p:nvPr>
@@ -1134,8 +1242,10 @@
           <a:bodyPr/>
           <a:lstStyle/>
           <a:p>
-            <a:pPr/>
-            <a:fld id="{86CB4B4D-7CA3-9044-876B-883B54F8677D}" type="slidenum"/>
+            <a:fld id="{86CB4B4D-7CA3-9044-876B-883B54F8677D}" type="slidenum">
+              <a:t>‹#›</a:t>
+            </a:fld>
+            <a:endParaRPr/>
           </a:p>
         </p:txBody>
       </p:sp>
@@ -1144,22 +1254,23 @@
   <p:clrMapOvr>
     <a:masterClrMapping/>
   </p:clrMapOvr>
-  <p:transition xmlns:p14="http://schemas.microsoft.com/office/powerpoint/2010/main" spd="med" advClick="1"/>
+  <p:transition spd="med"/>
 </p:sldLayout>
 </file>
 
 <file path=ppt/slideLayouts/slideLayout2.xml><?xml version="1.0" encoding="utf-8"?>
-<p:sldLayout xmlns:a="http://schemas.openxmlformats.org/drawingml/2006/main" xmlns:r="http://schemas.openxmlformats.org/officeDocument/2006/relationships" xmlns:p="http://schemas.openxmlformats.org/presentationml/2006/main" type="tx" showMasterSp="1" showMasterPhAnim="1">
+<p:sldLayout xmlns:a="http://schemas.openxmlformats.org/drawingml/2006/main" xmlns:r="http://schemas.openxmlformats.org/officeDocument/2006/relationships" xmlns:p="http://schemas.openxmlformats.org/presentationml/2006/main" type="tx">
   <p:cSld name="照片 - 水平">
     <p:bg>
       <p:bgPr>
         <a:blipFill rotWithShape="1">
           <a:blip r:embed="rId2"/>
-          <a:srcRect l="0" t="0" r="0" b="0"/>
+          <a:srcRect/>
           <a:stretch>
             <a:fillRect/>
           </a:stretch>
         </a:blipFill>
+        <a:effectLst/>
       </p:bgPr>
     </p:bg>
     <p:spTree>
@@ -1208,7 +1319,9 @@
       <p:sp>
         <p:nvSpPr>
           <p:cNvPr id="21" name="157588660_2880x1920.jpeg"/>
-          <p:cNvSpPr/>
+          <p:cNvSpPr>
+            <a:spLocks noGrp="1"/>
+          </p:cNvSpPr>
           <p:nvPr>
             <p:ph type="pic" idx="13"/>
           </p:nvPr>
@@ -1228,14 +1341,16 @@
           </a:bodyPr>
           <a:lstStyle/>
           <a:p>
-            <a:pPr/>
+            <a:endParaRPr/>
           </a:p>
         </p:txBody>
       </p:sp>
       <p:sp>
         <p:nvSpPr>
           <p:cNvPr id="22" name="标题文本"/>
-          <p:cNvSpPr txBox="1"/>
+          <p:cNvSpPr txBox="1">
+            <a:spLocks noGrp="1"/>
+          </p:cNvSpPr>
           <p:nvPr>
             <p:ph type="title"/>
           </p:nvPr>
@@ -1253,11 +1368,10 @@
           <a:bodyPr anchor="b"/>
           <a:lstStyle>
             <a:lvl1pPr>
-              <a:defRPr spc="-128" sz="6400"/>
+              <a:defRPr sz="6400" spc="-128"/>
             </a:lvl1pPr>
           </a:lstStyle>
           <a:p>
-            <a:pPr/>
             <a:r>
               <a:t>标题文本</a:t>
             </a:r>
@@ -1267,7 +1381,9 @@
       <p:sp>
         <p:nvSpPr>
           <p:cNvPr id="23" name="正文级别 1…"/>
-          <p:cNvSpPr txBox="1"/>
+          <p:cNvSpPr txBox="1">
+            <a:spLocks noGrp="1"/>
+          </p:cNvSpPr>
           <p:nvPr>
             <p:ph type="body" sz="quarter" idx="1"/>
           </p:nvPr>
@@ -1326,7 +1442,6 @@
             </a:lvl5pPr>
           </a:lstStyle>
           <a:p>
-            <a:pPr/>
             <a:r>
               <a:t>正文级别 1</a:t>
             </a:r>
@@ -1360,7 +1475,9 @@
       <p:sp>
         <p:nvSpPr>
           <p:cNvPr id="24" name="幻灯片编号"/>
-          <p:cNvSpPr txBox="1"/>
+          <p:cNvSpPr txBox="1">
+            <a:spLocks noGrp="1"/>
+          </p:cNvSpPr>
           <p:nvPr>
             <p:ph type="sldNum" sz="quarter" idx="2"/>
           </p:nvPr>
@@ -1374,8 +1491,10 @@
           <a:bodyPr/>
           <a:lstStyle/>
           <a:p>
-            <a:pPr/>
-            <a:fld id="{86CB4B4D-7CA3-9044-876B-883B54F8677D}" type="slidenum"/>
+            <a:fld id="{86CB4B4D-7CA3-9044-876B-883B54F8677D}" type="slidenum">
+              <a:t>‹#›</a:t>
+            </a:fld>
+            <a:endParaRPr/>
           </a:p>
         </p:txBody>
       </p:sp>
@@ -1384,22 +1503,23 @@
   <p:clrMapOvr>
     <a:masterClrMapping/>
   </p:clrMapOvr>
-  <p:transition xmlns:p14="http://schemas.microsoft.com/office/powerpoint/2010/main" spd="med" advClick="1"/>
+  <p:transition spd="med"/>
 </p:sldLayout>
 </file>
 
 <file path=ppt/slideLayouts/slideLayout3.xml><?xml version="1.0" encoding="utf-8"?>
-<p:sldLayout xmlns:a="http://schemas.openxmlformats.org/drawingml/2006/main" xmlns:r="http://schemas.openxmlformats.org/officeDocument/2006/relationships" xmlns:p="http://schemas.openxmlformats.org/presentationml/2006/main" type="tx" showMasterSp="1" showMasterPhAnim="1">
+<p:sldLayout xmlns:a="http://schemas.openxmlformats.org/drawingml/2006/main" xmlns:r="http://schemas.openxmlformats.org/officeDocument/2006/relationships" xmlns:p="http://schemas.openxmlformats.org/presentationml/2006/main" type="tx">
   <p:cSld name="标题 - 居中">
     <p:bg>
       <p:bgPr>
         <a:blipFill rotWithShape="1">
           <a:blip r:embed="rId2"/>
-          <a:srcRect l="0" t="0" r="0" b="0"/>
+          <a:srcRect/>
           <a:stretch>
             <a:fillRect/>
           </a:stretch>
         </a:blipFill>
+        <a:effectLst/>
       </p:bgPr>
     </p:bg>
     <p:spTree>
@@ -1419,7 +1539,9 @@
       <p:sp>
         <p:nvSpPr>
           <p:cNvPr id="31" name="标题文本"/>
-          <p:cNvSpPr txBox="1"/>
+          <p:cNvSpPr txBox="1">
+            <a:spLocks noGrp="1"/>
+          </p:cNvSpPr>
           <p:nvPr>
             <p:ph type="title"/>
           </p:nvPr>
@@ -1437,11 +1559,10 @@
           <a:bodyPr/>
           <a:lstStyle>
             <a:lvl1pPr>
-              <a:defRPr spc="-128" sz="6400"/>
+              <a:defRPr sz="6400" spc="-128"/>
             </a:lvl1pPr>
           </a:lstStyle>
           <a:p>
-            <a:pPr/>
             <a:r>
               <a:t>标题文本</a:t>
             </a:r>
@@ -1451,7 +1572,9 @@
       <p:sp>
         <p:nvSpPr>
           <p:cNvPr id="32" name="幻灯片编号"/>
-          <p:cNvSpPr txBox="1"/>
+          <p:cNvSpPr txBox="1">
+            <a:spLocks noGrp="1"/>
+          </p:cNvSpPr>
           <p:nvPr>
             <p:ph type="sldNum" sz="quarter" idx="2"/>
           </p:nvPr>
@@ -1465,8 +1588,10 @@
           <a:bodyPr/>
           <a:lstStyle/>
           <a:p>
-            <a:pPr/>
-            <a:fld id="{86CB4B4D-7CA3-9044-876B-883B54F8677D}" type="slidenum"/>
+            <a:fld id="{86CB4B4D-7CA3-9044-876B-883B54F8677D}" type="slidenum">
+              <a:t>‹#›</a:t>
+            </a:fld>
+            <a:endParaRPr/>
           </a:p>
         </p:txBody>
       </p:sp>
@@ -1475,22 +1600,23 @@
   <p:clrMapOvr>
     <a:masterClrMapping/>
   </p:clrMapOvr>
-  <p:transition xmlns:p14="http://schemas.microsoft.com/office/powerpoint/2010/main" spd="med" advClick="1"/>
+  <p:transition spd="med"/>
 </p:sldLayout>
 </file>
 
 <file path=ppt/slideLayouts/slideLayout4.xml><?xml version="1.0" encoding="utf-8"?>
-<p:sldLayout xmlns:a="http://schemas.openxmlformats.org/drawingml/2006/main" xmlns:r="http://schemas.openxmlformats.org/officeDocument/2006/relationships" xmlns:p="http://schemas.openxmlformats.org/presentationml/2006/main" type="tx" showMasterSp="1" showMasterPhAnim="1">
+<p:sldLayout xmlns:a="http://schemas.openxmlformats.org/drawingml/2006/main" xmlns:r="http://schemas.openxmlformats.org/officeDocument/2006/relationships" xmlns:p="http://schemas.openxmlformats.org/presentationml/2006/main" type="tx">
   <p:cSld name="照片 - 垂直">
     <p:bg>
       <p:bgPr>
         <a:blipFill rotWithShape="1">
           <a:blip r:embed="rId2"/>
-          <a:srcRect l="0" t="0" r="0" b="0"/>
+          <a:srcRect/>
           <a:stretch>
             <a:fillRect/>
           </a:stretch>
         </a:blipFill>
+        <a:effectLst/>
       </p:bgPr>
     </p:bg>
     <p:spTree>
@@ -1539,7 +1665,9 @@
       <p:sp>
         <p:nvSpPr>
           <p:cNvPr id="40" name="图像"/>
-          <p:cNvSpPr/>
+          <p:cNvSpPr>
+            <a:spLocks noGrp="1"/>
+          </p:cNvSpPr>
           <p:nvPr>
             <p:ph type="pic" sz="half" idx="13"/>
           </p:nvPr>
@@ -1559,14 +1687,16 @@
           </a:bodyPr>
           <a:lstStyle/>
           <a:p>
-            <a:pPr/>
+            <a:endParaRPr/>
           </a:p>
         </p:txBody>
       </p:sp>
       <p:sp>
         <p:nvSpPr>
           <p:cNvPr id="41" name="标题文本"/>
-          <p:cNvSpPr txBox="1"/>
+          <p:cNvSpPr txBox="1">
+            <a:spLocks noGrp="1"/>
+          </p:cNvSpPr>
           <p:nvPr>
             <p:ph type="title"/>
           </p:nvPr>
@@ -1584,7 +1714,6 @@
           <a:bodyPr anchor="b"/>
           <a:lstStyle/>
           <a:p>
-            <a:pPr/>
             <a:r>
               <a:t>标题文本</a:t>
             </a:r>
@@ -1594,7 +1723,9 @@
       <p:sp>
         <p:nvSpPr>
           <p:cNvPr id="42" name="正文级别 1…"/>
-          <p:cNvSpPr txBox="1"/>
+          <p:cNvSpPr txBox="1">
+            <a:spLocks noGrp="1"/>
+          </p:cNvSpPr>
           <p:nvPr>
             <p:ph type="body" sz="quarter" idx="1"/>
           </p:nvPr>
@@ -1653,7 +1784,6 @@
             </a:lvl5pPr>
           </a:lstStyle>
           <a:p>
-            <a:pPr/>
             <a:r>
               <a:t>正文级别 1</a:t>
             </a:r>
@@ -1687,7 +1817,9 @@
       <p:sp>
         <p:nvSpPr>
           <p:cNvPr id="43" name="幻灯片编号"/>
-          <p:cNvSpPr txBox="1"/>
+          <p:cNvSpPr txBox="1">
+            <a:spLocks noGrp="1"/>
+          </p:cNvSpPr>
           <p:nvPr>
             <p:ph type="sldNum" sz="quarter" idx="2"/>
           </p:nvPr>
@@ -1701,8 +1833,10 @@
           <a:bodyPr/>
           <a:lstStyle/>
           <a:p>
-            <a:pPr/>
-            <a:fld id="{86CB4B4D-7CA3-9044-876B-883B54F8677D}" type="slidenum"/>
+            <a:fld id="{86CB4B4D-7CA3-9044-876B-883B54F8677D}" type="slidenum">
+              <a:t>‹#›</a:t>
+            </a:fld>
+            <a:endParaRPr/>
           </a:p>
         </p:txBody>
       </p:sp>
@@ -1711,12 +1845,12 @@
   <p:clrMapOvr>
     <a:masterClrMapping/>
   </p:clrMapOvr>
-  <p:transition xmlns:p14="http://schemas.microsoft.com/office/powerpoint/2010/main" spd="med" advClick="1"/>
+  <p:transition spd="med"/>
 </p:sldLayout>
 </file>
 
 <file path=ppt/slideLayouts/slideLayout5.xml><?xml version="1.0" encoding="utf-8"?>
-<p:sldLayout xmlns:a="http://schemas.openxmlformats.org/drawingml/2006/main" xmlns:r="http://schemas.openxmlformats.org/officeDocument/2006/relationships" xmlns:p="http://schemas.openxmlformats.org/presentationml/2006/main" type="tx" showMasterSp="1" showMasterPhAnim="1">
+<p:sldLayout xmlns:a="http://schemas.openxmlformats.org/drawingml/2006/main" xmlns:r="http://schemas.openxmlformats.org/officeDocument/2006/relationships" xmlns:p="http://schemas.openxmlformats.org/presentationml/2006/main" type="tx">
   <p:cSld name="标题 - 顶部对齐">
     <p:spTree>
       <p:nvGrpSpPr>
@@ -1764,7 +1898,9 @@
       <p:sp>
         <p:nvSpPr>
           <p:cNvPr id="51" name="标题文本"/>
-          <p:cNvSpPr txBox="1"/>
+          <p:cNvSpPr txBox="1">
+            <a:spLocks noGrp="1"/>
+          </p:cNvSpPr>
           <p:nvPr>
             <p:ph type="title"/>
           </p:nvPr>
@@ -1782,7 +1918,6 @@
           <a:bodyPr/>
           <a:lstStyle/>
           <a:p>
-            <a:pPr/>
             <a:r>
               <a:t>标题文本</a:t>
             </a:r>
@@ -1792,7 +1927,9 @@
       <p:sp>
         <p:nvSpPr>
           <p:cNvPr id="52" name="幻灯片编号"/>
-          <p:cNvSpPr txBox="1"/>
+          <p:cNvSpPr txBox="1">
+            <a:spLocks noGrp="1"/>
+          </p:cNvSpPr>
           <p:nvPr>
             <p:ph type="sldNum" sz="quarter" idx="2"/>
           </p:nvPr>
@@ -1806,8 +1943,10 @@
           <a:bodyPr/>
           <a:lstStyle/>
           <a:p>
-            <a:pPr/>
-            <a:fld id="{86CB4B4D-7CA3-9044-876B-883B54F8677D}" type="slidenum"/>
+            <a:fld id="{86CB4B4D-7CA3-9044-876B-883B54F8677D}" type="slidenum">
+              <a:t>‹#›</a:t>
+            </a:fld>
+            <a:endParaRPr/>
           </a:p>
         </p:txBody>
       </p:sp>
@@ -1816,12 +1955,12 @@
   <p:clrMapOvr>
     <a:masterClrMapping/>
   </p:clrMapOvr>
-  <p:transition xmlns:p14="http://schemas.microsoft.com/office/powerpoint/2010/main" spd="med" advClick="1"/>
+  <p:transition spd="med"/>
 </p:sldLayout>
 </file>
 
 <file path=ppt/slideLayouts/slideLayout6.xml><?xml version="1.0" encoding="utf-8"?>
-<p:sldLayout xmlns:a="http://schemas.openxmlformats.org/drawingml/2006/main" xmlns:r="http://schemas.openxmlformats.org/officeDocument/2006/relationships" xmlns:p="http://schemas.openxmlformats.org/presentationml/2006/main" type="tx" showMasterSp="1" showMasterPhAnim="1">
+<p:sldLayout xmlns:a="http://schemas.openxmlformats.org/drawingml/2006/main" xmlns:r="http://schemas.openxmlformats.org/officeDocument/2006/relationships" xmlns:p="http://schemas.openxmlformats.org/presentationml/2006/main" type="tx">
   <p:cSld name="标题与项目符号">
     <p:spTree>
       <p:nvGrpSpPr>
@@ -1869,7 +2008,9 @@
       <p:sp>
         <p:nvSpPr>
           <p:cNvPr id="60" name="标题文本"/>
-          <p:cNvSpPr txBox="1"/>
+          <p:cNvSpPr txBox="1">
+            <a:spLocks noGrp="1"/>
+          </p:cNvSpPr>
           <p:nvPr>
             <p:ph type="title"/>
           </p:nvPr>
@@ -1887,7 +2028,6 @@
           <a:bodyPr/>
           <a:lstStyle/>
           <a:p>
-            <a:pPr/>
             <a:r>
               <a:t>标题文本</a:t>
             </a:r>
@@ -1897,7 +2037,9 @@
       <p:sp>
         <p:nvSpPr>
           <p:cNvPr id="61" name="正文级别 1…"/>
-          <p:cNvSpPr txBox="1"/>
+          <p:cNvSpPr txBox="1">
+            <a:spLocks noGrp="1"/>
+          </p:cNvSpPr>
           <p:nvPr>
             <p:ph type="body" idx="1"/>
           </p:nvPr>
@@ -1941,7 +2083,6 @@
             </a:lvl5pPr>
           </a:lstStyle>
           <a:p>
-            <a:pPr/>
             <a:r>
               <a:t>正文级别 1</a:t>
             </a:r>
@@ -1975,7 +2116,9 @@
       <p:sp>
         <p:nvSpPr>
           <p:cNvPr id="62" name="幻灯片编号"/>
-          <p:cNvSpPr txBox="1"/>
+          <p:cNvSpPr txBox="1">
+            <a:spLocks noGrp="1"/>
+          </p:cNvSpPr>
           <p:nvPr>
             <p:ph type="sldNum" sz="quarter" idx="2"/>
           </p:nvPr>
@@ -1989,8 +2132,10 @@
           <a:bodyPr/>
           <a:lstStyle/>
           <a:p>
-            <a:pPr/>
-            <a:fld id="{86CB4B4D-7CA3-9044-876B-883B54F8677D}" type="slidenum"/>
+            <a:fld id="{86CB4B4D-7CA3-9044-876B-883B54F8677D}" type="slidenum">
+              <a:t>‹#›</a:t>
+            </a:fld>
+            <a:endParaRPr/>
           </a:p>
         </p:txBody>
       </p:sp>
@@ -1999,12 +2144,12 @@
   <p:clrMapOvr>
     <a:masterClrMapping/>
   </p:clrMapOvr>
-  <p:transition xmlns:p14="http://schemas.microsoft.com/office/powerpoint/2010/main" spd="med" advClick="1"/>
+  <p:transition spd="med"/>
 </p:sldLayout>
 </file>
 
 <file path=ppt/slideLayouts/slideLayout7.xml><?xml version="1.0" encoding="utf-8"?>
-<p:sldLayout xmlns:a="http://schemas.openxmlformats.org/drawingml/2006/main" xmlns:r="http://schemas.openxmlformats.org/officeDocument/2006/relationships" xmlns:p="http://schemas.openxmlformats.org/presentationml/2006/main" type="tx" showMasterSp="1" showMasterPhAnim="1">
+<p:sldLayout xmlns:a="http://schemas.openxmlformats.org/drawingml/2006/main" xmlns:r="http://schemas.openxmlformats.org/officeDocument/2006/relationships" xmlns:p="http://schemas.openxmlformats.org/presentationml/2006/main" type="tx">
   <p:cSld name="标题、项目符号与照片">
     <p:spTree>
       <p:nvGrpSpPr>
@@ -2052,7 +2197,9 @@
       <p:sp>
         <p:nvSpPr>
           <p:cNvPr id="70" name="图像"/>
-          <p:cNvSpPr/>
+          <p:cNvSpPr>
+            <a:spLocks noGrp="1"/>
+          </p:cNvSpPr>
           <p:nvPr>
             <p:ph type="pic" sz="half" idx="13"/>
           </p:nvPr>
@@ -2072,14 +2219,16 @@
           </a:bodyPr>
           <a:lstStyle/>
           <a:p>
-            <a:pPr/>
+            <a:endParaRPr/>
           </a:p>
         </p:txBody>
       </p:sp>
       <p:sp>
         <p:nvSpPr>
           <p:cNvPr id="71" name="标题文本"/>
-          <p:cNvSpPr txBox="1"/>
+          <p:cNvSpPr txBox="1">
+            <a:spLocks noGrp="1"/>
+          </p:cNvSpPr>
           <p:nvPr>
             <p:ph type="title"/>
           </p:nvPr>
@@ -2097,7 +2246,6 @@
           <a:bodyPr/>
           <a:lstStyle/>
           <a:p>
-            <a:pPr/>
             <a:r>
               <a:t>标题文本</a:t>
             </a:r>
@@ -2107,7 +2255,9 @@
       <p:sp>
         <p:nvSpPr>
           <p:cNvPr id="72" name="正文级别 1…"/>
-          <p:cNvSpPr txBox="1"/>
+          <p:cNvSpPr txBox="1">
+            <a:spLocks noGrp="1"/>
+          </p:cNvSpPr>
           <p:nvPr>
             <p:ph type="body" sz="half" idx="1"/>
           </p:nvPr>
@@ -2171,7 +2321,6 @@
             </a:lvl5pPr>
           </a:lstStyle>
           <a:p>
-            <a:pPr/>
             <a:r>
               <a:t>正文级别 1</a:t>
             </a:r>
@@ -2205,7 +2354,9 @@
       <p:sp>
         <p:nvSpPr>
           <p:cNvPr id="73" name="幻灯片编号"/>
-          <p:cNvSpPr txBox="1"/>
+          <p:cNvSpPr txBox="1">
+            <a:spLocks noGrp="1"/>
+          </p:cNvSpPr>
           <p:nvPr>
             <p:ph type="sldNum" sz="quarter" idx="2"/>
           </p:nvPr>
@@ -2219,8 +2370,10 @@
           <a:bodyPr/>
           <a:lstStyle/>
           <a:p>
-            <a:pPr/>
-            <a:fld id="{86CB4B4D-7CA3-9044-876B-883B54F8677D}" type="slidenum"/>
+            <a:fld id="{86CB4B4D-7CA3-9044-876B-883B54F8677D}" type="slidenum">
+              <a:t>‹#›</a:t>
+            </a:fld>
+            <a:endParaRPr/>
           </a:p>
         </p:txBody>
       </p:sp>
@@ -2229,12 +2382,12 @@
   <p:clrMapOvr>
     <a:masterClrMapping/>
   </p:clrMapOvr>
-  <p:transition xmlns:p14="http://schemas.microsoft.com/office/powerpoint/2010/main" spd="med" advClick="1"/>
+  <p:transition spd="med"/>
 </p:sldLayout>
 </file>
 
 <file path=ppt/slideLayouts/slideLayout8.xml><?xml version="1.0" encoding="utf-8"?>
-<p:sldLayout xmlns:a="http://schemas.openxmlformats.org/drawingml/2006/main" xmlns:r="http://schemas.openxmlformats.org/officeDocument/2006/relationships" xmlns:p="http://schemas.openxmlformats.org/presentationml/2006/main" type="tx" showMasterSp="1" showMasterPhAnim="1">
+<p:sldLayout xmlns:a="http://schemas.openxmlformats.org/drawingml/2006/main" xmlns:r="http://schemas.openxmlformats.org/officeDocument/2006/relationships" xmlns:p="http://schemas.openxmlformats.org/presentationml/2006/main" type="tx">
   <p:cSld name="项目符号">
     <p:spTree>
       <p:nvGrpSpPr>
@@ -2253,7 +2406,9 @@
       <p:sp>
         <p:nvSpPr>
           <p:cNvPr id="80" name="正文级别 1…"/>
-          <p:cNvSpPr txBox="1"/>
+          <p:cNvSpPr txBox="1">
+            <a:spLocks noGrp="1"/>
+          </p:cNvSpPr>
           <p:nvPr>
             <p:ph type="body" idx="1"/>
           </p:nvPr>
@@ -2293,7 +2448,6 @@
             </a:lvl5pPr>
           </a:lstStyle>
           <a:p>
-            <a:pPr/>
             <a:r>
               <a:t>正文级别 1</a:t>
             </a:r>
@@ -2327,7 +2481,9 @@
       <p:sp>
         <p:nvSpPr>
           <p:cNvPr id="81" name="幻灯片编号"/>
-          <p:cNvSpPr txBox="1"/>
+          <p:cNvSpPr txBox="1">
+            <a:spLocks noGrp="1"/>
+          </p:cNvSpPr>
           <p:nvPr>
             <p:ph type="sldNum" sz="quarter" idx="2"/>
           </p:nvPr>
@@ -2341,8 +2497,10 @@
           <a:bodyPr/>
           <a:lstStyle/>
           <a:p>
-            <a:pPr/>
-            <a:fld id="{86CB4B4D-7CA3-9044-876B-883B54F8677D}" type="slidenum"/>
+            <a:fld id="{86CB4B4D-7CA3-9044-876B-883B54F8677D}" type="slidenum">
+              <a:t>‹#›</a:t>
+            </a:fld>
+            <a:endParaRPr/>
           </a:p>
         </p:txBody>
       </p:sp>
@@ -2351,22 +2509,23 @@
   <p:clrMapOvr>
     <a:masterClrMapping/>
   </p:clrMapOvr>
-  <p:transition xmlns:p14="http://schemas.microsoft.com/office/powerpoint/2010/main" spd="med" advClick="1"/>
+  <p:transition spd="med"/>
 </p:sldLayout>
 </file>
 
 <file path=ppt/slideLayouts/slideLayout9.xml><?xml version="1.0" encoding="utf-8"?>
-<p:sldLayout xmlns:a="http://schemas.openxmlformats.org/drawingml/2006/main" xmlns:r="http://schemas.openxmlformats.org/officeDocument/2006/relationships" xmlns:p="http://schemas.openxmlformats.org/presentationml/2006/main" type="tx" showMasterSp="1" showMasterPhAnim="1">
+<p:sldLayout xmlns:a="http://schemas.openxmlformats.org/drawingml/2006/main" xmlns:r="http://schemas.openxmlformats.org/officeDocument/2006/relationships" xmlns:p="http://schemas.openxmlformats.org/presentationml/2006/main" type="tx">
   <p:cSld name="照片 - 3 联">
     <p:bg>
       <p:bgPr>
         <a:blipFill rotWithShape="1">
           <a:blip r:embed="rId2"/>
-          <a:srcRect l="0" t="0" r="0" b="0"/>
+          <a:srcRect/>
           <a:stretch>
             <a:fillRect/>
           </a:stretch>
         </a:blipFill>
+        <a:effectLst/>
       </p:bgPr>
     </p:bg>
     <p:spTree>
@@ -2386,7 +2545,9 @@
       <p:sp>
         <p:nvSpPr>
           <p:cNvPr id="88" name="图像"/>
-          <p:cNvSpPr/>
+          <p:cNvSpPr>
+            <a:spLocks noGrp="1"/>
+          </p:cNvSpPr>
           <p:nvPr>
             <p:ph type="pic" sz="quarter" idx="13"/>
           </p:nvPr>
@@ -2406,14 +2567,16 @@
           </a:bodyPr>
           <a:lstStyle/>
           <a:p>
-            <a:pPr/>
+            <a:endParaRPr/>
           </a:p>
         </p:txBody>
       </p:sp>
       <p:sp>
         <p:nvSpPr>
           <p:cNvPr id="89" name="图像"/>
-          <p:cNvSpPr/>
+          <p:cNvSpPr>
+            <a:spLocks noGrp="1"/>
+          </p:cNvSpPr>
           <p:nvPr>
             <p:ph type="pic" sz="quarter" idx="14"/>
           </p:nvPr>
@@ -2433,14 +2596,16 @@
           </a:bodyPr>
           <a:lstStyle/>
           <a:p>
-            <a:pPr/>
+            <a:endParaRPr/>
           </a:p>
         </p:txBody>
       </p:sp>
       <p:sp>
         <p:nvSpPr>
           <p:cNvPr id="90" name="图像"/>
-          <p:cNvSpPr/>
+          <p:cNvSpPr>
+            <a:spLocks noGrp="1"/>
+          </p:cNvSpPr>
           <p:nvPr>
             <p:ph type="pic" sz="half" idx="15"/>
           </p:nvPr>
@@ -2460,14 +2625,16 @@
           </a:bodyPr>
           <a:lstStyle/>
           <a:p>
-            <a:pPr/>
+            <a:endParaRPr/>
           </a:p>
         </p:txBody>
       </p:sp>
       <p:sp>
         <p:nvSpPr>
           <p:cNvPr id="91" name="幻灯片编号"/>
-          <p:cNvSpPr txBox="1"/>
+          <p:cNvSpPr txBox="1">
+            <a:spLocks noGrp="1"/>
+          </p:cNvSpPr>
           <p:nvPr>
             <p:ph type="sldNum" sz="quarter" idx="2"/>
           </p:nvPr>
@@ -2481,8 +2648,10 @@
           <a:bodyPr/>
           <a:lstStyle/>
           <a:p>
-            <a:pPr/>
-            <a:fld id="{86CB4B4D-7CA3-9044-876B-883B54F8677D}" type="slidenum"/>
+            <a:fld id="{86CB4B4D-7CA3-9044-876B-883B54F8677D}" type="slidenum">
+              <a:t>‹#›</a:t>
+            </a:fld>
+            <a:endParaRPr/>
           </a:p>
         </p:txBody>
       </p:sp>
@@ -2491,7 +2660,7 @@
   <p:clrMapOvr>
     <a:masterClrMapping/>
   </p:clrMapOvr>
-  <p:transition xmlns:p14="http://schemas.microsoft.com/office/powerpoint/2010/main" spd="med" advClick="1"/>
+  <p:transition spd="med"/>
 </p:sldLayout>
 </file>
 
@@ -2501,12 +2670,13 @@
     <p:bg>
       <p:bgPr>
         <a:blipFill rotWithShape="1">
-          <a:blip r:embed="rId2"/>
-          <a:srcRect l="0" t="0" r="0" b="0"/>
+          <a:blip r:embed="rId16"/>
+          <a:srcRect/>
           <a:stretch>
             <a:fillRect/>
           </a:stretch>
         </a:blipFill>
+        <a:effectLst/>
       </p:bgPr>
     </p:bg>
     <p:spTree>
@@ -2526,7 +2696,9 @@
       <p:sp>
         <p:nvSpPr>
           <p:cNvPr id="2" name="正文级别 1…"/>
-          <p:cNvSpPr txBox="1"/>
+          <p:cNvSpPr txBox="1">
+            <a:spLocks noGrp="1"/>
+          </p:cNvSpPr>
           <p:nvPr>
             <p:ph type="body" idx="1"/>
           </p:nvPr>
@@ -2544,43 +2716,42 @@
           </a:ln>
           <a:extLst>
             <a:ext uri="{C572A759-6A51-4108-AA02-DFA0A04FC94B}">
-              <ma14:wrappingTextBoxFlag xmlns:ma14="http://schemas.microsoft.com/office/mac/drawingml/2011/main" val="1"/>
+              <ma14:wrappingTextBoxFlag xmlns:ma14="http://schemas.microsoft.com/office/mac/drawingml/2011/main" xmlns="" val="1"/>
             </a:ext>
           </a:extLst>
         </p:spPr>
         <p:txBody>
           <a:bodyPr lIns="50800" tIns="50800" rIns="50800" bIns="50800" anchor="ctr">
-            <a:normAutofit fontScale="100000" lnSpcReduction="0"/>
+            <a:normAutofit/>
           </a:bodyPr>
           <a:lstStyle>
             <a:lvl1pPr>
               <a:buBlip>
-                <a:blip r:embed="rId3"/>
+                <a:blip r:embed="rId17"/>
               </a:buBlip>
             </a:lvl1pPr>
             <a:lvl2pPr>
               <a:buBlip>
-                <a:blip r:embed="rId3"/>
+                <a:blip r:embed="rId17"/>
               </a:buBlip>
             </a:lvl2pPr>
             <a:lvl3pPr>
               <a:buBlip>
-                <a:blip r:embed="rId3"/>
+                <a:blip r:embed="rId17"/>
               </a:buBlip>
             </a:lvl3pPr>
             <a:lvl4pPr>
               <a:buBlip>
-                <a:blip r:embed="rId3"/>
+                <a:blip r:embed="rId17"/>
               </a:buBlip>
             </a:lvl4pPr>
             <a:lvl5pPr>
               <a:buBlip>
-                <a:blip r:embed="rId3"/>
+                <a:blip r:embed="rId17"/>
               </a:buBlip>
             </a:lvl5pPr>
           </a:lstStyle>
           <a:p>
-            <a:pPr/>
             <a:r>
               <a:t>正文级别 1</a:t>
             </a:r>
@@ -2614,7 +2785,9 @@
       <p:sp>
         <p:nvSpPr>
           <p:cNvPr id="3" name="标题文本"/>
-          <p:cNvSpPr txBox="1"/>
+          <p:cNvSpPr txBox="1">
+            <a:spLocks noGrp="1"/>
+          </p:cNvSpPr>
           <p:nvPr>
             <p:ph type="title"/>
           </p:nvPr>
@@ -2632,17 +2805,16 @@
           </a:ln>
           <a:extLst>
             <a:ext uri="{C572A759-6A51-4108-AA02-DFA0A04FC94B}">
-              <ma14:wrappingTextBoxFlag xmlns:ma14="http://schemas.microsoft.com/office/mac/drawingml/2011/main" val="1"/>
+              <ma14:wrappingTextBoxFlag xmlns:ma14="http://schemas.microsoft.com/office/mac/drawingml/2011/main" xmlns="" val="1"/>
             </a:ext>
           </a:extLst>
         </p:spPr>
         <p:txBody>
           <a:bodyPr lIns="50800" tIns="50800" rIns="50800" bIns="50800" anchor="ctr">
-            <a:normAutofit fontScale="100000" lnSpcReduction="0"/>
+            <a:normAutofit/>
           </a:bodyPr>
           <a:lstStyle/>
           <a:p>
-            <a:pPr/>
             <a:r>
               <a:t>标题文本</a:t>
             </a:r>
@@ -2652,7 +2824,9 @@
       <p:sp>
         <p:nvSpPr>
           <p:cNvPr id="4" name="幻灯片编号"/>
-          <p:cNvSpPr txBox="1"/>
+          <p:cNvSpPr txBox="1">
+            <a:spLocks noGrp="1"/>
+          </p:cNvSpPr>
           <p:nvPr>
             <p:ph type="sldNum" sz="quarter" idx="2"/>
           </p:nvPr>
@@ -2675,7 +2849,7 @@
           </a:bodyPr>
           <a:lstStyle>
             <a:lvl1pPr>
-              <a:defRPr b="1" sz="1800">
+              <a:defRPr sz="1800" b="1">
                 <a:solidFill>
                   <a:srgbClr val="F1F1F1"/>
                 </a:solidFill>
@@ -2687,8 +2861,10 @@
             </a:lvl1pPr>
           </a:lstStyle>
           <a:p>
-            <a:pPr/>
-            <a:fld id="{86CB4B4D-7CA3-9044-876B-883B54F8677D}" type="slidenum"/>
+            <a:fld id="{86CB4B4D-7CA3-9044-876B-883B54F8677D}" type="slidenum">
+              <a:t>‹#›</a:t>
+            </a:fld>
+            <a:endParaRPr/>
           </a:p>
         </p:txBody>
       </p:sp>
@@ -2696,22 +2872,22 @@
   </p:cSld>
   <p:clrMap bg1="lt1" tx1="dk1" bg2="lt2" tx2="dk2" accent1="accent1" accent2="accent2" accent3="accent3" accent4="accent4" accent5="accent5" accent6="accent6" hlink="hlink" folHlink="folHlink"/>
   <p:sldLayoutIdLst>
-    <p:sldLayoutId id="2147483649" r:id="rId4"/>
-    <p:sldLayoutId id="2147483650" r:id="rId5"/>
-    <p:sldLayoutId id="2147483651" r:id="rId6"/>
-    <p:sldLayoutId id="2147483652" r:id="rId7"/>
-    <p:sldLayoutId id="2147483653" r:id="rId8"/>
-    <p:sldLayoutId id="2147483654" r:id="rId9"/>
-    <p:sldLayoutId id="2147483655" r:id="rId10"/>
-    <p:sldLayoutId id="2147483656" r:id="rId11"/>
-    <p:sldLayoutId id="2147483657" r:id="rId12"/>
-    <p:sldLayoutId id="2147483658" r:id="rId13"/>
-    <p:sldLayoutId id="2147483659" r:id="rId14"/>
-    <p:sldLayoutId id="2147483660" r:id="rId15"/>
-    <p:sldLayoutId id="2147483661" r:id="rId16"/>
-    <p:sldLayoutId id="2147483662" r:id="rId17"/>
+    <p:sldLayoutId id="2147483649" r:id="rId1"/>
+    <p:sldLayoutId id="2147483650" r:id="rId2"/>
+    <p:sldLayoutId id="2147483651" r:id="rId3"/>
+    <p:sldLayoutId id="2147483652" r:id="rId4"/>
+    <p:sldLayoutId id="2147483653" r:id="rId5"/>
+    <p:sldLayoutId id="2147483654" r:id="rId6"/>
+    <p:sldLayoutId id="2147483655" r:id="rId7"/>
+    <p:sldLayoutId id="2147483656" r:id="rId8"/>
+    <p:sldLayoutId id="2147483657" r:id="rId9"/>
+    <p:sldLayoutId id="2147483658" r:id="rId10"/>
+    <p:sldLayoutId id="2147483659" r:id="rId11"/>
+    <p:sldLayoutId id="2147483660" r:id="rId12"/>
+    <p:sldLayoutId id="2147483661" r:id="rId13"/>
+    <p:sldLayoutId id="2147483662" r:id="rId14"/>
   </p:sldLayoutIdLst>
-  <p:transition xmlns:p14="http://schemas.microsoft.com/office/powerpoint/2010/main" spd="med" advClick="1"/>
+  <p:transition spd="med"/>
   <p:txStyles>
     <p:titleStyle>
       <a:lvl1pPr marL="0" marR="0" indent="0" algn="ctr" defTabSz="584200" rtl="0" latinLnBrk="0">
@@ -2729,7 +2905,7 @@
         <a:buFontTx/>
         <a:buNone/>
         <a:tabLst/>
-        <a:defRPr b="1" baseline="0" cap="none" i="0" spc="-144" strike="noStrike" sz="4800" u="none">
+        <a:defRPr sz="4800" b="1" i="0" u="none" strike="noStrike" cap="none" spc="-144" baseline="0">
           <a:ln>
             <a:noFill/>
           </a:ln>
@@ -2758,7 +2934,7 @@
         <a:buFontTx/>
         <a:buNone/>
         <a:tabLst/>
-        <a:defRPr b="1" baseline="0" cap="none" i="0" spc="-144" strike="noStrike" sz="4800" u="none">
+        <a:defRPr sz="4800" b="1" i="0" u="none" strike="noStrike" cap="none" spc="-144" baseline="0">
           <a:ln>
             <a:noFill/>
           </a:ln>
@@ -2787,7 +2963,7 @@
         <a:buFontTx/>
         <a:buNone/>
         <a:tabLst/>
-        <a:defRPr b="1" baseline="0" cap="none" i="0" spc="-144" strike="noStrike" sz="4800" u="none">
+        <a:defRPr sz="4800" b="1" i="0" u="none" strike="noStrike" cap="none" spc="-144" baseline="0">
           <a:ln>
             <a:noFill/>
           </a:ln>
@@ -2816,7 +2992,7 @@
         <a:buFontTx/>
         <a:buNone/>
         <a:tabLst/>
-        <a:defRPr b="1" baseline="0" cap="none" i="0" spc="-144" strike="noStrike" sz="4800" u="none">
+        <a:defRPr sz="4800" b="1" i="0" u="none" strike="noStrike" cap="none" spc="-144" baseline="0">
           <a:ln>
             <a:noFill/>
           </a:ln>
@@ -2845,7 +3021,7 @@
         <a:buFontTx/>
         <a:buNone/>
         <a:tabLst/>
-        <a:defRPr b="1" baseline="0" cap="none" i="0" spc="-144" strike="noStrike" sz="4800" u="none">
+        <a:defRPr sz="4800" b="1" i="0" u="none" strike="noStrike" cap="none" spc="-144" baseline="0">
           <a:ln>
             <a:noFill/>
           </a:ln>
@@ -2874,7 +3050,7 @@
         <a:buFontTx/>
         <a:buNone/>
         <a:tabLst/>
-        <a:defRPr b="1" baseline="0" cap="none" i="0" spc="-144" strike="noStrike" sz="4800" u="none">
+        <a:defRPr sz="4800" b="1" i="0" u="none" strike="noStrike" cap="none" spc="-144" baseline="0">
           <a:ln>
             <a:noFill/>
           </a:ln>
@@ -2903,7 +3079,7 @@
         <a:buFontTx/>
         <a:buNone/>
         <a:tabLst/>
-        <a:defRPr b="1" baseline="0" cap="none" i="0" spc="-144" strike="noStrike" sz="4800" u="none">
+        <a:defRPr sz="4800" b="1" i="0" u="none" strike="noStrike" cap="none" spc="-144" baseline="0">
           <a:ln>
             <a:noFill/>
           </a:ln>
@@ -2932,7 +3108,7 @@
         <a:buFontTx/>
         <a:buNone/>
         <a:tabLst/>
-        <a:defRPr b="1" baseline="0" cap="none" i="0" spc="-144" strike="noStrike" sz="4800" u="none">
+        <a:defRPr sz="4800" b="1" i="0" u="none" strike="noStrike" cap="none" spc="-144" baseline="0">
           <a:ln>
             <a:noFill/>
           </a:ln>
@@ -2961,7 +3137,7 @@
         <a:buFontTx/>
         <a:buNone/>
         <a:tabLst/>
-        <a:defRPr b="1" baseline="0" cap="none" i="0" spc="-144" strike="noStrike" sz="4800" u="none">
+        <a:defRPr sz="4800" b="1" i="0" u="none" strike="noStrike" cap="none" spc="-144" baseline="0">
           <a:ln>
             <a:noFill/>
           </a:ln>
@@ -2991,10 +3167,10 @@
         <a:buSzPct val="65000"/>
         <a:buFontTx/>
         <a:buBlip>
-          <a:blip r:embed="rId3"/>
+          <a:blip r:embed="rId17"/>
         </a:buBlip>
         <a:tabLst/>
-        <a:defRPr b="0" baseline="0" cap="none" i="0" spc="0" strike="noStrike" sz="3400" u="none">
+        <a:defRPr sz="3400" b="0" i="0" u="none" strike="noStrike" cap="none" spc="0" baseline="0">
           <a:ln>
             <a:noFill/>
           </a:ln>
@@ -3022,10 +3198,10 @@
         <a:buSzPct val="65000"/>
         <a:buFontTx/>
         <a:buBlip>
-          <a:blip r:embed="rId3"/>
+          <a:blip r:embed="rId17"/>
         </a:buBlip>
         <a:tabLst/>
-        <a:defRPr b="0" baseline="0" cap="none" i="0" spc="0" strike="noStrike" sz="3400" u="none">
+        <a:defRPr sz="3400" b="0" i="0" u="none" strike="noStrike" cap="none" spc="0" baseline="0">
           <a:ln>
             <a:noFill/>
           </a:ln>
@@ -3053,10 +3229,10 @@
         <a:buSzPct val="65000"/>
         <a:buFontTx/>
         <a:buBlip>
-          <a:blip r:embed="rId3"/>
+          <a:blip r:embed="rId17"/>
         </a:buBlip>
         <a:tabLst/>
-        <a:defRPr b="0" baseline="0" cap="none" i="0" spc="0" strike="noStrike" sz="3400" u="none">
+        <a:defRPr sz="3400" b="0" i="0" u="none" strike="noStrike" cap="none" spc="0" baseline="0">
           <a:ln>
             <a:noFill/>
           </a:ln>
@@ -3084,10 +3260,10 @@
         <a:buSzPct val="65000"/>
         <a:buFontTx/>
         <a:buBlip>
-          <a:blip r:embed="rId3"/>
+          <a:blip r:embed="rId17"/>
         </a:buBlip>
         <a:tabLst/>
-        <a:defRPr b="0" baseline="0" cap="none" i="0" spc="0" strike="noStrike" sz="3400" u="none">
+        <a:defRPr sz="3400" b="0" i="0" u="none" strike="noStrike" cap="none" spc="0" baseline="0">
           <a:ln>
             <a:noFill/>
           </a:ln>
@@ -3115,10 +3291,10 @@
         <a:buSzPct val="65000"/>
         <a:buFontTx/>
         <a:buBlip>
-          <a:blip r:embed="rId3"/>
+          <a:blip r:embed="rId17"/>
         </a:buBlip>
         <a:tabLst/>
-        <a:defRPr b="0" baseline="0" cap="none" i="0" spc="0" strike="noStrike" sz="3400" u="none">
+        <a:defRPr sz="3400" b="0" i="0" u="none" strike="noStrike" cap="none" spc="0" baseline="0">
           <a:ln>
             <a:noFill/>
           </a:ln>
@@ -3146,10 +3322,10 @@
         <a:buSzPct val="65000"/>
         <a:buFontTx/>
         <a:buBlip>
-          <a:blip r:embed="rId3"/>
+          <a:blip r:embed="rId17"/>
         </a:buBlip>
         <a:tabLst/>
-        <a:defRPr b="0" baseline="0" cap="none" i="0" spc="0" strike="noStrike" sz="3400" u="none">
+        <a:defRPr sz="3400" b="0" i="0" u="none" strike="noStrike" cap="none" spc="0" baseline="0">
           <a:ln>
             <a:noFill/>
           </a:ln>
@@ -3177,10 +3353,10 @@
         <a:buSzPct val="65000"/>
         <a:buFontTx/>
         <a:buBlip>
-          <a:blip r:embed="rId3"/>
+          <a:blip r:embed="rId17"/>
         </a:buBlip>
         <a:tabLst/>
-        <a:defRPr b="0" baseline="0" cap="none" i="0" spc="0" strike="noStrike" sz="3400" u="none">
+        <a:defRPr sz="3400" b="0" i="0" u="none" strike="noStrike" cap="none" spc="0" baseline="0">
           <a:ln>
             <a:noFill/>
           </a:ln>
@@ -3208,10 +3384,10 @@
         <a:buSzPct val="65000"/>
         <a:buFontTx/>
         <a:buBlip>
-          <a:blip r:embed="rId3"/>
+          <a:blip r:embed="rId17"/>
         </a:buBlip>
         <a:tabLst/>
-        <a:defRPr b="0" baseline="0" cap="none" i="0" spc="0" strike="noStrike" sz="3400" u="none">
+        <a:defRPr sz="3400" b="0" i="0" u="none" strike="noStrike" cap="none" spc="0" baseline="0">
           <a:ln>
             <a:noFill/>
           </a:ln>
@@ -3239,10 +3415,10 @@
         <a:buSzPct val="65000"/>
         <a:buFontTx/>
         <a:buBlip>
-          <a:blip r:embed="rId3"/>
+          <a:blip r:embed="rId17"/>
         </a:buBlip>
         <a:tabLst/>
-        <a:defRPr b="0" baseline="0" cap="none" i="0" spc="0" strike="noStrike" sz="3400" u="none">
+        <a:defRPr sz="3400" b="0" i="0" u="none" strike="noStrike" cap="none" spc="0" baseline="0">
           <a:ln>
             <a:noFill/>
           </a:ln>
@@ -3273,7 +3449,7 @@
         <a:buFontTx/>
         <a:buNone/>
         <a:tabLst/>
-        <a:defRPr b="1" baseline="0" cap="none" i="0" spc="0" strike="noStrike" sz="1800" u="none">
+        <a:defRPr sz="1800" b="1" i="0" u="none" strike="noStrike" cap="none" spc="0" baseline="0">
           <a:ln>
             <a:noFill/>
           </a:ln>
@@ -3302,7 +3478,7 @@
         <a:buFontTx/>
         <a:buNone/>
         <a:tabLst/>
-        <a:defRPr b="1" baseline="0" cap="none" i="0" spc="0" strike="noStrike" sz="1800" u="none">
+        <a:defRPr sz="1800" b="1" i="0" u="none" strike="noStrike" cap="none" spc="0" baseline="0">
           <a:ln>
             <a:noFill/>
           </a:ln>
@@ -3331,7 +3507,7 @@
         <a:buFontTx/>
         <a:buNone/>
         <a:tabLst/>
-        <a:defRPr b="1" baseline="0" cap="none" i="0" spc="0" strike="noStrike" sz="1800" u="none">
+        <a:defRPr sz="1800" b="1" i="0" u="none" strike="noStrike" cap="none" spc="0" baseline="0">
           <a:ln>
             <a:noFill/>
           </a:ln>
@@ -3360,7 +3536,7 @@
         <a:buFontTx/>
         <a:buNone/>
         <a:tabLst/>
-        <a:defRPr b="1" baseline="0" cap="none" i="0" spc="0" strike="noStrike" sz="1800" u="none">
+        <a:defRPr sz="1800" b="1" i="0" u="none" strike="noStrike" cap="none" spc="0" baseline="0">
           <a:ln>
             <a:noFill/>
           </a:ln>
@@ -3389,7 +3565,7 @@
         <a:buFontTx/>
         <a:buNone/>
         <a:tabLst/>
-        <a:defRPr b="1" baseline="0" cap="none" i="0" spc="0" strike="noStrike" sz="1800" u="none">
+        <a:defRPr sz="1800" b="1" i="0" u="none" strike="noStrike" cap="none" spc="0" baseline="0">
           <a:ln>
             <a:noFill/>
           </a:ln>
@@ -3418,7 +3594,7 @@
         <a:buFontTx/>
         <a:buNone/>
         <a:tabLst/>
-        <a:defRPr b="1" baseline="0" cap="none" i="0" spc="0" strike="noStrike" sz="1800" u="none">
+        <a:defRPr sz="1800" b="1" i="0" u="none" strike="noStrike" cap="none" spc="0" baseline="0">
           <a:ln>
             <a:noFill/>
           </a:ln>
@@ -3447,7 +3623,7 @@
         <a:buFontTx/>
         <a:buNone/>
         <a:tabLst/>
-        <a:defRPr b="1" baseline="0" cap="none" i="0" spc="0" strike="noStrike" sz="1800" u="none">
+        <a:defRPr sz="1800" b="1" i="0" u="none" strike="noStrike" cap="none" spc="0" baseline="0">
           <a:ln>
             <a:noFill/>
           </a:ln>
@@ -3476,7 +3652,7 @@
         <a:buFontTx/>
         <a:buNone/>
         <a:tabLst/>
-        <a:defRPr b="1" baseline="0" cap="none" i="0" spc="0" strike="noStrike" sz="1800" u="none">
+        <a:defRPr sz="1800" b="1" i="0" u="none" strike="noStrike" cap="none" spc="0" baseline="0">
           <a:ln>
             <a:noFill/>
           </a:ln>
@@ -3505,7 +3681,7 @@
         <a:buFontTx/>
         <a:buNone/>
         <a:tabLst/>
-        <a:defRPr b="1" baseline="0" cap="none" i="0" spc="0" strike="noStrike" sz="1800" u="none">
+        <a:defRPr sz="1800" b="1" i="0" u="none" strike="noStrike" cap="none" spc="0" baseline="0">
           <a:ln>
             <a:noFill/>
           </a:ln>
@@ -3525,7 +3701,7 @@
 </file>
 
 <file path=ppt/slides/slide1.xml><?xml version="1.0" encoding="utf-8"?>
-<p:sld xmlns:a="http://schemas.openxmlformats.org/drawingml/2006/main" xmlns:r="http://schemas.openxmlformats.org/officeDocument/2006/relationships" xmlns:p="http://schemas.openxmlformats.org/presentationml/2006/main" showMasterSp="1" showMasterPhAnim="1">
+<p:sld xmlns:a="http://schemas.openxmlformats.org/drawingml/2006/main" xmlns:r="http://schemas.openxmlformats.org/officeDocument/2006/relationships" xmlns:p="http://schemas.openxmlformats.org/presentationml/2006/main">
   <p:cSld>
     <p:spTree>
       <p:nvGrpSpPr>
@@ -3544,7 +3720,9 @@
       <p:sp>
         <p:nvSpPr>
           <p:cNvPr id="138" name="标题"/>
-          <p:cNvSpPr txBox="1"/>
+          <p:cNvSpPr txBox="1">
+            <a:spLocks noGrp="1"/>
+          </p:cNvSpPr>
           <p:nvPr>
             <p:ph type="ctrTitle"/>
           </p:nvPr>
@@ -3558,14 +3736,16 @@
           <a:bodyPr/>
           <a:lstStyle/>
           <a:p>
-            <a:pPr/>
+            <a:endParaRPr/>
           </a:p>
         </p:txBody>
       </p:sp>
       <p:sp>
         <p:nvSpPr>
           <p:cNvPr id="139" name="正文"/>
-          <p:cNvSpPr txBox="1"/>
+          <p:cNvSpPr txBox="1">
+            <a:spLocks noGrp="1"/>
+          </p:cNvSpPr>
           <p:nvPr>
             <p:ph type="subTitle" sz="quarter" idx="1"/>
           </p:nvPr>
@@ -3579,7 +3759,7 @@
           <a:bodyPr/>
           <a:lstStyle/>
           <a:p>
-            <a:pPr/>
+            <a:endParaRPr/>
           </a:p>
         </p:txBody>
       </p:sp>
@@ -3588,12 +3768,74 @@
   <p:clrMapOvr>
     <a:masterClrMapping/>
   </p:clrMapOvr>
-  <p:transition xmlns:p14="http://schemas.microsoft.com/office/powerpoint/2010/main" spd="med" advClick="1"/>
+  <p:transition spd="med"/>
 </p:sld>
 </file>
 
 <file path=ppt/slides/slide10.xml><?xml version="1.0" encoding="utf-8"?>
-<p:sld xmlns:a="http://schemas.openxmlformats.org/drawingml/2006/main" xmlns:r="http://schemas.openxmlformats.org/officeDocument/2006/relationships" xmlns:p="http://schemas.openxmlformats.org/presentationml/2006/main" showMasterSp="1" showMasterPhAnim="1">
+<p:sld xmlns:a="http://schemas.openxmlformats.org/drawingml/2006/main" xmlns:r="http://schemas.openxmlformats.org/officeDocument/2006/relationships" xmlns:p="http://schemas.openxmlformats.org/presentationml/2006/main">
+  <p:cSld>
+    <p:spTree>
+      <p:nvGrpSpPr>
+        <p:cNvPr id="1" name=""/>
+        <p:cNvGrpSpPr/>
+        <p:nvPr/>
+      </p:nvGrpSpPr>
+      <p:grpSpPr>
+        <a:xfrm>
+          <a:off x="0" y="0"/>
+          <a:ext cx="0" cy="0"/>
+          <a:chOff x="0" y="0"/>
+          <a:chExt cx="0" cy="0"/>
+        </a:xfrm>
+      </p:grpSpPr>
+      <p:sp>
+        <p:nvSpPr>
+          <p:cNvPr id="162" name="How to create a digital certificate?"/>
+          <p:cNvSpPr txBox="1">
+            <a:spLocks noGrp="1"/>
+          </p:cNvSpPr>
+          <p:nvPr>
+            <p:ph type="title"/>
+          </p:nvPr>
+        </p:nvSpPr>
+        <p:spPr>
+          <a:prstGeom prst="rect">
+            <a:avLst/>
+          </a:prstGeom>
+        </p:spPr>
+        <p:txBody>
+          <a:bodyPr/>
+          <a:lstStyle>
+            <a:lvl1pPr>
+              <a:defRPr spc="-200"/>
+            </a:lvl1pPr>
+          </a:lstStyle>
+          <a:p>
+            <a:r>
+              <a:t>How to create a digital certificate?</a:t>
+            </a:r>
+          </a:p>
+        </p:txBody>
+      </p:sp>
+    </p:spTree>
+  </p:cSld>
+  <p:clrMapOvr>
+    <a:masterClrMapping/>
+  </p:clrMapOvr>
+  <p:transition spd="med"/>
+  <p:timing>
+    <p:tnLst>
+      <p:par>
+        <p:cTn id="1" dur="indefinite" restart="never" nodeType="tmRoot"/>
+      </p:par>
+    </p:tnLst>
+  </p:timing>
+</p:sld>
+</file>
+
+<file path=ppt/slides/slide11.xml><?xml version="1.0" encoding="utf-8"?>
+<p:sld xmlns:a="http://schemas.openxmlformats.org/drawingml/2006/main" xmlns:r="http://schemas.openxmlformats.org/officeDocument/2006/relationships" xmlns:p="http://schemas.openxmlformats.org/presentationml/2006/main">
   <p:cSld>
     <p:spTree>
       <p:nvGrpSpPr>
@@ -3612,7 +3854,9 @@
       <p:sp>
         <p:nvSpPr>
           <p:cNvPr id="164" name="how does digital certificate work？"/>
-          <p:cNvSpPr txBox="1"/>
+          <p:cNvSpPr txBox="1">
+            <a:spLocks noGrp="1"/>
+          </p:cNvSpPr>
           <p:nvPr>
             <p:ph type="title"/>
           </p:nvPr>
@@ -3630,7 +3874,6 @@
             </a:lvl1pPr>
           </a:lstStyle>
           <a:p>
-            <a:pPr/>
             <a:r>
               <a:t>how does digital certificate work？</a:t>
             </a:r>
@@ -3640,52 +3883,489 @@
       <p:sp>
         <p:nvSpPr>
           <p:cNvPr id="165" name="简单介绍工作流程，最好有截图，重点介绍我们能参与部分…"/>
-          <p:cNvSpPr txBox="1"/>
+          <p:cNvSpPr txBox="1">
+            <a:spLocks noGrp="1"/>
+          </p:cNvSpPr>
           <p:nvPr>
             <p:ph type="body" idx="1"/>
           </p:nvPr>
         </p:nvSpPr>
         <p:spPr>
+          <a:xfrm>
+            <a:off x="482600" y="2971800"/>
+            <a:ext cx="3048000" cy="4864100"/>
+          </a:xfrm>
           <a:prstGeom prst="rect">
             <a:avLst/>
           </a:prstGeom>
         </p:spPr>
         <p:txBody>
-          <a:bodyPr/>
+          <a:bodyPr>
+            <a:normAutofit/>
+          </a:bodyPr>
           <a:lstStyle/>
           <a:p>
-            <a:pPr>
-              <a:buBlip>
-                <a:blip r:embed="rId2"/>
-              </a:buBlip>
-            </a:pPr>
-            <a:r>
-              <a:t>简单介绍工作流程，最好有截图，重点介绍我们能参与部分</a:t>
-            </a:r>
-          </a:p>
-          <a:p>
-            <a:pPr>
-              <a:buBlip>
-                <a:blip r:embed="rId2"/>
-              </a:buBlip>
-            </a:pPr>
-            <a:r>
-              <a:t>介绍CA agent的指责，下一页介绍免费的CA agent</a:t>
-            </a:r>
+            <a:r>
+              <a:rPr lang="en-US" sz="2400" dirty="0" smtClean="0"/>
+              <a:t>H</a:t>
+            </a:r>
+            <a:r>
+              <a:rPr lang="en-US" altLang="zh-CN" sz="2400" dirty="0" smtClean="0"/>
+              <a:t>ow did </a:t>
+            </a:r>
+            <a:r>
+              <a:rPr lang="en-US" altLang="zh-CN" sz="2400" b="1" dirty="0" smtClean="0"/>
+              <a:t>Code </a:t>
+            </a:r>
+            <a:r>
+              <a:rPr lang="en-US" altLang="zh-CN" sz="2400" b="1" dirty="0"/>
+              <a:t>Signing </a:t>
+            </a:r>
+            <a:r>
+              <a:rPr lang="en-US" altLang="zh-CN" sz="2400" b="1" dirty="0" smtClean="0"/>
+              <a:t>Certificate works</a:t>
+            </a:r>
+          </a:p>
+          <a:p>
+            <a:pPr lvl="0"/>
+            <a:r>
+              <a:rPr lang="en-US" sz="2400" b="1" dirty="0" smtClean="0"/>
+              <a:t>W</a:t>
+            </a:r>
+            <a:r>
+              <a:rPr lang="en-US" altLang="zh-CN" sz="2400" b="1" dirty="0" smtClean="0"/>
+              <a:t>hat </a:t>
+            </a:r>
+            <a:r>
+              <a:rPr lang="en-NZ" altLang="zh-CN" sz="2400" dirty="0" smtClean="0"/>
+              <a:t>Client Certificate </a:t>
+            </a:r>
+            <a:r>
+              <a:rPr lang="en-US" altLang="zh-CN" sz="2400" dirty="0" smtClean="0"/>
+              <a:t>looks like</a:t>
+            </a:r>
+          </a:p>
+          <a:p>
+            <a:pPr lvl="0"/>
+            <a:r>
+              <a:rPr lang="en-US" altLang="zh-CN" sz="2400" dirty="0" smtClean="0"/>
+              <a:t>How SSL working in HTTPS </a:t>
+            </a:r>
+            <a:endParaRPr sz="2400" dirty="0"/>
           </a:p>
         </p:txBody>
       </p:sp>
+      <p:pic>
+        <p:nvPicPr>
+          <p:cNvPr id="2" name="图片 1"/>
+          <p:cNvPicPr>
+            <a:picLocks noChangeAspect="1"/>
+          </p:cNvPicPr>
+          <p:nvPr/>
+        </p:nvPicPr>
+        <p:blipFill>
+          <a:blip r:embed="rId2">
+            <a:extLst>
+              <a:ext uri="{28A0092B-C50C-407E-A947-70E740481C1C}">
+                <a14:useLocalDpi xmlns:a14="http://schemas.microsoft.com/office/drawing/2010/main" val="0"/>
+              </a:ext>
+            </a:extLst>
+          </a:blip>
+          <a:stretch>
+            <a:fillRect/>
+          </a:stretch>
+        </p:blipFill>
+        <p:spPr>
+          <a:xfrm>
+            <a:off x="3911600" y="4191000"/>
+            <a:ext cx="8210238" cy="2276475"/>
+          </a:xfrm>
+          <a:prstGeom prst="rect">
+            <a:avLst/>
+          </a:prstGeom>
+        </p:spPr>
+      </p:pic>
+      <p:pic>
+        <p:nvPicPr>
+          <p:cNvPr id="4" name="图片 3"/>
+          <p:cNvPicPr>
+            <a:picLocks noChangeAspect="1"/>
+          </p:cNvPicPr>
+          <p:nvPr/>
+        </p:nvPicPr>
+        <p:blipFill>
+          <a:blip r:embed="rId3">
+            <a:extLst>
+              <a:ext uri="{28A0092B-C50C-407E-A947-70E740481C1C}">
+                <a14:useLocalDpi xmlns:a14="http://schemas.microsoft.com/office/drawing/2010/main" val="0"/>
+              </a:ext>
+            </a:extLst>
+          </a:blip>
+          <a:stretch>
+            <a:fillRect/>
+          </a:stretch>
+        </p:blipFill>
+        <p:spPr>
+          <a:xfrm>
+            <a:off x="3844407" y="3064702"/>
+            <a:ext cx="8296793" cy="5241098"/>
+          </a:xfrm>
+          <a:prstGeom prst="rect">
+            <a:avLst/>
+          </a:prstGeom>
+        </p:spPr>
+      </p:pic>
+      <p:pic>
+        <p:nvPicPr>
+          <p:cNvPr id="5" name="图片 4"/>
+          <p:cNvPicPr>
+            <a:picLocks noChangeAspect="1"/>
+          </p:cNvPicPr>
+          <p:nvPr/>
+        </p:nvPicPr>
+        <p:blipFill>
+          <a:blip r:embed="rId4">
+            <a:extLst>
+              <a:ext uri="{28A0092B-C50C-407E-A947-70E740481C1C}">
+                <a14:useLocalDpi xmlns:a14="http://schemas.microsoft.com/office/drawing/2010/main" val="0"/>
+              </a:ext>
+            </a:extLst>
+          </a:blip>
+          <a:stretch>
+            <a:fillRect/>
+          </a:stretch>
+        </p:blipFill>
+        <p:spPr>
+          <a:xfrm>
+            <a:off x="3758395" y="2819400"/>
+            <a:ext cx="8382805" cy="3425388"/>
+          </a:xfrm>
+          <a:prstGeom prst="rect">
+            <a:avLst/>
+          </a:prstGeom>
+        </p:spPr>
+      </p:pic>
+      <p:pic>
+        <p:nvPicPr>
+          <p:cNvPr id="6" name="图片 5"/>
+          <p:cNvPicPr>
+            <a:picLocks noChangeAspect="1"/>
+          </p:cNvPicPr>
+          <p:nvPr/>
+        </p:nvPicPr>
+        <p:blipFill>
+          <a:blip r:embed="rId5">
+            <a:extLst>
+              <a:ext uri="{28A0092B-C50C-407E-A947-70E740481C1C}">
+                <a14:useLocalDpi xmlns:a14="http://schemas.microsoft.com/office/drawing/2010/main" val="0"/>
+              </a:ext>
+            </a:extLst>
+          </a:blip>
+          <a:stretch>
+            <a:fillRect/>
+          </a:stretch>
+        </p:blipFill>
+        <p:spPr>
+          <a:xfrm>
+            <a:off x="3758395" y="6248400"/>
+            <a:ext cx="8382805" cy="2209442"/>
+          </a:xfrm>
+          <a:prstGeom prst="rect">
+            <a:avLst/>
+          </a:prstGeom>
+        </p:spPr>
+      </p:pic>
     </p:spTree>
   </p:cSld>
   <p:clrMapOvr>
     <a:masterClrMapping/>
   </p:clrMapOvr>
-  <p:transition xmlns:p14="http://schemas.microsoft.com/office/powerpoint/2010/main" spd="med" advClick="1"/>
+  <p:transition spd="med"/>
+  <p:timing>
+    <p:tnLst>
+      <p:par>
+        <p:cTn id="1" dur="indefinite" restart="never" nodeType="tmRoot">
+          <p:childTnLst>
+            <p:seq concurrent="1" nextAc="seek">
+              <p:cTn id="2" dur="indefinite" nodeType="mainSeq">
+                <p:childTnLst>
+                  <p:par>
+                    <p:cTn id="3" fill="hold">
+                      <p:stCondLst>
+                        <p:cond delay="indefinite"/>
+                      </p:stCondLst>
+                      <p:childTnLst>
+                        <p:par>
+                          <p:cTn id="4" fill="hold">
+                            <p:stCondLst>
+                              <p:cond delay="0"/>
+                            </p:stCondLst>
+                            <p:childTnLst>
+                              <p:par>
+                                <p:cTn id="5" presetID="10" presetClass="entr" presetSubtype="0" fill="hold" nodeType="clickEffect">
+                                  <p:stCondLst>
+                                    <p:cond delay="0"/>
+                                  </p:stCondLst>
+                                  <p:childTnLst>
+                                    <p:set>
+                                      <p:cBhvr>
+                                        <p:cTn id="6" dur="1" fill="hold">
+                                          <p:stCondLst>
+                                            <p:cond delay="0"/>
+                                          </p:stCondLst>
+                                        </p:cTn>
+                                        <p:tgtEl>
+                                          <p:spTgt spid="2"/>
+                                        </p:tgtEl>
+                                        <p:attrNameLst>
+                                          <p:attrName>style.visibility</p:attrName>
+                                        </p:attrNameLst>
+                                      </p:cBhvr>
+                                      <p:to>
+                                        <p:strVal val="visible"/>
+                                      </p:to>
+                                    </p:set>
+                                    <p:animEffect transition="in" filter="fade">
+                                      <p:cBhvr>
+                                        <p:cTn id="7" dur="500"/>
+                                        <p:tgtEl>
+                                          <p:spTgt spid="2"/>
+                                        </p:tgtEl>
+                                      </p:cBhvr>
+                                    </p:animEffect>
+                                  </p:childTnLst>
+                                </p:cTn>
+                              </p:par>
+                            </p:childTnLst>
+                          </p:cTn>
+                        </p:par>
+                      </p:childTnLst>
+                    </p:cTn>
+                  </p:par>
+                  <p:par>
+                    <p:cTn id="8" fill="hold">
+                      <p:stCondLst>
+                        <p:cond delay="indefinite"/>
+                      </p:stCondLst>
+                      <p:childTnLst>
+                        <p:par>
+                          <p:cTn id="9" fill="hold">
+                            <p:stCondLst>
+                              <p:cond delay="0"/>
+                            </p:stCondLst>
+                            <p:childTnLst>
+                              <p:par>
+                                <p:cTn id="10" presetID="14" presetClass="entr" presetSubtype="10" fill="hold" nodeType="clickEffect">
+                                  <p:stCondLst>
+                                    <p:cond delay="0"/>
+                                  </p:stCondLst>
+                                  <p:childTnLst>
+                                    <p:set>
+                                      <p:cBhvr>
+                                        <p:cTn id="11" dur="1" fill="hold">
+                                          <p:stCondLst>
+                                            <p:cond delay="0"/>
+                                          </p:stCondLst>
+                                        </p:cTn>
+                                        <p:tgtEl>
+                                          <p:spTgt spid="4"/>
+                                        </p:tgtEl>
+                                        <p:attrNameLst>
+                                          <p:attrName>style.visibility</p:attrName>
+                                        </p:attrNameLst>
+                                      </p:cBhvr>
+                                      <p:to>
+                                        <p:strVal val="visible"/>
+                                      </p:to>
+                                    </p:set>
+                                    <p:animEffect transition="in" filter="randombar(horizontal)">
+                                      <p:cBhvr>
+                                        <p:cTn id="12" dur="500"/>
+                                        <p:tgtEl>
+                                          <p:spTgt spid="4"/>
+                                        </p:tgtEl>
+                                      </p:cBhvr>
+                                    </p:animEffect>
+                                  </p:childTnLst>
+                                </p:cTn>
+                              </p:par>
+                            </p:childTnLst>
+                          </p:cTn>
+                        </p:par>
+                      </p:childTnLst>
+                    </p:cTn>
+                  </p:par>
+                  <p:par>
+                    <p:cTn id="13" fill="hold">
+                      <p:stCondLst>
+                        <p:cond delay="indefinite"/>
+                      </p:stCondLst>
+                      <p:childTnLst>
+                        <p:par>
+                          <p:cTn id="14" fill="hold">
+                            <p:stCondLst>
+                              <p:cond delay="0"/>
+                            </p:stCondLst>
+                            <p:childTnLst>
+                              <p:par>
+                                <p:cTn id="15" presetID="2" presetClass="entr" presetSubtype="4" fill="hold" nodeType="clickEffect">
+                                  <p:stCondLst>
+                                    <p:cond delay="0"/>
+                                  </p:stCondLst>
+                                  <p:childTnLst>
+                                    <p:set>
+                                      <p:cBhvr>
+                                        <p:cTn id="16" dur="1" fill="hold">
+                                          <p:stCondLst>
+                                            <p:cond delay="0"/>
+                                          </p:stCondLst>
+                                        </p:cTn>
+                                        <p:tgtEl>
+                                          <p:spTgt spid="5"/>
+                                        </p:tgtEl>
+                                        <p:attrNameLst>
+                                          <p:attrName>style.visibility</p:attrName>
+                                        </p:attrNameLst>
+                                      </p:cBhvr>
+                                      <p:to>
+                                        <p:strVal val="visible"/>
+                                      </p:to>
+                                    </p:set>
+                                    <p:anim calcmode="lin" valueType="num">
+                                      <p:cBhvr additive="base">
+                                        <p:cTn id="17" dur="500" fill="hold"/>
+                                        <p:tgtEl>
+                                          <p:spTgt spid="5"/>
+                                        </p:tgtEl>
+                                        <p:attrNameLst>
+                                          <p:attrName>ppt_x</p:attrName>
+                                        </p:attrNameLst>
+                                      </p:cBhvr>
+                                      <p:tavLst>
+                                        <p:tav tm="0">
+                                          <p:val>
+                                            <p:strVal val="#ppt_x"/>
+                                          </p:val>
+                                        </p:tav>
+                                        <p:tav tm="100000">
+                                          <p:val>
+                                            <p:strVal val="#ppt_x"/>
+                                          </p:val>
+                                        </p:tav>
+                                      </p:tavLst>
+                                    </p:anim>
+                                    <p:anim calcmode="lin" valueType="num">
+                                      <p:cBhvr additive="base">
+                                        <p:cTn id="18" dur="500" fill="hold"/>
+                                        <p:tgtEl>
+                                          <p:spTgt spid="5"/>
+                                        </p:tgtEl>
+                                        <p:attrNameLst>
+                                          <p:attrName>ppt_y</p:attrName>
+                                        </p:attrNameLst>
+                                      </p:cBhvr>
+                                      <p:tavLst>
+                                        <p:tav tm="0">
+                                          <p:val>
+                                            <p:strVal val="1+#ppt_h/2"/>
+                                          </p:val>
+                                        </p:tav>
+                                        <p:tav tm="100000">
+                                          <p:val>
+                                            <p:strVal val="#ppt_y"/>
+                                          </p:val>
+                                        </p:tav>
+                                      </p:tavLst>
+                                    </p:anim>
+                                  </p:childTnLst>
+                                </p:cTn>
+                              </p:par>
+                            </p:childTnLst>
+                          </p:cTn>
+                        </p:par>
+                      </p:childTnLst>
+                    </p:cTn>
+                  </p:par>
+                  <p:par>
+                    <p:cTn id="19" fill="hold">
+                      <p:stCondLst>
+                        <p:cond delay="indefinite"/>
+                      </p:stCondLst>
+                      <p:childTnLst>
+                        <p:par>
+                          <p:cTn id="20" fill="hold">
+                            <p:stCondLst>
+                              <p:cond delay="0"/>
+                            </p:stCondLst>
+                            <p:childTnLst>
+                              <p:par>
+                                <p:cTn id="21" presetID="22" presetClass="entr" presetSubtype="4" fill="hold" nodeType="clickEffect">
+                                  <p:stCondLst>
+                                    <p:cond delay="0"/>
+                                  </p:stCondLst>
+                                  <p:childTnLst>
+                                    <p:set>
+                                      <p:cBhvr>
+                                        <p:cTn id="22" dur="1" fill="hold">
+                                          <p:stCondLst>
+                                            <p:cond delay="0"/>
+                                          </p:stCondLst>
+                                        </p:cTn>
+                                        <p:tgtEl>
+                                          <p:spTgt spid="6"/>
+                                        </p:tgtEl>
+                                        <p:attrNameLst>
+                                          <p:attrName>style.visibility</p:attrName>
+                                        </p:attrNameLst>
+                                      </p:cBhvr>
+                                      <p:to>
+                                        <p:strVal val="visible"/>
+                                      </p:to>
+                                    </p:set>
+                                    <p:animEffect transition="in" filter="wipe(down)">
+                                      <p:cBhvr>
+                                        <p:cTn id="23" dur="500"/>
+                                        <p:tgtEl>
+                                          <p:spTgt spid="6"/>
+                                        </p:tgtEl>
+                                      </p:cBhvr>
+                                    </p:animEffect>
+                                  </p:childTnLst>
+                                </p:cTn>
+                              </p:par>
+                            </p:childTnLst>
+                          </p:cTn>
+                        </p:par>
+                      </p:childTnLst>
+                    </p:cTn>
+                  </p:par>
+                </p:childTnLst>
+              </p:cTn>
+              <p:prevCondLst>
+                <p:cond evt="onPrev" delay="0">
+                  <p:tgtEl>
+                    <p:sldTgt/>
+                  </p:tgtEl>
+                </p:cond>
+              </p:prevCondLst>
+              <p:nextCondLst>
+                <p:cond evt="onNext" delay="0">
+                  <p:tgtEl>
+                    <p:sldTgt/>
+                  </p:tgtEl>
+                </p:cond>
+              </p:nextCondLst>
+            </p:seq>
+          </p:childTnLst>
+        </p:cTn>
+      </p:par>
+    </p:tnLst>
+  </p:timing>
 </p:sld>
 </file>
 
-<file path=ppt/slides/slide11.xml><?xml version="1.0" encoding="utf-8"?>
-<p:sld xmlns:a="http://schemas.openxmlformats.org/drawingml/2006/main" xmlns:r="http://schemas.openxmlformats.org/officeDocument/2006/relationships" xmlns:p="http://schemas.openxmlformats.org/presentationml/2006/main" showMasterSp="1" showMasterPhAnim="1">
+<file path=ppt/slides/slide12.xml><?xml version="1.0" encoding="utf-8"?>
+<p:sld xmlns:a="http://schemas.openxmlformats.org/drawingml/2006/main" xmlns:r="http://schemas.openxmlformats.org/officeDocument/2006/relationships" xmlns:p="http://schemas.openxmlformats.org/presentationml/2006/main">
   <p:cSld>
     <p:spTree>
       <p:nvGrpSpPr>
@@ -3704,7 +4384,9 @@
       <p:sp>
         <p:nvSpPr>
           <p:cNvPr id="167" name="CA agent"/>
-          <p:cNvSpPr txBox="1"/>
+          <p:cNvSpPr txBox="1">
+            <a:spLocks noGrp="1"/>
+          </p:cNvSpPr>
           <p:nvPr>
             <p:ph type="title"/>
           </p:nvPr>
@@ -3722,24 +4404,624 @@
             </a:lvl1pPr>
           </a:lstStyle>
           <a:p>
-            <a:pPr/>
-            <a:r>
+            <a:r>
+              <a:rPr dirty="0"/>
               <a:t>CA agent</a:t>
             </a:r>
           </a:p>
         </p:txBody>
       </p:sp>
+      <p:pic>
+        <p:nvPicPr>
+          <p:cNvPr id="2" name="图片 1"/>
+          <p:cNvPicPr>
+            <a:picLocks noChangeAspect="1"/>
+          </p:cNvPicPr>
+          <p:nvPr/>
+        </p:nvPicPr>
+        <p:blipFill>
+          <a:blip r:embed="rId2">
+            <a:extLst>
+              <a:ext uri="{28A0092B-C50C-407E-A947-70E740481C1C}">
+                <a14:useLocalDpi xmlns:a14="http://schemas.microsoft.com/office/drawing/2010/main" val="0"/>
+              </a:ext>
+            </a:extLst>
+          </a:blip>
+          <a:stretch>
+            <a:fillRect/>
+          </a:stretch>
+        </p:blipFill>
+        <p:spPr>
+          <a:xfrm>
+            <a:off x="6883400" y="2928179"/>
+            <a:ext cx="5237506" cy="5086262"/>
+          </a:xfrm>
+          <a:prstGeom prst="rect">
+            <a:avLst/>
+          </a:prstGeom>
+        </p:spPr>
+      </p:pic>
+      <p:pic>
+        <p:nvPicPr>
+          <p:cNvPr id="3" name="图片 2"/>
+          <p:cNvPicPr>
+            <a:picLocks noChangeAspect="1"/>
+          </p:cNvPicPr>
+          <p:nvPr/>
+        </p:nvPicPr>
+        <p:blipFill>
+          <a:blip r:embed="rId3">
+            <a:extLst>
+              <a:ext uri="{28A0092B-C50C-407E-A947-70E740481C1C}">
+                <a14:useLocalDpi xmlns:a14="http://schemas.microsoft.com/office/drawing/2010/main" val="0"/>
+              </a:ext>
+            </a:extLst>
+          </a:blip>
+          <a:stretch>
+            <a:fillRect/>
+          </a:stretch>
+        </p:blipFill>
+        <p:spPr>
+          <a:xfrm>
+            <a:off x="711200" y="2928179"/>
+            <a:ext cx="5932148" cy="5325903"/>
+          </a:xfrm>
+          <a:prstGeom prst="rect">
+            <a:avLst/>
+          </a:prstGeom>
+        </p:spPr>
+      </p:pic>
     </p:spTree>
   </p:cSld>
   <p:clrMapOvr>
     <a:masterClrMapping/>
   </p:clrMapOvr>
-  <p:transition xmlns:p14="http://schemas.microsoft.com/office/powerpoint/2010/main" spd="med" advClick="1"/>
+  <p:transition spd="med"/>
+  <p:timing>
+    <p:tnLst>
+      <p:par>
+        <p:cTn id="1" dur="indefinite" restart="never" nodeType="tmRoot">
+          <p:childTnLst>
+            <p:seq concurrent="1" nextAc="seek">
+              <p:cTn id="2" dur="indefinite" nodeType="mainSeq">
+                <p:childTnLst>
+                  <p:par>
+                    <p:cTn id="3" fill="hold">
+                      <p:stCondLst>
+                        <p:cond delay="indefinite"/>
+                      </p:stCondLst>
+                      <p:childTnLst>
+                        <p:par>
+                          <p:cTn id="4" fill="hold">
+                            <p:stCondLst>
+                              <p:cond delay="0"/>
+                            </p:stCondLst>
+                            <p:childTnLst>
+                              <p:par>
+                                <p:cTn id="5" presetID="42" presetClass="entr" presetSubtype="0" fill="hold" nodeType="clickEffect">
+                                  <p:stCondLst>
+                                    <p:cond delay="0"/>
+                                  </p:stCondLst>
+                                  <p:childTnLst>
+                                    <p:set>
+                                      <p:cBhvr>
+                                        <p:cTn id="6" dur="1" fill="hold">
+                                          <p:stCondLst>
+                                            <p:cond delay="0"/>
+                                          </p:stCondLst>
+                                        </p:cTn>
+                                        <p:tgtEl>
+                                          <p:spTgt spid="3"/>
+                                        </p:tgtEl>
+                                        <p:attrNameLst>
+                                          <p:attrName>style.visibility</p:attrName>
+                                        </p:attrNameLst>
+                                      </p:cBhvr>
+                                      <p:to>
+                                        <p:strVal val="visible"/>
+                                      </p:to>
+                                    </p:set>
+                                    <p:animEffect transition="in" filter="fade">
+                                      <p:cBhvr>
+                                        <p:cTn id="7" dur="1000"/>
+                                        <p:tgtEl>
+                                          <p:spTgt spid="3"/>
+                                        </p:tgtEl>
+                                      </p:cBhvr>
+                                    </p:animEffect>
+                                    <p:anim calcmode="lin" valueType="num">
+                                      <p:cBhvr>
+                                        <p:cTn id="8" dur="1000" fill="hold"/>
+                                        <p:tgtEl>
+                                          <p:spTgt spid="3"/>
+                                        </p:tgtEl>
+                                        <p:attrNameLst>
+                                          <p:attrName>ppt_x</p:attrName>
+                                        </p:attrNameLst>
+                                      </p:cBhvr>
+                                      <p:tavLst>
+                                        <p:tav tm="0">
+                                          <p:val>
+                                            <p:strVal val="#ppt_x"/>
+                                          </p:val>
+                                        </p:tav>
+                                        <p:tav tm="100000">
+                                          <p:val>
+                                            <p:strVal val="#ppt_x"/>
+                                          </p:val>
+                                        </p:tav>
+                                      </p:tavLst>
+                                    </p:anim>
+                                    <p:anim calcmode="lin" valueType="num">
+                                      <p:cBhvr>
+                                        <p:cTn id="9" dur="1000" fill="hold"/>
+                                        <p:tgtEl>
+                                          <p:spTgt spid="3"/>
+                                        </p:tgtEl>
+                                        <p:attrNameLst>
+                                          <p:attrName>ppt_y</p:attrName>
+                                        </p:attrNameLst>
+                                      </p:cBhvr>
+                                      <p:tavLst>
+                                        <p:tav tm="0">
+                                          <p:val>
+                                            <p:strVal val="#ppt_y+.1"/>
+                                          </p:val>
+                                        </p:tav>
+                                        <p:tav tm="100000">
+                                          <p:val>
+                                            <p:strVal val="#ppt_y"/>
+                                          </p:val>
+                                        </p:tav>
+                                      </p:tavLst>
+                                    </p:anim>
+                                  </p:childTnLst>
+                                </p:cTn>
+                              </p:par>
+                            </p:childTnLst>
+                          </p:cTn>
+                        </p:par>
+                      </p:childTnLst>
+                    </p:cTn>
+                  </p:par>
+                  <p:par>
+                    <p:cTn id="10" fill="hold">
+                      <p:stCondLst>
+                        <p:cond delay="indefinite"/>
+                      </p:stCondLst>
+                      <p:childTnLst>
+                        <p:par>
+                          <p:cTn id="11" fill="hold">
+                            <p:stCondLst>
+                              <p:cond delay="0"/>
+                            </p:stCondLst>
+                            <p:childTnLst>
+                              <p:par>
+                                <p:cTn id="12" presetID="42" presetClass="entr" presetSubtype="0" fill="hold" nodeType="clickEffect">
+                                  <p:stCondLst>
+                                    <p:cond delay="0"/>
+                                  </p:stCondLst>
+                                  <p:childTnLst>
+                                    <p:set>
+                                      <p:cBhvr>
+                                        <p:cTn id="13" dur="1" fill="hold">
+                                          <p:stCondLst>
+                                            <p:cond delay="0"/>
+                                          </p:stCondLst>
+                                        </p:cTn>
+                                        <p:tgtEl>
+                                          <p:spTgt spid="2"/>
+                                        </p:tgtEl>
+                                        <p:attrNameLst>
+                                          <p:attrName>style.visibility</p:attrName>
+                                        </p:attrNameLst>
+                                      </p:cBhvr>
+                                      <p:to>
+                                        <p:strVal val="visible"/>
+                                      </p:to>
+                                    </p:set>
+                                    <p:animEffect transition="in" filter="fade">
+                                      <p:cBhvr>
+                                        <p:cTn id="14" dur="1000"/>
+                                        <p:tgtEl>
+                                          <p:spTgt spid="2"/>
+                                        </p:tgtEl>
+                                      </p:cBhvr>
+                                    </p:animEffect>
+                                    <p:anim calcmode="lin" valueType="num">
+                                      <p:cBhvr>
+                                        <p:cTn id="15" dur="1000" fill="hold"/>
+                                        <p:tgtEl>
+                                          <p:spTgt spid="2"/>
+                                        </p:tgtEl>
+                                        <p:attrNameLst>
+                                          <p:attrName>ppt_x</p:attrName>
+                                        </p:attrNameLst>
+                                      </p:cBhvr>
+                                      <p:tavLst>
+                                        <p:tav tm="0">
+                                          <p:val>
+                                            <p:strVal val="#ppt_x"/>
+                                          </p:val>
+                                        </p:tav>
+                                        <p:tav tm="100000">
+                                          <p:val>
+                                            <p:strVal val="#ppt_x"/>
+                                          </p:val>
+                                        </p:tav>
+                                      </p:tavLst>
+                                    </p:anim>
+                                    <p:anim calcmode="lin" valueType="num">
+                                      <p:cBhvr>
+                                        <p:cTn id="16" dur="1000" fill="hold"/>
+                                        <p:tgtEl>
+                                          <p:spTgt spid="2"/>
+                                        </p:tgtEl>
+                                        <p:attrNameLst>
+                                          <p:attrName>ppt_y</p:attrName>
+                                        </p:attrNameLst>
+                                      </p:cBhvr>
+                                      <p:tavLst>
+                                        <p:tav tm="0">
+                                          <p:val>
+                                            <p:strVal val="#ppt_y+.1"/>
+                                          </p:val>
+                                        </p:tav>
+                                        <p:tav tm="100000">
+                                          <p:val>
+                                            <p:strVal val="#ppt_y"/>
+                                          </p:val>
+                                        </p:tav>
+                                      </p:tavLst>
+                                    </p:anim>
+                                  </p:childTnLst>
+                                </p:cTn>
+                              </p:par>
+                            </p:childTnLst>
+                          </p:cTn>
+                        </p:par>
+                      </p:childTnLst>
+                    </p:cTn>
+                  </p:par>
+                </p:childTnLst>
+              </p:cTn>
+              <p:prevCondLst>
+                <p:cond evt="onPrev" delay="0">
+                  <p:tgtEl>
+                    <p:sldTgt/>
+                  </p:tgtEl>
+                </p:cond>
+              </p:prevCondLst>
+              <p:nextCondLst>
+                <p:cond evt="onNext" delay="0">
+                  <p:tgtEl>
+                    <p:sldTgt/>
+                  </p:tgtEl>
+                </p:cond>
+              </p:nextCondLst>
+            </p:seq>
+          </p:childTnLst>
+        </p:cTn>
+      </p:par>
+    </p:tnLst>
+  </p:timing>
 </p:sld>
 </file>
 
-<file path=ppt/slides/slide12.xml><?xml version="1.0" encoding="utf-8"?>
-<p:sld xmlns:a="http://schemas.openxmlformats.org/drawingml/2006/main" xmlns:r="http://schemas.openxmlformats.org/officeDocument/2006/relationships" xmlns:p="http://schemas.openxmlformats.org/presentationml/2006/main" showMasterSp="1" showMasterPhAnim="1">
+<file path=ppt/slides/slide13.xml><?xml version="1.0" encoding="utf-8"?>
+<p:sld xmlns:a="http://schemas.openxmlformats.org/drawingml/2006/main" xmlns:r="http://schemas.openxmlformats.org/officeDocument/2006/relationships" xmlns:p="http://schemas.openxmlformats.org/presentationml/2006/main">
+  <p:cSld>
+    <p:spTree>
+      <p:nvGrpSpPr>
+        <p:cNvPr id="1" name=""/>
+        <p:cNvGrpSpPr/>
+        <p:nvPr/>
+      </p:nvGrpSpPr>
+      <p:grpSpPr>
+        <a:xfrm>
+          <a:off x="0" y="0"/>
+          <a:ext cx="0" cy="0"/>
+          <a:chOff x="0" y="0"/>
+          <a:chExt cx="0" cy="0"/>
+        </a:xfrm>
+      </p:grpSpPr>
+      <p:sp>
+        <p:nvSpPr>
+          <p:cNvPr id="2" name="标题 1"/>
+          <p:cNvSpPr>
+            <a:spLocks noGrp="1"/>
+          </p:cNvSpPr>
+          <p:nvPr>
+            <p:ph type="title"/>
+          </p:nvPr>
+        </p:nvSpPr>
+        <p:spPr/>
+        <p:txBody>
+          <a:bodyPr/>
+          <a:lstStyle/>
+          <a:p>
+            <a:r>
+              <a:rPr lang="en-US" altLang="zh-CN" dirty="0" smtClean="0"/>
+              <a:t>Free agent</a:t>
+            </a:r>
+            <a:endParaRPr lang="zh-CN" altLang="en-US" dirty="0"/>
+          </a:p>
+        </p:txBody>
+      </p:sp>
+      <p:pic>
+        <p:nvPicPr>
+          <p:cNvPr id="3" name="图片 2"/>
+          <p:cNvPicPr>
+            <a:picLocks noChangeAspect="1"/>
+          </p:cNvPicPr>
+          <p:nvPr/>
+        </p:nvPicPr>
+        <p:blipFill>
+          <a:blip r:embed="rId3">
+            <a:extLst>
+              <a:ext uri="{28A0092B-C50C-407E-A947-70E740481C1C}">
+                <a14:useLocalDpi xmlns:a14="http://schemas.microsoft.com/office/drawing/2010/main" val="0"/>
+              </a:ext>
+            </a:extLst>
+          </a:blip>
+          <a:stretch>
+            <a:fillRect/>
+          </a:stretch>
+        </p:blipFill>
+        <p:spPr>
+          <a:xfrm>
+            <a:off x="6149140" y="2914185"/>
+            <a:ext cx="6321277" cy="5441392"/>
+          </a:xfrm>
+          <a:prstGeom prst="rect">
+            <a:avLst/>
+          </a:prstGeom>
+        </p:spPr>
+      </p:pic>
+      <p:pic>
+        <p:nvPicPr>
+          <p:cNvPr id="4" name="图片 3"/>
+          <p:cNvPicPr>
+            <a:picLocks noChangeAspect="1"/>
+          </p:cNvPicPr>
+          <p:nvPr/>
+        </p:nvPicPr>
+        <p:blipFill>
+          <a:blip r:embed="rId4">
+            <a:extLst>
+              <a:ext uri="{28A0092B-C50C-407E-A947-70E740481C1C}">
+                <a14:useLocalDpi xmlns:a14="http://schemas.microsoft.com/office/drawing/2010/main" val="0"/>
+              </a:ext>
+            </a:extLst>
+          </a:blip>
+          <a:stretch>
+            <a:fillRect/>
+          </a:stretch>
+        </p:blipFill>
+        <p:spPr>
+          <a:xfrm>
+            <a:off x="536523" y="2914184"/>
+            <a:ext cx="5581650" cy="3995375"/>
+          </a:xfrm>
+          <a:prstGeom prst="rect">
+            <a:avLst/>
+          </a:prstGeom>
+        </p:spPr>
+      </p:pic>
+      <p:sp>
+        <p:nvSpPr>
+          <p:cNvPr id="5" name="矩形 4"/>
+          <p:cNvSpPr/>
+          <p:nvPr/>
+        </p:nvSpPr>
+        <p:spPr>
+          <a:xfrm>
+            <a:off x="726075" y="7524580"/>
+            <a:ext cx="4927600" cy="830997"/>
+          </a:xfrm>
+          <a:prstGeom prst="rect">
+            <a:avLst/>
+          </a:prstGeom>
+        </p:spPr>
+        <p:txBody>
+          <a:bodyPr wrap="square">
+            <a:spAutoFit/>
+          </a:bodyPr>
+          <a:lstStyle/>
+          <a:p>
+            <a:r>
+              <a:rPr lang="en-US" altLang="zh-CN" sz="2400" dirty="0" smtClean="0">
+                <a:solidFill>
+                  <a:schemeClr val="bg1"/>
+                </a:solidFill>
+              </a:rPr>
+              <a:t>Let’s see how to create a free digital certificate</a:t>
+            </a:r>
+            <a:r>
+              <a:rPr lang="zh-CN" altLang="en-US" sz="2400" dirty="0" smtClean="0">
+                <a:solidFill>
+                  <a:schemeClr val="bg1"/>
+                </a:solidFill>
+              </a:rPr>
+              <a:t>（</a:t>
+            </a:r>
+            <a:r>
+              <a:rPr lang="en-US" altLang="zh-CN" sz="2400" dirty="0" err="1" smtClean="0">
+                <a:solidFill>
+                  <a:schemeClr val="bg1"/>
+                </a:solidFill>
+                <a:hlinkClick r:id="rId5"/>
+              </a:rPr>
+              <a:t>ClickMe</a:t>
+            </a:r>
+            <a:r>
+              <a:rPr lang="zh-CN" altLang="en-US" sz="2400" dirty="0" smtClean="0">
+                <a:solidFill>
+                  <a:schemeClr val="bg1"/>
+                </a:solidFill>
+              </a:rPr>
+              <a:t>）</a:t>
+            </a:r>
+            <a:endParaRPr lang="zh-CN" altLang="en-US" sz="2400" dirty="0">
+              <a:solidFill>
+                <a:schemeClr val="bg1"/>
+              </a:solidFill>
+            </a:endParaRPr>
+          </a:p>
+        </p:txBody>
+      </p:sp>
+    </p:spTree>
+    <p:extLst>
+      <p:ext uri="{BB962C8B-B14F-4D97-AF65-F5344CB8AC3E}">
+        <p14:creationId xmlns:p14="http://schemas.microsoft.com/office/powerpoint/2010/main" val="1640317401"/>
+      </p:ext>
+    </p:extLst>
+  </p:cSld>
+  <p:clrMapOvr>
+    <a:masterClrMapping/>
+  </p:clrMapOvr>
+  <p:transition spd="med"/>
+  <p:timing>
+    <p:tnLst>
+      <p:par>
+        <p:cTn id="1" dur="indefinite" restart="never" nodeType="tmRoot">
+          <p:childTnLst>
+            <p:seq concurrent="1" nextAc="seek">
+              <p:cTn id="2" dur="indefinite" nodeType="mainSeq">
+                <p:childTnLst>
+                  <p:par>
+                    <p:cTn id="3" fill="hold">
+                      <p:stCondLst>
+                        <p:cond delay="indefinite"/>
+                      </p:stCondLst>
+                      <p:childTnLst>
+                        <p:par>
+                          <p:cTn id="4" fill="hold">
+                            <p:stCondLst>
+                              <p:cond delay="0"/>
+                            </p:stCondLst>
+                            <p:childTnLst>
+                              <p:par>
+                                <p:cTn id="5" presetID="10" presetClass="entr" presetSubtype="0" fill="hold" nodeType="clickEffect">
+                                  <p:stCondLst>
+                                    <p:cond delay="0"/>
+                                  </p:stCondLst>
+                                  <p:childTnLst>
+                                    <p:set>
+                                      <p:cBhvr>
+                                        <p:cTn id="6" dur="1" fill="hold">
+                                          <p:stCondLst>
+                                            <p:cond delay="0"/>
+                                          </p:stCondLst>
+                                        </p:cTn>
+                                        <p:tgtEl>
+                                          <p:spTgt spid="4"/>
+                                        </p:tgtEl>
+                                        <p:attrNameLst>
+                                          <p:attrName>style.visibility</p:attrName>
+                                        </p:attrNameLst>
+                                      </p:cBhvr>
+                                      <p:to>
+                                        <p:strVal val="visible"/>
+                                      </p:to>
+                                    </p:set>
+                                    <p:animEffect transition="in" filter="fade">
+                                      <p:cBhvr>
+                                        <p:cTn id="7" dur="500"/>
+                                        <p:tgtEl>
+                                          <p:spTgt spid="4"/>
+                                        </p:tgtEl>
+                                      </p:cBhvr>
+                                    </p:animEffect>
+                                  </p:childTnLst>
+                                </p:cTn>
+                              </p:par>
+                            </p:childTnLst>
+                          </p:cTn>
+                        </p:par>
+                      </p:childTnLst>
+                    </p:cTn>
+                  </p:par>
+                  <p:par>
+                    <p:cTn id="8" fill="hold">
+                      <p:stCondLst>
+                        <p:cond delay="indefinite"/>
+                      </p:stCondLst>
+                      <p:childTnLst>
+                        <p:par>
+                          <p:cTn id="9" fill="hold">
+                            <p:stCondLst>
+                              <p:cond delay="0"/>
+                            </p:stCondLst>
+                            <p:childTnLst>
+                              <p:par>
+                                <p:cTn id="10" presetID="10" presetClass="entr" presetSubtype="0" fill="hold" nodeType="clickEffect">
+                                  <p:stCondLst>
+                                    <p:cond delay="0"/>
+                                  </p:stCondLst>
+                                  <p:childTnLst>
+                                    <p:set>
+                                      <p:cBhvr>
+                                        <p:cTn id="11" dur="1" fill="hold">
+                                          <p:stCondLst>
+                                            <p:cond delay="0"/>
+                                          </p:stCondLst>
+                                        </p:cTn>
+                                        <p:tgtEl>
+                                          <p:spTgt spid="3"/>
+                                        </p:tgtEl>
+                                        <p:attrNameLst>
+                                          <p:attrName>style.visibility</p:attrName>
+                                        </p:attrNameLst>
+                                      </p:cBhvr>
+                                      <p:to>
+                                        <p:strVal val="visible"/>
+                                      </p:to>
+                                    </p:set>
+                                    <p:animEffect transition="in" filter="fade">
+                                      <p:cBhvr>
+                                        <p:cTn id="12" dur="500"/>
+                                        <p:tgtEl>
+                                          <p:spTgt spid="3"/>
+                                        </p:tgtEl>
+                                      </p:cBhvr>
+                                    </p:animEffect>
+                                  </p:childTnLst>
+                                </p:cTn>
+                              </p:par>
+                            </p:childTnLst>
+                          </p:cTn>
+                        </p:par>
+                      </p:childTnLst>
+                    </p:cTn>
+                  </p:par>
+                </p:childTnLst>
+              </p:cTn>
+              <p:prevCondLst>
+                <p:cond evt="onPrev" delay="0">
+                  <p:tgtEl>
+                    <p:sldTgt/>
+                  </p:tgtEl>
+                </p:cond>
+              </p:prevCondLst>
+              <p:nextCondLst>
+                <p:cond evt="onNext" delay="0">
+                  <p:tgtEl>
+                    <p:sldTgt/>
+                  </p:tgtEl>
+                </p:cond>
+              </p:nextCondLst>
+            </p:seq>
+          </p:childTnLst>
+        </p:cTn>
+      </p:par>
+    </p:tnLst>
+  </p:timing>
+</p:sld>
+</file>
+
+<file path=ppt/slides/slide14.xml><?xml version="1.0" encoding="utf-8"?>
+<p:sld xmlns:a="http://schemas.openxmlformats.org/drawingml/2006/main" xmlns:r="http://schemas.openxmlformats.org/officeDocument/2006/relationships" xmlns:p="http://schemas.openxmlformats.org/presentationml/2006/main">
   <p:cSld>
     <p:spTree>
       <p:nvGrpSpPr>
@@ -3758,7 +5040,9 @@
       <p:sp>
         <p:nvSpPr>
           <p:cNvPr id="169" name="Technology Overview of Digital Certificates"/>
-          <p:cNvSpPr txBox="1"/>
+          <p:cNvSpPr txBox="1">
+            <a:spLocks noGrp="1"/>
+          </p:cNvSpPr>
           <p:nvPr>
             <p:ph type="title"/>
           </p:nvPr>
@@ -3772,11 +5056,10 @@
           <a:bodyPr/>
           <a:lstStyle>
             <a:lvl1pPr defTabSz="490727">
-              <a:defRPr spc="-200" sz="4000"/>
+              <a:defRPr sz="4000" spc="-200"/>
             </a:lvl1pPr>
           </a:lstStyle>
           <a:p>
-            <a:pPr/>
             <a:r>
               <a:t> Challenge of digital certificate（fake digital certificate）</a:t>
             </a:r>
@@ -3786,7 +5069,9 @@
       <p:sp>
         <p:nvSpPr>
           <p:cNvPr id="170" name="一些假digital certificate的列子，截图"/>
-          <p:cNvSpPr txBox="1"/>
+          <p:cNvSpPr txBox="1">
+            <a:spLocks noGrp="1"/>
+          </p:cNvSpPr>
           <p:nvPr>
             <p:ph type="body" idx="4294967295"/>
           </p:nvPr>
@@ -3810,10 +5095,19 @@
             </a:lvl1pPr>
           </a:lstStyle>
           <a:p>
-            <a:pPr/>
-            <a:r>
-              <a:t>一些假digital certificate的列子，截图</a:t>
-            </a:r>
+            <a:r>
+              <a:rPr dirty="0" err="1"/>
+              <a:t>一些假digital</a:t>
+            </a:r>
+            <a:r>
+              <a:rPr dirty="0"/>
+              <a:t> </a:t>
+            </a:r>
+            <a:r>
+              <a:rPr dirty="0" err="1"/>
+              <a:t>certificate的列子，截图</a:t>
+            </a:r>
+            <a:endParaRPr dirty="0"/>
           </a:p>
         </p:txBody>
       </p:sp>
@@ -3822,12 +5116,19 @@
   <p:clrMapOvr>
     <a:masterClrMapping/>
   </p:clrMapOvr>
-  <p:transition xmlns:p14="http://schemas.microsoft.com/office/powerpoint/2010/main" spd="med" advClick="1"/>
+  <p:transition spd="med"/>
+  <p:timing>
+    <p:tnLst>
+      <p:par>
+        <p:cTn id="1" dur="indefinite" restart="never" nodeType="tmRoot"/>
+      </p:par>
+    </p:tnLst>
+  </p:timing>
 </p:sld>
 </file>
 
-<file path=ppt/slides/slide13.xml><?xml version="1.0" encoding="utf-8"?>
-<p:sld xmlns:a="http://schemas.openxmlformats.org/drawingml/2006/main" xmlns:r="http://schemas.openxmlformats.org/officeDocument/2006/relationships" xmlns:p="http://schemas.openxmlformats.org/presentationml/2006/main" showMasterSp="1" showMasterPhAnim="1">
+<file path=ppt/slides/slide15.xml><?xml version="1.0" encoding="utf-8"?>
+<p:sld xmlns:a="http://schemas.openxmlformats.org/drawingml/2006/main" xmlns:r="http://schemas.openxmlformats.org/officeDocument/2006/relationships" xmlns:p="http://schemas.openxmlformats.org/presentationml/2006/main">
   <p:cSld>
     <p:spTree>
       <p:nvGrpSpPr>
@@ -3846,7 +5147,9 @@
       <p:sp>
         <p:nvSpPr>
           <p:cNvPr id="172" name="What does security provide?…"/>
-          <p:cNvSpPr txBox="1"/>
+          <p:cNvSpPr txBox="1">
+            <a:spLocks noGrp="1"/>
+          </p:cNvSpPr>
           <p:nvPr>
             <p:ph type="title"/>
           </p:nvPr>
@@ -3864,7 +5167,6 @@
             </a:lvl1pPr>
           </a:lstStyle>
           <a:p>
-            <a:pPr/>
             <a:r>
               <a:t> How to defend fake certificate？ </a:t>
             </a:r>
@@ -3876,12 +5178,19 @@
   <p:clrMapOvr>
     <a:masterClrMapping/>
   </p:clrMapOvr>
-  <p:transition xmlns:p14="http://schemas.microsoft.com/office/powerpoint/2010/main" spd="med" advClick="1"/>
+  <p:transition spd="med"/>
+  <p:timing>
+    <p:tnLst>
+      <p:par>
+        <p:cTn id="1" dur="indefinite" restart="never" nodeType="tmRoot"/>
+      </p:par>
+    </p:tnLst>
+  </p:timing>
 </p:sld>
 </file>
 
 <file path=ppt/slides/slide2.xml><?xml version="1.0" encoding="utf-8"?>
-<p:sld xmlns:a="http://schemas.openxmlformats.org/drawingml/2006/main" xmlns:r="http://schemas.openxmlformats.org/officeDocument/2006/relationships" xmlns:p="http://schemas.openxmlformats.org/presentationml/2006/main" showMasterSp="1" showMasterPhAnim="1">
+<p:sld xmlns:a="http://schemas.openxmlformats.org/drawingml/2006/main" xmlns:r="http://schemas.openxmlformats.org/officeDocument/2006/relationships" xmlns:p="http://schemas.openxmlformats.org/presentationml/2006/main">
   <p:cSld>
     <p:spTree>
       <p:nvGrpSpPr>
@@ -3900,7 +5209,9 @@
       <p:sp>
         <p:nvSpPr>
           <p:cNvPr id="141" name="Back ground"/>
-          <p:cNvSpPr txBox="1"/>
+          <p:cNvSpPr txBox="1">
+            <a:spLocks noGrp="1"/>
+          </p:cNvSpPr>
           <p:nvPr>
             <p:ph type="title"/>
           </p:nvPr>
@@ -3918,7 +5229,6 @@
             </a:lvl1pPr>
           </a:lstStyle>
           <a:p>
-            <a:pPr/>
             <a:r>
               <a:t>Back ground</a:t>
             </a:r>
@@ -3928,7 +5238,9 @@
       <p:sp>
         <p:nvSpPr>
           <p:cNvPr id="142" name="数据安全的重要性…"/>
-          <p:cNvSpPr txBox="1"/>
+          <p:cNvSpPr txBox="1">
+            <a:spLocks noGrp="1"/>
+          </p:cNvSpPr>
           <p:nvPr>
             <p:ph type="body" idx="4294967295"/>
           </p:nvPr>
@@ -3972,12 +5284,19 @@
   <p:clrMapOvr>
     <a:masterClrMapping/>
   </p:clrMapOvr>
-  <p:transition xmlns:p14="http://schemas.microsoft.com/office/powerpoint/2010/main" spd="med" advClick="1"/>
+  <p:transition spd="med"/>
+  <p:timing>
+    <p:tnLst>
+      <p:par>
+        <p:cTn id="1" dur="indefinite" restart="never" nodeType="tmRoot"/>
+      </p:par>
+    </p:tnLst>
+  </p:timing>
 </p:sld>
 </file>
 
 <file path=ppt/slides/slide3.xml><?xml version="1.0" encoding="utf-8"?>
-<p:sld xmlns:a="http://schemas.openxmlformats.org/drawingml/2006/main" xmlns:r="http://schemas.openxmlformats.org/officeDocument/2006/relationships" xmlns:p="http://schemas.openxmlformats.org/presentationml/2006/main" showMasterSp="1" showMasterPhAnim="1">
+<p:sld xmlns:a="http://schemas.openxmlformats.org/drawingml/2006/main" xmlns:r="http://schemas.openxmlformats.org/officeDocument/2006/relationships" xmlns:p="http://schemas.openxmlformats.org/presentationml/2006/main">
   <p:cSld>
     <p:spTree>
       <p:nvGrpSpPr>
@@ -3996,7 +5315,9 @@
       <p:sp>
         <p:nvSpPr>
           <p:cNvPr id="144" name="About Digital Certificate"/>
-          <p:cNvSpPr txBox="1"/>
+          <p:cNvSpPr txBox="1">
+            <a:spLocks noGrp="1"/>
+          </p:cNvSpPr>
           <p:nvPr>
             <p:ph type="title"/>
           </p:nvPr>
@@ -4014,7 +5335,6 @@
             </a:lvl1pPr>
           </a:lstStyle>
           <a:p>
-            <a:pPr/>
             <a:r>
               <a:t> What is Digital Certificate</a:t>
             </a:r>
@@ -4024,7 +5344,9 @@
       <p:sp>
         <p:nvSpPr>
           <p:cNvPr id="145" name="正文"/>
-          <p:cNvSpPr txBox="1"/>
+          <p:cNvSpPr txBox="1">
+            <a:spLocks noGrp="1"/>
+          </p:cNvSpPr>
           <p:nvPr>
             <p:ph type="body" idx="1"/>
           </p:nvPr>
@@ -4044,7 +5366,6 @@
             </a:lvl1pPr>
           </a:lstStyle>
           <a:p>
-            <a:pPr/>
             <a:r>
               <a:t>举几个看得见的例子，电子银行，手机sim卡，https://, 电脑里安装的证书</a:t>
             </a:r>
@@ -4056,12 +5377,19 @@
   <p:clrMapOvr>
     <a:masterClrMapping/>
   </p:clrMapOvr>
-  <p:transition xmlns:p14="http://schemas.microsoft.com/office/powerpoint/2010/main" spd="med" advClick="1"/>
+  <p:transition spd="med"/>
+  <p:timing>
+    <p:tnLst>
+      <p:par>
+        <p:cTn id="1" dur="indefinite" restart="never" nodeType="tmRoot"/>
+      </p:par>
+    </p:tnLst>
+  </p:timing>
 </p:sld>
 </file>
 
 <file path=ppt/slides/slide4.xml><?xml version="1.0" encoding="utf-8"?>
-<p:sld xmlns:a="http://schemas.openxmlformats.org/drawingml/2006/main" xmlns:r="http://schemas.openxmlformats.org/officeDocument/2006/relationships" xmlns:p="http://schemas.openxmlformats.org/presentationml/2006/main" showMasterSp="1" showMasterPhAnim="1">
+<p:sld xmlns:a="http://schemas.openxmlformats.org/drawingml/2006/main" xmlns:r="http://schemas.openxmlformats.org/officeDocument/2006/relationships" xmlns:p="http://schemas.openxmlformats.org/presentationml/2006/main">
   <p:cSld>
     <p:spTree>
       <p:nvGrpSpPr>
@@ -4080,7 +5408,9 @@
       <p:sp>
         <p:nvSpPr>
           <p:cNvPr id="147" name="Why is security needed on the Internet?"/>
-          <p:cNvSpPr txBox="1"/>
+          <p:cNvSpPr txBox="1">
+            <a:spLocks noGrp="1"/>
+          </p:cNvSpPr>
           <p:nvPr>
             <p:ph type="title"/>
           </p:nvPr>
@@ -4098,7 +5428,6 @@
             </a:lvl1pPr>
           </a:lstStyle>
           <a:p>
-            <a:pPr/>
             <a:r>
               <a:t> Why is security needed on the Internet?</a:t>
             </a:r>
@@ -4108,7 +5437,9 @@
       <p:sp>
         <p:nvSpPr>
           <p:cNvPr id="148" name="有哪些数据安全的问题，安全漏洞…"/>
-          <p:cNvSpPr txBox="1"/>
+          <p:cNvSpPr txBox="1">
+            <a:spLocks noGrp="1"/>
+          </p:cNvSpPr>
           <p:nvPr>
             <p:ph type="body" idx="4294967295"/>
           </p:nvPr>
@@ -4152,12 +5483,19 @@
   <p:clrMapOvr>
     <a:masterClrMapping/>
   </p:clrMapOvr>
-  <p:transition xmlns:p14="http://schemas.microsoft.com/office/powerpoint/2010/main" spd="med" advClick="1"/>
+  <p:transition spd="med"/>
+  <p:timing>
+    <p:tnLst>
+      <p:par>
+        <p:cTn id="1" dur="indefinite" restart="never" nodeType="tmRoot"/>
+      </p:par>
+    </p:tnLst>
+  </p:timing>
 </p:sld>
 </file>
 
 <file path=ppt/slides/slide5.xml><?xml version="1.0" encoding="utf-8"?>
-<p:sld xmlns:a="http://schemas.openxmlformats.org/drawingml/2006/main" xmlns:r="http://schemas.openxmlformats.org/officeDocument/2006/relationships" xmlns:p="http://schemas.openxmlformats.org/presentationml/2006/main" showMasterSp="1" showMasterPhAnim="1">
+<p:sld xmlns:a="http://schemas.openxmlformats.org/drawingml/2006/main" xmlns:r="http://schemas.openxmlformats.org/officeDocument/2006/relationships" xmlns:p="http://schemas.openxmlformats.org/presentationml/2006/main">
   <p:cSld>
     <p:spTree>
       <p:nvGrpSpPr>
@@ -4176,7 +5514,9 @@
       <p:sp>
         <p:nvSpPr>
           <p:cNvPr id="150" name="Types of digital certificate"/>
-          <p:cNvSpPr txBox="1"/>
+          <p:cNvSpPr txBox="1">
+            <a:spLocks noGrp="1"/>
+          </p:cNvSpPr>
           <p:nvPr>
             <p:ph type="title"/>
           </p:nvPr>
@@ -4194,10 +5534,352 @@
             </a:lvl1pPr>
           </a:lstStyle>
           <a:p>
-            <a:pPr/>
             <a:r>
               <a:t> Types of digital certificate</a:t>
             </a:r>
+          </a:p>
+        </p:txBody>
+      </p:sp>
+      <p:sp>
+        <p:nvSpPr>
+          <p:cNvPr id="6" name="How they recognise that is you?…"/>
+          <p:cNvSpPr txBox="1">
+            <a:spLocks/>
+          </p:cNvSpPr>
+          <p:nvPr/>
+        </p:nvSpPr>
+        <p:spPr>
+          <a:xfrm>
+            <a:off x="1270000" y="3263900"/>
+            <a:ext cx="10464800" cy="5715000"/>
+          </a:xfrm>
+          <a:prstGeom prst="rect">
+            <a:avLst/>
+          </a:prstGeom>
+          <a:ln w="12700">
+            <a:miter lim="400000"/>
+          </a:ln>
+          <a:extLst>
+            <a:ext uri="{C572A759-6A51-4108-AA02-DFA0A04FC94B}">
+              <ma14:wrappingTextBoxFlag xmlns:ma14="http://schemas.microsoft.com/office/mac/drawingml/2011/main" xmlns="" val="1"/>
+            </a:ext>
+          </a:extLst>
+        </p:spPr>
+        <p:txBody>
+          <a:bodyPr lIns="50800" tIns="50800" rIns="50800" bIns="50800" anchor="ctr">
+            <a:normAutofit/>
+          </a:bodyPr>
+          <a:lstStyle>
+            <a:lvl1pPr marL="622300" marR="0" indent="-622300" algn="l" defTabSz="584200" rtl="0" latinLnBrk="0">
+              <a:lnSpc>
+                <a:spcPct val="100000"/>
+              </a:lnSpc>
+              <a:spcBef>
+                <a:spcPts val="4200"/>
+              </a:spcBef>
+              <a:spcAft>
+                <a:spcPts val="0"/>
+              </a:spcAft>
+              <a:buClrTx/>
+              <a:buSzPct val="65000"/>
+              <a:buFontTx/>
+              <a:buBlip>
+                <a:blip r:embed="rId2"/>
+              </a:buBlip>
+              <a:tabLst/>
+              <a:defRPr sz="3400" b="0" i="0" u="none" strike="noStrike" cap="none" spc="0" baseline="0">
+                <a:ln>
+                  <a:noFill/>
+                </a:ln>
+                <a:solidFill>
+                  <a:srgbClr val="EEEEEE"/>
+                </a:solidFill>
+                <a:uFillTx/>
+                <a:latin typeface="Helvetica Neue Bold Condensed"/>
+                <a:ea typeface="Helvetica Neue Bold Condensed"/>
+                <a:cs typeface="Helvetica Neue Bold Condensed"/>
+                <a:sym typeface="Helvetica Neue Bold Condensed"/>
+              </a:defRPr>
+            </a:lvl1pPr>
+            <a:lvl2pPr marL="1244600" marR="0" indent="-622300" algn="l" defTabSz="584200" rtl="0" latinLnBrk="0">
+              <a:lnSpc>
+                <a:spcPct val="100000"/>
+              </a:lnSpc>
+              <a:spcBef>
+                <a:spcPts val="4200"/>
+              </a:spcBef>
+              <a:spcAft>
+                <a:spcPts val="0"/>
+              </a:spcAft>
+              <a:buClrTx/>
+              <a:buSzPct val="65000"/>
+              <a:buFontTx/>
+              <a:buBlip>
+                <a:blip r:embed="rId2"/>
+              </a:buBlip>
+              <a:tabLst/>
+              <a:defRPr sz="3400" b="0" i="0" u="none" strike="noStrike" cap="none" spc="0" baseline="0">
+                <a:ln>
+                  <a:noFill/>
+                </a:ln>
+                <a:solidFill>
+                  <a:srgbClr val="EEEEEE"/>
+                </a:solidFill>
+                <a:uFillTx/>
+                <a:latin typeface="Helvetica Neue Bold Condensed"/>
+                <a:ea typeface="Helvetica Neue Bold Condensed"/>
+                <a:cs typeface="Helvetica Neue Bold Condensed"/>
+                <a:sym typeface="Helvetica Neue Bold Condensed"/>
+              </a:defRPr>
+            </a:lvl2pPr>
+            <a:lvl3pPr marL="1866900" marR="0" indent="-622300" algn="l" defTabSz="584200" rtl="0" latinLnBrk="0">
+              <a:lnSpc>
+                <a:spcPct val="100000"/>
+              </a:lnSpc>
+              <a:spcBef>
+                <a:spcPts val="4200"/>
+              </a:spcBef>
+              <a:spcAft>
+                <a:spcPts val="0"/>
+              </a:spcAft>
+              <a:buClrTx/>
+              <a:buSzPct val="65000"/>
+              <a:buFontTx/>
+              <a:buBlip>
+                <a:blip r:embed="rId2"/>
+              </a:buBlip>
+              <a:tabLst/>
+              <a:defRPr sz="3400" b="0" i="0" u="none" strike="noStrike" cap="none" spc="0" baseline="0">
+                <a:ln>
+                  <a:noFill/>
+                </a:ln>
+                <a:solidFill>
+                  <a:srgbClr val="EEEEEE"/>
+                </a:solidFill>
+                <a:uFillTx/>
+                <a:latin typeface="Helvetica Neue Bold Condensed"/>
+                <a:ea typeface="Helvetica Neue Bold Condensed"/>
+                <a:cs typeface="Helvetica Neue Bold Condensed"/>
+                <a:sym typeface="Helvetica Neue Bold Condensed"/>
+              </a:defRPr>
+            </a:lvl3pPr>
+            <a:lvl4pPr marL="2489200" marR="0" indent="-622300" algn="l" defTabSz="584200" rtl="0" latinLnBrk="0">
+              <a:lnSpc>
+                <a:spcPct val="100000"/>
+              </a:lnSpc>
+              <a:spcBef>
+                <a:spcPts val="4200"/>
+              </a:spcBef>
+              <a:spcAft>
+                <a:spcPts val="0"/>
+              </a:spcAft>
+              <a:buClrTx/>
+              <a:buSzPct val="65000"/>
+              <a:buFontTx/>
+              <a:buBlip>
+                <a:blip r:embed="rId2"/>
+              </a:buBlip>
+              <a:tabLst/>
+              <a:defRPr sz="3400" b="0" i="0" u="none" strike="noStrike" cap="none" spc="0" baseline="0">
+                <a:ln>
+                  <a:noFill/>
+                </a:ln>
+                <a:solidFill>
+                  <a:srgbClr val="EEEEEE"/>
+                </a:solidFill>
+                <a:uFillTx/>
+                <a:latin typeface="Helvetica Neue Bold Condensed"/>
+                <a:ea typeface="Helvetica Neue Bold Condensed"/>
+                <a:cs typeface="Helvetica Neue Bold Condensed"/>
+                <a:sym typeface="Helvetica Neue Bold Condensed"/>
+              </a:defRPr>
+            </a:lvl4pPr>
+            <a:lvl5pPr marL="3111500" marR="0" indent="-622300" algn="l" defTabSz="584200" rtl="0" latinLnBrk="0">
+              <a:lnSpc>
+                <a:spcPct val="100000"/>
+              </a:lnSpc>
+              <a:spcBef>
+                <a:spcPts val="4200"/>
+              </a:spcBef>
+              <a:spcAft>
+                <a:spcPts val="0"/>
+              </a:spcAft>
+              <a:buClrTx/>
+              <a:buSzPct val="65000"/>
+              <a:buFontTx/>
+              <a:buBlip>
+                <a:blip r:embed="rId2"/>
+              </a:buBlip>
+              <a:tabLst/>
+              <a:defRPr sz="3400" b="0" i="0" u="none" strike="noStrike" cap="none" spc="0" baseline="0">
+                <a:ln>
+                  <a:noFill/>
+                </a:ln>
+                <a:solidFill>
+                  <a:srgbClr val="EEEEEE"/>
+                </a:solidFill>
+                <a:uFillTx/>
+                <a:latin typeface="Helvetica Neue Bold Condensed"/>
+                <a:ea typeface="Helvetica Neue Bold Condensed"/>
+                <a:cs typeface="Helvetica Neue Bold Condensed"/>
+                <a:sym typeface="Helvetica Neue Bold Condensed"/>
+              </a:defRPr>
+            </a:lvl5pPr>
+            <a:lvl6pPr marL="3733800" marR="0" indent="-622300" algn="l" defTabSz="584200" rtl="0" latinLnBrk="0">
+              <a:lnSpc>
+                <a:spcPct val="100000"/>
+              </a:lnSpc>
+              <a:spcBef>
+                <a:spcPts val="4200"/>
+              </a:spcBef>
+              <a:spcAft>
+                <a:spcPts val="0"/>
+              </a:spcAft>
+              <a:buClrTx/>
+              <a:buSzPct val="65000"/>
+              <a:buFontTx/>
+              <a:buBlip>
+                <a:blip r:embed="rId2"/>
+              </a:buBlip>
+              <a:tabLst/>
+              <a:defRPr sz="3400" b="0" i="0" u="none" strike="noStrike" cap="none" spc="0" baseline="0">
+                <a:ln>
+                  <a:noFill/>
+                </a:ln>
+                <a:solidFill>
+                  <a:srgbClr val="EEEEEE"/>
+                </a:solidFill>
+                <a:uFillTx/>
+                <a:latin typeface="Helvetica Neue Bold Condensed"/>
+                <a:ea typeface="Helvetica Neue Bold Condensed"/>
+                <a:cs typeface="Helvetica Neue Bold Condensed"/>
+                <a:sym typeface="Helvetica Neue Bold Condensed"/>
+              </a:defRPr>
+            </a:lvl6pPr>
+            <a:lvl7pPr marL="4356100" marR="0" indent="-622300" algn="l" defTabSz="584200" rtl="0" latinLnBrk="0">
+              <a:lnSpc>
+                <a:spcPct val="100000"/>
+              </a:lnSpc>
+              <a:spcBef>
+                <a:spcPts val="4200"/>
+              </a:spcBef>
+              <a:spcAft>
+                <a:spcPts val="0"/>
+              </a:spcAft>
+              <a:buClrTx/>
+              <a:buSzPct val="65000"/>
+              <a:buFontTx/>
+              <a:buBlip>
+                <a:blip r:embed="rId2"/>
+              </a:buBlip>
+              <a:tabLst/>
+              <a:defRPr sz="3400" b="0" i="0" u="none" strike="noStrike" cap="none" spc="0" baseline="0">
+                <a:ln>
+                  <a:noFill/>
+                </a:ln>
+                <a:solidFill>
+                  <a:srgbClr val="EEEEEE"/>
+                </a:solidFill>
+                <a:uFillTx/>
+                <a:latin typeface="Helvetica Neue Bold Condensed"/>
+                <a:ea typeface="Helvetica Neue Bold Condensed"/>
+                <a:cs typeface="Helvetica Neue Bold Condensed"/>
+                <a:sym typeface="Helvetica Neue Bold Condensed"/>
+              </a:defRPr>
+            </a:lvl7pPr>
+            <a:lvl8pPr marL="4978400" marR="0" indent="-622300" algn="l" defTabSz="584200" rtl="0" latinLnBrk="0">
+              <a:lnSpc>
+                <a:spcPct val="100000"/>
+              </a:lnSpc>
+              <a:spcBef>
+                <a:spcPts val="4200"/>
+              </a:spcBef>
+              <a:spcAft>
+                <a:spcPts val="0"/>
+              </a:spcAft>
+              <a:buClrTx/>
+              <a:buSzPct val="65000"/>
+              <a:buFontTx/>
+              <a:buBlip>
+                <a:blip r:embed="rId2"/>
+              </a:buBlip>
+              <a:tabLst/>
+              <a:defRPr sz="3400" b="0" i="0" u="none" strike="noStrike" cap="none" spc="0" baseline="0">
+                <a:ln>
+                  <a:noFill/>
+                </a:ln>
+                <a:solidFill>
+                  <a:srgbClr val="EEEEEE"/>
+                </a:solidFill>
+                <a:uFillTx/>
+                <a:latin typeface="Helvetica Neue Bold Condensed"/>
+                <a:ea typeface="Helvetica Neue Bold Condensed"/>
+                <a:cs typeface="Helvetica Neue Bold Condensed"/>
+                <a:sym typeface="Helvetica Neue Bold Condensed"/>
+              </a:defRPr>
+            </a:lvl8pPr>
+            <a:lvl9pPr marL="5600700" marR="0" indent="-622300" algn="l" defTabSz="584200" rtl="0" latinLnBrk="0">
+              <a:lnSpc>
+                <a:spcPct val="100000"/>
+              </a:lnSpc>
+              <a:spcBef>
+                <a:spcPts val="4200"/>
+              </a:spcBef>
+              <a:spcAft>
+                <a:spcPts val="0"/>
+              </a:spcAft>
+              <a:buClrTx/>
+              <a:buSzPct val="65000"/>
+              <a:buFontTx/>
+              <a:buBlip>
+                <a:blip r:embed="rId2"/>
+              </a:buBlip>
+              <a:tabLst/>
+              <a:defRPr sz="3400" b="0" i="0" u="none" strike="noStrike" cap="none" spc="0" baseline="0">
+                <a:ln>
+                  <a:noFill/>
+                </a:ln>
+                <a:solidFill>
+                  <a:srgbClr val="EEEEEE"/>
+                </a:solidFill>
+                <a:uFillTx/>
+                <a:latin typeface="Helvetica Neue Bold Condensed"/>
+                <a:ea typeface="Helvetica Neue Bold Condensed"/>
+                <a:cs typeface="Helvetica Neue Bold Condensed"/>
+                <a:sym typeface="Helvetica Neue Bold Condensed"/>
+              </a:defRPr>
+            </a:lvl9pPr>
+          </a:lstStyle>
+          <a:p>
+            <a:pPr hangingPunct="1"/>
+            <a:r>
+              <a:rPr lang="en-US" altLang="zh-CN" b="1" dirty="0">
+                <a:solidFill>
+                  <a:schemeClr val="bg1"/>
+                </a:solidFill>
+              </a:rPr>
+              <a:t>TLS/SSL server certificate </a:t>
+            </a:r>
+            <a:endParaRPr lang="en-US" altLang="zh-CN" b="1" dirty="0" smtClean="0">
+              <a:solidFill>
+                <a:schemeClr val="bg1"/>
+              </a:solidFill>
+            </a:endParaRPr>
+          </a:p>
+          <a:p>
+            <a:pPr hangingPunct="1"/>
+            <a:r>
+              <a:rPr lang="en-US" dirty="0" smtClean="0"/>
+              <a:t>How to keep your certificate</a:t>
+            </a:r>
+          </a:p>
+          <a:p>
+            <a:pPr hangingPunct="1"/>
+            <a:r>
+              <a:rPr lang="en-US" dirty="0" smtClean="0"/>
+              <a:t>Use of TPM</a:t>
+            </a:r>
+            <a:endParaRPr lang="en-US" dirty="0"/>
           </a:p>
         </p:txBody>
       </p:sp>
@@ -4206,12 +5888,19 @@
   <p:clrMapOvr>
     <a:masterClrMapping/>
   </p:clrMapOvr>
-  <p:transition xmlns:p14="http://schemas.microsoft.com/office/powerpoint/2010/main" spd="med" advClick="1"/>
+  <p:transition spd="med"/>
+  <p:timing>
+    <p:tnLst>
+      <p:par>
+        <p:cTn id="1" dur="indefinite" restart="never" nodeType="tmRoot"/>
+      </p:par>
+    </p:tnLst>
+  </p:timing>
 </p:sld>
 </file>
 
 <file path=ppt/slides/slide6.xml><?xml version="1.0" encoding="utf-8"?>
-<p:sld xmlns:a="http://schemas.openxmlformats.org/drawingml/2006/main" xmlns:r="http://schemas.openxmlformats.org/officeDocument/2006/relationships" xmlns:p="http://schemas.openxmlformats.org/presentationml/2006/main" showMasterSp="1" showMasterPhAnim="1">
+<p:sld xmlns:a="http://schemas.openxmlformats.org/drawingml/2006/main" xmlns:r="http://schemas.openxmlformats.org/officeDocument/2006/relationships" xmlns:p="http://schemas.openxmlformats.org/presentationml/2006/main">
   <p:cSld>
     <p:spTree>
       <p:nvGrpSpPr>
@@ -4230,7 +5919,9 @@
       <p:sp>
         <p:nvSpPr>
           <p:cNvPr id="152" name="The contents of a digital certificate (X.509 certificate…"/>
-          <p:cNvSpPr txBox="1"/>
+          <p:cNvSpPr txBox="1">
+            <a:spLocks noGrp="1"/>
+          </p:cNvSpPr>
           <p:nvPr>
             <p:ph type="title"/>
           </p:nvPr>
@@ -4245,7 +5936,7 @@
           <a:lstStyle/>
           <a:p>
             <a:pPr defTabSz="461518">
-              <a:defRPr spc="-200" sz="3700"/>
+              <a:defRPr sz="3700" spc="-200"/>
             </a:pPr>
             <a:r>
               <a:t>  The contents of a digital certificate (X.509 certificate</a:t>
@@ -4258,7 +5949,7 @@
           </a:p>
           <a:p>
             <a:pPr defTabSz="461518">
-              <a:defRPr spc="-200" sz="3700"/>
+              <a:defRPr sz="3700" spc="-200"/>
             </a:pPr>
             <a:r>
               <a:t>)</a:t>
@@ -4269,7 +5960,9 @@
       <p:sp>
         <p:nvSpPr>
           <p:cNvPr id="153" name="Most digital certificates in use today follow what is known as the X.509 standard.  X.509 is used in SSL (Secure Sockets Layer) and TLS (Transport Layer Security)…"/>
-          <p:cNvSpPr txBox="1"/>
+          <p:cNvSpPr txBox="1">
+            <a:spLocks noGrp="1"/>
+          </p:cNvSpPr>
           <p:nvPr>
             <p:ph type="body" sz="quarter" idx="4294967295"/>
           </p:nvPr>
@@ -4284,7 +5977,9 @@
           </a:prstGeom>
         </p:spPr>
         <p:txBody>
-          <a:bodyPr/>
+          <a:bodyPr>
+            <a:normAutofit fontScale="92500" lnSpcReduction="10000"/>
+          </a:bodyPr>
           <a:lstStyle/>
           <a:p>
             <a:pPr marL="423162" indent="-423162" defTabSz="397256">
@@ -4297,6 +5992,7 @@
               <a:defRPr sz="2300"/>
             </a:pPr>
             <a:r>
+              <a:rPr dirty="0"/>
               <a:t> Most digital certificates in use today follow what is known as the X.509 standard.  X.509 is used in SSL (Secure Sockets Layer) and TLS (Transport Layer Security)</a:t>
             </a:r>
           </a:p>
@@ -4311,10 +6007,11 @@
               <a:defRPr sz="2300"/>
             </a:pPr>
             <a:r>
+              <a:rPr dirty="0"/>
               <a:t> it's what's being used in HTTPS, </a:t>
             </a:r>
             <a:r>
-              <a:rPr u="sng">
+              <a:rPr u="sng" dirty="0">
                 <a:solidFill>
                   <a:srgbClr val="0000FF"/>
                 </a:solidFill>
@@ -4323,15 +6020,16 @@
                     <a:srgbClr val="0000FF"/>
                   </a:solidFill>
                 </a:uFill>
-                <a:hlinkClick r:id="rId3" invalidUrl="" action="" tgtFrame="" tooltip="" history="1" highlightClick="0" endSnd="0"/>
+                <a:hlinkClick r:id="rId3"/>
               </a:rPr>
               <a:t>FTPS</a:t>
             </a:r>
             <a:r>
+              <a:rPr dirty="0"/>
               <a:t>, </a:t>
             </a:r>
             <a:r>
-              <a:rPr u="sng">
+              <a:rPr u="sng" dirty="0" err="1">
                 <a:solidFill>
                   <a:srgbClr val="0000FF"/>
                 </a:solidFill>
@@ -4340,11 +6038,12 @@
                     <a:srgbClr val="0000FF"/>
                   </a:solidFill>
                 </a:uFill>
-                <a:hlinkClick r:id="rId4" invalidUrl="" action="" tgtFrame="" tooltip="" history="1" highlightClick="0" endSnd="0"/>
+                <a:hlinkClick r:id="rId4"/>
               </a:rPr>
               <a:t>WebDAVS</a:t>
             </a:r>
             <a:r>
+              <a:rPr dirty="0"/>
               <a:t> and other secure data transfer protocols.</a:t>
             </a:r>
           </a:p>
@@ -4369,7 +6068,7 @@
           </a:ln>
           <a:extLst>
             <a:ext uri="{C572A759-6A51-4108-AA02-DFA0A04FC94B}">
-              <ma14:wrappingTextBoxFlag xmlns:ma14="http://schemas.microsoft.com/office/mac/drawingml/2011/main" val="1"/>
+              <ma14:wrappingTextBoxFlag xmlns:ma14="http://schemas.microsoft.com/office/mac/drawingml/2011/main" xmlns="" val="1"/>
             </a:ext>
           </a:extLst>
         </p:spPr>
@@ -4400,13 +6099,15 @@
               </a:defRPr>
             </a:pPr>
             <a:r>
+              <a:rPr dirty="0"/>
               <a:t>I</a:t>
             </a:r>
             <a:r>
-              <a:rPr b="1"/>
+              <a:rPr b="1" dirty="0"/>
               <a:t>nformation about the subject a.k.a. Subject Name </a:t>
             </a:r>
             <a:r>
+              <a:rPr dirty="0"/>
               <a:t>- "subject" refers to the site represented by the cert.</a:t>
             </a:r>
           </a:p>
@@ -4421,7 +6122,7 @@
               <a:buSzPct val="100000"/>
               <a:buFont typeface="Arial"/>
               <a:buChar char="▪"/>
-              <a:defRPr b="1" sz="1300">
+              <a:defRPr sz="1300" b="1">
                 <a:solidFill>
                   <a:srgbClr val="484848"/>
                 </a:solidFill>
@@ -4432,10 +6133,11 @@
               </a:defRPr>
             </a:pPr>
             <a:r>
+              <a:rPr dirty="0"/>
               <a:t>Information about the certificate issuer/certificate authority (CA) </a:t>
             </a:r>
             <a:r>
-              <a:rPr b="0"/>
+              <a:rPr b="0" dirty="0"/>
               <a:t>- The CA is the body that issued and signed the certificate. More about this shortly</a:t>
             </a:r>
           </a:p>
@@ -4450,7 +6152,7 @@
               <a:buSzPct val="100000"/>
               <a:buFont typeface="Arial"/>
               <a:buChar char="▪"/>
-              <a:defRPr b="1" sz="1300">
+              <a:defRPr sz="1300" b="1">
                 <a:solidFill>
                   <a:srgbClr val="484848"/>
                 </a:solidFill>
@@ -4461,10 +6163,11 @@
               </a:defRPr>
             </a:pPr>
             <a:r>
+              <a:rPr dirty="0"/>
               <a:t>Serial number </a:t>
             </a:r>
             <a:r>
-              <a:rPr b="0"/>
+              <a:rPr b="0" dirty="0"/>
               <a:t>- this is the serial number assigned by the issuer to this certificate. Each issuer must make sure each certificate it issues has a unique serial number. </a:t>
             </a:r>
           </a:p>
@@ -4479,7 +6182,7 @@
               <a:buSzPct val="100000"/>
               <a:buFont typeface="Arial"/>
               <a:buChar char="▪"/>
-              <a:defRPr b="1" sz="1300">
+              <a:defRPr sz="1300" b="1">
                 <a:solidFill>
                   <a:srgbClr val="484848"/>
                 </a:solidFill>
@@ -4490,10 +6193,11 @@
               </a:defRPr>
             </a:pPr>
             <a:r>
+              <a:rPr dirty="0"/>
               <a:t>Version</a:t>
             </a:r>
             <a:r>
-              <a:rPr b="0"/>
+              <a:rPr b="0" dirty="0"/>
               <a:t> - the X.509 version used by a given certificate. These days, you'll usually find version 3.</a:t>
             </a:r>
           </a:p>
@@ -4508,7 +6212,7 @@
               <a:buSzPct val="100000"/>
               <a:buFont typeface="Arial"/>
               <a:buChar char="▪"/>
-              <a:defRPr b="1" sz="1300">
+              <a:defRPr sz="1300" b="1">
                 <a:solidFill>
                   <a:srgbClr val="484848"/>
                 </a:solidFill>
@@ -4519,10 +6223,11 @@
               </a:defRPr>
             </a:pPr>
             <a:r>
+              <a:rPr dirty="0"/>
               <a:t>Validity period </a:t>
             </a:r>
             <a:r>
-              <a:rPr b="0"/>
+              <a:rPr b="0" dirty="0"/>
               <a:t>- certs aren't meant to last forever. The validity period defines the period over which the cert can still be deemed trustworthy. </a:t>
             </a:r>
           </a:p>
@@ -4537,7 +6242,7 @@
               <a:buSzPct val="100000"/>
               <a:buFont typeface="Arial"/>
               <a:buChar char="▪"/>
-              <a:defRPr b="1" sz="1300">
+              <a:defRPr sz="1300" b="1">
                 <a:solidFill>
                   <a:srgbClr val="484848"/>
                 </a:solidFill>
@@ -4548,14 +6253,15 @@
               </a:defRPr>
             </a:pPr>
             <a:r>
+              <a:rPr dirty="0"/>
               <a:t>Signature</a:t>
             </a:r>
             <a:r>
-              <a:rPr b="0"/>
+              <a:rPr b="0" dirty="0"/>
               <a:t> -  This is the </a:t>
             </a:r>
             <a:r>
-              <a:rPr b="0" u="sng">
+              <a:rPr b="0" u="sng" dirty="0">
                 <a:solidFill>
                   <a:srgbClr val="0000FF"/>
                 </a:solidFill>
@@ -4564,12 +6270,12 @@
                     <a:srgbClr val="0000FF"/>
                   </a:solidFill>
                 </a:uFill>
-                <a:hlinkClick r:id="rId5" invalidUrl="" action="" tgtFrame="" tooltip="" history="1" highlightClick="0" endSnd="0"/>
+                <a:hlinkClick r:id="rId5"/>
               </a:rPr>
               <a:t>digital signature</a:t>
             </a:r>
             <a:r>
-              <a:rPr b="0"/>
+              <a:rPr b="0" dirty="0"/>
               <a:t> of the entire digital certificate, generated using the certificate issuer's private key</a:t>
             </a:r>
           </a:p>
@@ -4584,7 +6290,7 @@
               <a:buSzPct val="100000"/>
               <a:buFont typeface="Arial"/>
               <a:buChar char="▪"/>
-              <a:defRPr b="1" sz="1300">
+              <a:defRPr sz="1300" b="1">
                 <a:solidFill>
                   <a:srgbClr val="484848"/>
                 </a:solidFill>
@@ -4595,10 +6301,11 @@
               </a:defRPr>
             </a:pPr>
             <a:r>
+              <a:rPr dirty="0"/>
               <a:t>Signature algorithm</a:t>
             </a:r>
             <a:r>
-              <a:rPr b="0"/>
+              <a:rPr b="0" dirty="0"/>
               <a:t> - The cryptographic signature algorithm used to generate the digital signature (e.g. SHA-1 with RSA Encryption)</a:t>
             </a:r>
           </a:p>
@@ -4613,7 +6320,7 @@
               <a:buSzPct val="100000"/>
               <a:buFont typeface="Arial"/>
               <a:buChar char="▪"/>
-              <a:defRPr b="1" sz="1300">
+              <a:defRPr sz="1300" b="1">
                 <a:solidFill>
                   <a:srgbClr val="484848"/>
                 </a:solidFill>
@@ -4624,15 +6331,16 @@
               </a:defRPr>
             </a:pPr>
             <a:r>
+              <a:rPr dirty="0"/>
               <a:t>Public key information</a:t>
             </a:r>
             <a:r>
-              <a:rPr b="0"/>
+              <a:rPr b="0" dirty="0"/>
               <a:t> - Information about the subject's public key. This includes:</a:t>
             </a:r>
           </a:p>
           <a:p>
-            <a:pPr lvl="1" marL="914400" indent="-317500" algn="l" defTabSz="457200">
+            <a:pPr marL="914400" lvl="1" indent="-317500" algn="l" defTabSz="457200">
               <a:lnSpc>
                 <a:spcPts val="3000"/>
               </a:lnSpc>
@@ -4653,11 +6361,12 @@
               </a:defRPr>
             </a:pPr>
             <a:r>
+              <a:rPr dirty="0"/>
               <a:t>the algorithm (e.g. Elliptic Curve Public Key), </a:t>
             </a:r>
           </a:p>
           <a:p>
-            <a:pPr lvl="1" marL="914400" indent="-317500" algn="l" defTabSz="457200">
+            <a:pPr marL="914400" lvl="1" indent="-317500" algn="l" defTabSz="457200">
               <a:lnSpc>
                 <a:spcPts val="3000"/>
               </a:lnSpc>
@@ -4678,11 +6387,12 @@
               </a:defRPr>
             </a:pPr>
             <a:r>
+              <a:rPr dirty="0"/>
               <a:t>the key size (e.g. 256 bits),</a:t>
             </a:r>
           </a:p>
           <a:p>
-            <a:pPr lvl="1" marL="914400" indent="-317500" algn="l" defTabSz="457200">
+            <a:pPr marL="914400" lvl="1" indent="-317500" algn="l" defTabSz="457200">
               <a:lnSpc>
                 <a:spcPts val="3000"/>
               </a:lnSpc>
@@ -4703,11 +6413,12 @@
               </a:defRPr>
             </a:pPr>
             <a:r>
+              <a:rPr dirty="0"/>
               <a:t>the key usage (e.g. can encrypt, verify, derive), and</a:t>
             </a:r>
           </a:p>
           <a:p>
-            <a:pPr lvl="1" marL="914400" indent="-317500" algn="l" defTabSz="457200">
+            <a:pPr marL="914400" lvl="1" indent="-317500" algn="l" defTabSz="457200">
               <a:lnSpc>
                 <a:spcPts val="3000"/>
               </a:lnSpc>
@@ -4728,6 +6439,7 @@
               </a:defRPr>
             </a:pPr>
             <a:r>
+              <a:rPr dirty="0"/>
               <a:t>the public key itself</a:t>
             </a:r>
           </a:p>
@@ -4738,12 +6450,19 @@
   <p:clrMapOvr>
     <a:masterClrMapping/>
   </p:clrMapOvr>
-  <p:transition xmlns:p14="http://schemas.microsoft.com/office/powerpoint/2010/main" spd="med" advClick="1"/>
+  <p:transition spd="med"/>
+  <p:timing>
+    <p:tnLst>
+      <p:par>
+        <p:cTn id="1" dur="indefinite" restart="never" nodeType="tmRoot"/>
+      </p:par>
+    </p:tnLst>
+  </p:timing>
 </p:sld>
 </file>
 
 <file path=ppt/slides/slide7.xml><?xml version="1.0" encoding="utf-8"?>
-<p:sld xmlns:a="http://schemas.openxmlformats.org/drawingml/2006/main" xmlns:r="http://schemas.openxmlformats.org/officeDocument/2006/relationships" xmlns:p="http://schemas.openxmlformats.org/presentationml/2006/main" showMasterSp="1" showMasterPhAnim="1">
+<p:sld xmlns:a="http://schemas.openxmlformats.org/drawingml/2006/main" xmlns:r="http://schemas.openxmlformats.org/officeDocument/2006/relationships" xmlns:p="http://schemas.openxmlformats.org/presentationml/2006/main">
   <p:cSld>
     <p:spTree>
       <p:nvGrpSpPr>
@@ -4762,7 +6481,9 @@
       <p:sp>
         <p:nvSpPr>
           <p:cNvPr id="156" name="How to know if a website is trustworthy?"/>
-          <p:cNvSpPr txBox="1"/>
+          <p:cNvSpPr txBox="1">
+            <a:spLocks noGrp="1"/>
+          </p:cNvSpPr>
           <p:nvPr>
             <p:ph type="title"/>
           </p:nvPr>
@@ -4776,75 +6497,394 @@
           <a:bodyPr/>
           <a:lstStyle/>
           <a:p>
-            <a:pPr/>
-            <a:r>
+            <a:r>
+              <a:rPr dirty="0"/>
               <a:t>How to know if a website is trustworthy?</a:t>
             </a:r>
           </a:p>
         </p:txBody>
       </p:sp>
-      <p:sp>
-        <p:nvSpPr>
-          <p:cNvPr id="157" name="Means: safe for personal communication and business transactions."/>
-          <p:cNvSpPr txBox="1"/>
+      <p:pic>
+        <p:nvPicPr>
+          <p:cNvPr id="2" name="图片 1"/>
+          <p:cNvPicPr>
+            <a:picLocks noChangeAspect="1"/>
+          </p:cNvPicPr>
           <p:nvPr/>
-        </p:nvSpPr>
+        </p:nvPicPr>
+        <p:blipFill>
+          <a:blip r:embed="rId2">
+            <a:extLst>
+              <a:ext uri="{28A0092B-C50C-407E-A947-70E740481C1C}">
+                <a14:useLocalDpi xmlns:a14="http://schemas.microsoft.com/office/drawing/2010/main" val="0"/>
+              </a:ext>
+            </a:extLst>
+          </a:blip>
+          <a:stretch>
+            <a:fillRect/>
+          </a:stretch>
+        </p:blipFill>
         <p:spPr>
           <a:xfrm>
-            <a:off x="1891080" y="3173272"/>
-            <a:ext cx="9068665" cy="498756"/>
+            <a:off x="1662481" y="3581400"/>
+            <a:ext cx="9697803" cy="3334215"/>
           </a:xfrm>
           <a:prstGeom prst="rect">
             <a:avLst/>
           </a:prstGeom>
-          <a:ln w="12700">
-            <a:miter lim="400000"/>
-          </a:ln>
-          <a:extLst>
-            <a:ext uri="{C572A759-6A51-4108-AA02-DFA0A04FC94B}">
-              <ma14:wrappingTextBoxFlag xmlns:ma14="http://schemas.microsoft.com/office/mac/drawingml/2011/main" val="1"/>
-            </a:ext>
-          </a:extLst>
         </p:spPr>
-        <p:txBody>
-          <a:bodyPr wrap="none" lIns="50800" tIns="50800" rIns="50800" bIns="50800" anchor="ctr">
-            <a:spAutoFit/>
-          </a:bodyPr>
-          <a:lstStyle>
-            <a:lvl1pPr algn="l">
-              <a:spcBef>
-                <a:spcPts val="3000"/>
-              </a:spcBef>
-              <a:defRPr sz="2600">
-                <a:solidFill>
-                  <a:srgbClr val="EEEEEE"/>
-                </a:solidFill>
-                <a:latin typeface="Helvetica Neue Bold Condensed"/>
-                <a:ea typeface="Helvetica Neue Bold Condensed"/>
-                <a:cs typeface="Helvetica Neue Bold Condensed"/>
-                <a:sym typeface="Helvetica Neue Bold Condensed"/>
-              </a:defRPr>
-            </a:lvl1pPr>
-          </a:lstStyle>
-          <a:p>
-            <a:pPr/>
-            <a:r>
-              <a:t>Means: safe for personal communication and business transactions.</a:t>
-            </a:r>
-          </a:p>
-        </p:txBody>
-      </p:sp>
+      </p:pic>
+      <p:pic>
+        <p:nvPicPr>
+          <p:cNvPr id="3" name="图片 2"/>
+          <p:cNvPicPr>
+            <a:picLocks noChangeAspect="1"/>
+          </p:cNvPicPr>
+          <p:nvPr/>
+        </p:nvPicPr>
+        <p:blipFill>
+          <a:blip r:embed="rId3">
+            <a:extLst>
+              <a:ext uri="{28A0092B-C50C-407E-A947-70E740481C1C}">
+                <a14:useLocalDpi xmlns:a14="http://schemas.microsoft.com/office/drawing/2010/main" val="0"/>
+              </a:ext>
+            </a:extLst>
+          </a:blip>
+          <a:stretch>
+            <a:fillRect/>
+          </a:stretch>
+        </p:blipFill>
+        <p:spPr>
+          <a:xfrm>
+            <a:off x="2073753" y="7315200"/>
+            <a:ext cx="8839200" cy="1295400"/>
+          </a:xfrm>
+          <a:prstGeom prst="rect">
+            <a:avLst/>
+          </a:prstGeom>
+        </p:spPr>
+      </p:pic>
     </p:spTree>
   </p:cSld>
   <p:clrMapOvr>
     <a:masterClrMapping/>
   </p:clrMapOvr>
-  <p:transition xmlns:p14="http://schemas.microsoft.com/office/powerpoint/2010/main" spd="med" advClick="1"/>
+  <p:transition spd="med"/>
+  <p:timing>
+    <p:tnLst>
+      <p:par>
+        <p:cTn id="1" dur="indefinite" restart="never" nodeType="tmRoot">
+          <p:childTnLst>
+            <p:seq concurrent="1" nextAc="seek">
+              <p:cTn id="2" dur="indefinite" nodeType="mainSeq">
+                <p:childTnLst>
+                  <p:par>
+                    <p:cTn id="3" fill="hold">
+                      <p:stCondLst>
+                        <p:cond delay="indefinite"/>
+                      </p:stCondLst>
+                      <p:childTnLst>
+                        <p:par>
+                          <p:cTn id="4" fill="hold">
+                            <p:stCondLst>
+                              <p:cond delay="0"/>
+                            </p:stCondLst>
+                            <p:childTnLst>
+                              <p:par>
+                                <p:cTn id="5" presetID="42" presetClass="entr" presetSubtype="0" fill="hold" nodeType="clickEffect">
+                                  <p:stCondLst>
+                                    <p:cond delay="0"/>
+                                  </p:stCondLst>
+                                  <p:childTnLst>
+                                    <p:set>
+                                      <p:cBhvr>
+                                        <p:cTn id="6" dur="1" fill="hold">
+                                          <p:stCondLst>
+                                            <p:cond delay="0"/>
+                                          </p:stCondLst>
+                                        </p:cTn>
+                                        <p:tgtEl>
+                                          <p:spTgt spid="2"/>
+                                        </p:tgtEl>
+                                        <p:attrNameLst>
+                                          <p:attrName>style.visibility</p:attrName>
+                                        </p:attrNameLst>
+                                      </p:cBhvr>
+                                      <p:to>
+                                        <p:strVal val="visible"/>
+                                      </p:to>
+                                    </p:set>
+                                    <p:animEffect transition="in" filter="fade">
+                                      <p:cBhvr>
+                                        <p:cTn id="7" dur="1000"/>
+                                        <p:tgtEl>
+                                          <p:spTgt spid="2"/>
+                                        </p:tgtEl>
+                                      </p:cBhvr>
+                                    </p:animEffect>
+                                    <p:anim calcmode="lin" valueType="num">
+                                      <p:cBhvr>
+                                        <p:cTn id="8" dur="1000" fill="hold"/>
+                                        <p:tgtEl>
+                                          <p:spTgt spid="2"/>
+                                        </p:tgtEl>
+                                        <p:attrNameLst>
+                                          <p:attrName>ppt_x</p:attrName>
+                                        </p:attrNameLst>
+                                      </p:cBhvr>
+                                      <p:tavLst>
+                                        <p:tav tm="0">
+                                          <p:val>
+                                            <p:strVal val="#ppt_x"/>
+                                          </p:val>
+                                        </p:tav>
+                                        <p:tav tm="100000">
+                                          <p:val>
+                                            <p:strVal val="#ppt_x"/>
+                                          </p:val>
+                                        </p:tav>
+                                      </p:tavLst>
+                                    </p:anim>
+                                    <p:anim calcmode="lin" valueType="num">
+                                      <p:cBhvr>
+                                        <p:cTn id="9" dur="1000" fill="hold"/>
+                                        <p:tgtEl>
+                                          <p:spTgt spid="2"/>
+                                        </p:tgtEl>
+                                        <p:attrNameLst>
+                                          <p:attrName>ppt_y</p:attrName>
+                                        </p:attrNameLst>
+                                      </p:cBhvr>
+                                      <p:tavLst>
+                                        <p:tav tm="0">
+                                          <p:val>
+                                            <p:strVal val="#ppt_y+.1"/>
+                                          </p:val>
+                                        </p:tav>
+                                        <p:tav tm="100000">
+                                          <p:val>
+                                            <p:strVal val="#ppt_y"/>
+                                          </p:val>
+                                        </p:tav>
+                                      </p:tavLst>
+                                    </p:anim>
+                                  </p:childTnLst>
+                                </p:cTn>
+                              </p:par>
+                            </p:childTnLst>
+                          </p:cTn>
+                        </p:par>
+                      </p:childTnLst>
+                    </p:cTn>
+                  </p:par>
+                  <p:par>
+                    <p:cTn id="10" fill="hold">
+                      <p:stCondLst>
+                        <p:cond delay="indefinite"/>
+                      </p:stCondLst>
+                      <p:childTnLst>
+                        <p:par>
+                          <p:cTn id="11" fill="hold">
+                            <p:stCondLst>
+                              <p:cond delay="0"/>
+                            </p:stCondLst>
+                            <p:childTnLst>
+                              <p:par>
+                                <p:cTn id="12" presetID="10" presetClass="entr" presetSubtype="0" fill="hold" nodeType="clickEffect">
+                                  <p:stCondLst>
+                                    <p:cond delay="0"/>
+                                  </p:stCondLst>
+                                  <p:childTnLst>
+                                    <p:set>
+                                      <p:cBhvr>
+                                        <p:cTn id="13" dur="1" fill="hold">
+                                          <p:stCondLst>
+                                            <p:cond delay="0"/>
+                                          </p:stCondLst>
+                                        </p:cTn>
+                                        <p:tgtEl>
+                                          <p:spTgt spid="3"/>
+                                        </p:tgtEl>
+                                        <p:attrNameLst>
+                                          <p:attrName>style.visibility</p:attrName>
+                                        </p:attrNameLst>
+                                      </p:cBhvr>
+                                      <p:to>
+                                        <p:strVal val="visible"/>
+                                      </p:to>
+                                    </p:set>
+                                    <p:animEffect transition="in" filter="fade">
+                                      <p:cBhvr>
+                                        <p:cTn id="14" dur="500"/>
+                                        <p:tgtEl>
+                                          <p:spTgt spid="3"/>
+                                        </p:tgtEl>
+                                      </p:cBhvr>
+                                    </p:animEffect>
+                                  </p:childTnLst>
+                                </p:cTn>
+                              </p:par>
+                            </p:childTnLst>
+                          </p:cTn>
+                        </p:par>
+                      </p:childTnLst>
+                    </p:cTn>
+                  </p:par>
+                </p:childTnLst>
+              </p:cTn>
+              <p:prevCondLst>
+                <p:cond evt="onPrev" delay="0">
+                  <p:tgtEl>
+                    <p:sldTgt/>
+                  </p:tgtEl>
+                </p:cond>
+              </p:prevCondLst>
+              <p:nextCondLst>
+                <p:cond evt="onNext" delay="0">
+                  <p:tgtEl>
+                    <p:sldTgt/>
+                  </p:tgtEl>
+                </p:cond>
+              </p:nextCondLst>
+            </p:seq>
+          </p:childTnLst>
+        </p:cTn>
+      </p:par>
+    </p:tnLst>
+  </p:timing>
 </p:sld>
 </file>
 
 <file path=ppt/slides/slide8.xml><?xml version="1.0" encoding="utf-8"?>
-<p:sld xmlns:a="http://schemas.openxmlformats.org/drawingml/2006/main" xmlns:r="http://schemas.openxmlformats.org/officeDocument/2006/relationships" xmlns:p="http://schemas.openxmlformats.org/presentationml/2006/main" showMasterSp="1" showMasterPhAnim="1">
+<p:sld xmlns:a="http://schemas.openxmlformats.org/drawingml/2006/main" xmlns:r="http://schemas.openxmlformats.org/officeDocument/2006/relationships" xmlns:p="http://schemas.openxmlformats.org/presentationml/2006/main">
+  <p:cSld>
+    <p:spTree>
+      <p:nvGrpSpPr>
+        <p:cNvPr id="1" name=""/>
+        <p:cNvGrpSpPr/>
+        <p:nvPr/>
+      </p:nvGrpSpPr>
+      <p:grpSpPr>
+        <a:xfrm>
+          <a:off x="0" y="0"/>
+          <a:ext cx="0" cy="0"/>
+          <a:chOff x="0" y="0"/>
+          <a:chExt cx="0" cy="0"/>
+        </a:xfrm>
+      </p:grpSpPr>
+      <p:pic>
+        <p:nvPicPr>
+          <p:cNvPr id="4" name="图片 3"/>
+          <p:cNvPicPr>
+            <a:picLocks noChangeAspect="1"/>
+          </p:cNvPicPr>
+          <p:nvPr/>
+        </p:nvPicPr>
+        <p:blipFill>
+          <a:blip r:embed="rId2">
+            <a:extLst>
+              <a:ext uri="{28A0092B-C50C-407E-A947-70E740481C1C}">
+                <a14:useLocalDpi xmlns:a14="http://schemas.microsoft.com/office/drawing/2010/main" val="0"/>
+              </a:ext>
+            </a:extLst>
+          </a:blip>
+          <a:stretch>
+            <a:fillRect/>
+          </a:stretch>
+        </p:blipFill>
+        <p:spPr>
+          <a:xfrm>
+            <a:off x="766871" y="1752600"/>
+            <a:ext cx="4933950" cy="6000750"/>
+          </a:xfrm>
+          <a:prstGeom prst="rect">
+            <a:avLst/>
+          </a:prstGeom>
+        </p:spPr>
+      </p:pic>
+      <p:pic>
+        <p:nvPicPr>
+          <p:cNvPr id="5" name="图片 4"/>
+          <p:cNvPicPr>
+            <a:picLocks noChangeAspect="1"/>
+          </p:cNvPicPr>
+          <p:nvPr/>
+        </p:nvPicPr>
+        <p:blipFill>
+          <a:blip r:embed="rId3">
+            <a:extLst>
+              <a:ext uri="{28A0092B-C50C-407E-A947-70E740481C1C}">
+                <a14:useLocalDpi xmlns:a14="http://schemas.microsoft.com/office/drawing/2010/main" val="0"/>
+              </a:ext>
+            </a:extLst>
+          </a:blip>
+          <a:stretch>
+            <a:fillRect/>
+          </a:stretch>
+        </p:blipFill>
+        <p:spPr>
+          <a:xfrm>
+            <a:off x="6273800" y="1266303"/>
+            <a:ext cx="5162550" cy="3676650"/>
+          </a:xfrm>
+          <a:prstGeom prst="rect">
+            <a:avLst/>
+          </a:prstGeom>
+        </p:spPr>
+      </p:pic>
+      <p:pic>
+        <p:nvPicPr>
+          <p:cNvPr id="6" name="图片 5"/>
+          <p:cNvPicPr>
+            <a:picLocks noChangeAspect="1"/>
+          </p:cNvPicPr>
+          <p:nvPr/>
+        </p:nvPicPr>
+        <p:blipFill>
+          <a:blip r:embed="rId4">
+            <a:extLst>
+              <a:ext uri="{28A0092B-C50C-407E-A947-70E740481C1C}">
+                <a14:useLocalDpi xmlns:a14="http://schemas.microsoft.com/office/drawing/2010/main" val="0"/>
+              </a:ext>
+            </a:extLst>
+          </a:blip>
+          <a:stretch>
+            <a:fillRect/>
+          </a:stretch>
+        </p:blipFill>
+        <p:spPr>
+          <a:xfrm>
+            <a:off x="5700821" y="5181600"/>
+            <a:ext cx="6451600" cy="3225800"/>
+          </a:xfrm>
+          <a:prstGeom prst="rect">
+            <a:avLst/>
+          </a:prstGeom>
+        </p:spPr>
+      </p:pic>
+    </p:spTree>
+    <p:extLst>
+      <p:ext uri="{BB962C8B-B14F-4D97-AF65-F5344CB8AC3E}">
+        <p14:creationId xmlns:p14="http://schemas.microsoft.com/office/powerpoint/2010/main" val="1534053776"/>
+      </p:ext>
+    </p:extLst>
+  </p:cSld>
+  <p:clrMapOvr>
+    <a:masterClrMapping/>
+  </p:clrMapOvr>
+  <p:transition spd="med"/>
+  <p:timing>
+    <p:tnLst>
+      <p:par>
+        <p:cTn id="1" dur="indefinite" restart="never" nodeType="tmRoot"/>
+      </p:par>
+    </p:tnLst>
+  </p:timing>
+</p:sld>
+</file>
+
+<file path=ppt/slides/slide9.xml><?xml version="1.0" encoding="utf-8"?>
+<p:sld xmlns:a="http://schemas.openxmlformats.org/drawingml/2006/main" xmlns:r="http://schemas.openxmlformats.org/officeDocument/2006/relationships" xmlns:p="http://schemas.openxmlformats.org/presentationml/2006/main">
   <p:cSld>
     <p:spTree>
       <p:nvGrpSpPr>
@@ -4863,7 +6903,9 @@
       <p:sp>
         <p:nvSpPr>
           <p:cNvPr id="159" name="conclusion—digital certificate VS digital signature"/>
-          <p:cNvSpPr txBox="1"/>
+          <p:cNvSpPr txBox="1">
+            <a:spLocks noGrp="1"/>
+          </p:cNvSpPr>
           <p:nvPr>
             <p:ph type="title"/>
           </p:nvPr>
@@ -4881,7 +6923,6 @@
             </a:lvl1pPr>
           </a:lstStyle>
           <a:p>
-            <a:pPr/>
             <a:r>
               <a:t>TPM</a:t>
             </a:r>
@@ -4891,7 +6932,9 @@
       <p:sp>
         <p:nvSpPr>
           <p:cNvPr id="160" name="How they recognise that is you?…"/>
-          <p:cNvSpPr txBox="1"/>
+          <p:cNvSpPr txBox="1">
+            <a:spLocks noGrp="1"/>
+          </p:cNvSpPr>
           <p:nvPr>
             <p:ph type="body" idx="4294967295"/>
           </p:nvPr>
@@ -4915,7 +6958,16 @@
               </a:buBlip>
             </a:pPr>
             <a:r>
-              <a:t>How they recognise that is you?</a:t>
+              <a:rPr dirty="0"/>
+              <a:t>How they </a:t>
+            </a:r>
+            <a:r>
+              <a:rPr dirty="0" err="1"/>
+              <a:t>recognise</a:t>
+            </a:r>
+            <a:r>
+              <a:rPr dirty="0"/>
+              <a:t> that is you?</a:t>
             </a:r>
           </a:p>
           <a:p>
@@ -4925,6 +6977,7 @@
               </a:buBlip>
             </a:pPr>
             <a:r>
+              <a:rPr dirty="0"/>
               <a:t>How to keep your certificate</a:t>
             </a:r>
           </a:p>
@@ -4935,6 +6988,7 @@
               </a:buBlip>
             </a:pPr>
             <a:r>
+              <a:rPr dirty="0"/>
               <a:t>Use of TPM</a:t>
             </a:r>
           </a:p>
@@ -4945,66 +6999,19 @@
   <p:clrMapOvr>
     <a:masterClrMapping/>
   </p:clrMapOvr>
-  <p:transition xmlns:p14="http://schemas.microsoft.com/office/powerpoint/2010/main" spd="med" advClick="1"/>
-</p:sld>
-</file>
-
-<file path=ppt/slides/slide9.xml><?xml version="1.0" encoding="utf-8"?>
-<p:sld xmlns:a="http://schemas.openxmlformats.org/drawingml/2006/main" xmlns:r="http://schemas.openxmlformats.org/officeDocument/2006/relationships" xmlns:p="http://schemas.openxmlformats.org/presentationml/2006/main" showMasterSp="1" showMasterPhAnim="1">
-  <p:cSld>
-    <p:spTree>
-      <p:nvGrpSpPr>
-        <p:cNvPr id="1" name=""/>
-        <p:cNvGrpSpPr/>
-        <p:nvPr/>
-      </p:nvGrpSpPr>
-      <p:grpSpPr>
-        <a:xfrm>
-          <a:off x="0" y="0"/>
-          <a:ext cx="0" cy="0"/>
-          <a:chOff x="0" y="0"/>
-          <a:chExt cx="0" cy="0"/>
-        </a:xfrm>
-      </p:grpSpPr>
-      <p:sp>
-        <p:nvSpPr>
-          <p:cNvPr id="162" name="How to create a digital certificate?"/>
-          <p:cNvSpPr txBox="1"/>
-          <p:nvPr>
-            <p:ph type="title"/>
-          </p:nvPr>
-        </p:nvSpPr>
-        <p:spPr>
-          <a:prstGeom prst="rect">
-            <a:avLst/>
-          </a:prstGeom>
-        </p:spPr>
-        <p:txBody>
-          <a:bodyPr/>
-          <a:lstStyle>
-            <a:lvl1pPr>
-              <a:defRPr spc="-200"/>
-            </a:lvl1pPr>
-          </a:lstStyle>
-          <a:p>
-            <a:pPr/>
-            <a:r>
-              <a:t>How to create a digital certificate?</a:t>
-            </a:r>
-          </a:p>
-        </p:txBody>
-      </p:sp>
-    </p:spTree>
-  </p:cSld>
-  <p:clrMapOvr>
-    <a:masterClrMapping/>
-  </p:clrMapOvr>
-  <p:transition xmlns:p14="http://schemas.microsoft.com/office/powerpoint/2010/main" spd="med" advClick="1"/>
+  <p:transition spd="med"/>
+  <p:timing>
+    <p:tnLst>
+      <p:par>
+        <p:cTn id="1" dur="indefinite" restart="never" nodeType="tmRoot"/>
+      </p:par>
+    </p:tnLst>
+  </p:timing>
 </p:sld>
 </file>
 
 <file path=ppt/theme/theme1.xml><?xml version="1.0" encoding="utf-8"?>
-<a:theme xmlns:a="http://schemas.openxmlformats.org/drawingml/2006/main" xmlns:r="http://schemas.openxmlformats.org/officeDocument/2006/relationships" name="New_Template6">
+<a:theme xmlns:a="http://schemas.openxmlformats.org/drawingml/2006/main" name="New_Template6">
   <a:themeElements>
     <a:clrScheme name="New_Template6">
       <a:dk1>
@@ -5206,7 +7213,7 @@
         <a:effectLst/>
         <a:sp3d/>
       </a:spPr>
-      <a:bodyPr rot="0" spcFirstLastPara="1" vertOverflow="overflow" horzOverflow="overflow" vert="horz" wrap="square" lIns="50800" tIns="50800" rIns="50800" bIns="50800" numCol="1" spcCol="38100" rtlCol="0" anchor="ctr" upright="0">
+      <a:bodyPr rot="0" spcFirstLastPara="1" vertOverflow="overflow" horzOverflow="overflow" vert="horz" wrap="square" lIns="50800" tIns="50800" rIns="50800" bIns="50800" numCol="1" spcCol="38100" rtlCol="0" anchor="ctr">
         <a:spAutoFit/>
       </a:bodyPr>
       <a:lstStyle>
@@ -5225,7 +7232,7 @@
           <a:buFontTx/>
           <a:buNone/>
           <a:tabLst/>
-          <a:defRPr b="0" baseline="0" cap="none" i="0" spc="0" strike="noStrike" sz="3800" u="none" kumimoji="0" normalizeH="0">
+          <a:defRPr kumimoji="0" sz="3800" b="0" i="0" u="none" strike="noStrike" cap="none" spc="0" normalizeH="0" baseline="0">
             <a:ln>
               <a:noFill/>
             </a:ln>
@@ -5255,7 +7262,7 @@
           <a:buFontTx/>
           <a:buNone/>
           <a:tabLst/>
-          <a:defRPr b="0" baseline="0" cap="none" i="0" spc="0" strike="noStrike" sz="1800" u="none" kumimoji="0" normalizeH="0">
+          <a:defRPr kumimoji="0" sz="1800" b="0" i="0" u="none" strike="noStrike" cap="none" spc="0" normalizeH="0" baseline="0">
             <a:ln>
               <a:noFill/>
             </a:ln>
@@ -5281,7 +7288,7 @@
           <a:buFontTx/>
           <a:buNone/>
           <a:tabLst/>
-          <a:defRPr b="0" baseline="0" cap="none" i="0" spc="0" strike="noStrike" sz="1800" u="none" kumimoji="0" normalizeH="0">
+          <a:defRPr kumimoji="0" sz="1800" b="0" i="0" u="none" strike="noStrike" cap="none" spc="0" normalizeH="0" baseline="0">
             <a:ln>
               <a:noFill/>
             </a:ln>
@@ -5307,7 +7314,7 @@
           <a:buFontTx/>
           <a:buNone/>
           <a:tabLst/>
-          <a:defRPr b="0" baseline="0" cap="none" i="0" spc="0" strike="noStrike" sz="1800" u="none" kumimoji="0" normalizeH="0">
+          <a:defRPr kumimoji="0" sz="1800" b="0" i="0" u="none" strike="noStrike" cap="none" spc="0" normalizeH="0" baseline="0">
             <a:ln>
               <a:noFill/>
             </a:ln>
@@ -5333,7 +7340,7 @@
           <a:buFontTx/>
           <a:buNone/>
           <a:tabLst/>
-          <a:defRPr b="0" baseline="0" cap="none" i="0" spc="0" strike="noStrike" sz="1800" u="none" kumimoji="0" normalizeH="0">
+          <a:defRPr kumimoji="0" sz="1800" b="0" i="0" u="none" strike="noStrike" cap="none" spc="0" normalizeH="0" baseline="0">
             <a:ln>
               <a:noFill/>
             </a:ln>
@@ -5359,7 +7366,7 @@
           <a:buFontTx/>
           <a:buNone/>
           <a:tabLst/>
-          <a:defRPr b="0" baseline="0" cap="none" i="0" spc="0" strike="noStrike" sz="1800" u="none" kumimoji="0" normalizeH="0">
+          <a:defRPr kumimoji="0" sz="1800" b="0" i="0" u="none" strike="noStrike" cap="none" spc="0" normalizeH="0" baseline="0">
             <a:ln>
               <a:noFill/>
             </a:ln>
@@ -5385,7 +7392,7 @@
           <a:buFontTx/>
           <a:buNone/>
           <a:tabLst/>
-          <a:defRPr b="0" baseline="0" cap="none" i="0" spc="0" strike="noStrike" sz="1800" u="none" kumimoji="0" normalizeH="0">
+          <a:defRPr kumimoji="0" sz="1800" b="0" i="0" u="none" strike="noStrike" cap="none" spc="0" normalizeH="0" baseline="0">
             <a:ln>
               <a:noFill/>
             </a:ln>
@@ -5411,7 +7418,7 @@
           <a:buFontTx/>
           <a:buNone/>
           <a:tabLst/>
-          <a:defRPr b="0" baseline="0" cap="none" i="0" spc="0" strike="noStrike" sz="1800" u="none" kumimoji="0" normalizeH="0">
+          <a:defRPr kumimoji="0" sz="1800" b="0" i="0" u="none" strike="noStrike" cap="none" spc="0" normalizeH="0" baseline="0">
             <a:ln>
               <a:noFill/>
             </a:ln>
@@ -5437,7 +7444,7 @@
           <a:buFontTx/>
           <a:buNone/>
           <a:tabLst/>
-          <a:defRPr b="0" baseline="0" cap="none" i="0" spc="0" strike="noStrike" sz="1800" u="none" kumimoji="0" normalizeH="0">
+          <a:defRPr kumimoji="0" sz="1800" b="0" i="0" u="none" strike="noStrike" cap="none" spc="0" normalizeH="0" baseline="0">
             <a:ln>
               <a:noFill/>
             </a:ln>
@@ -5463,7 +7470,7 @@
           <a:buFontTx/>
           <a:buNone/>
           <a:tabLst/>
-          <a:defRPr b="0" baseline="0" cap="none" i="0" spc="0" strike="noStrike" sz="1800" u="none" kumimoji="0" normalizeH="0">
+          <a:defRPr kumimoji="0" sz="1800" b="0" i="0" u="none" strike="noStrike" cap="none" spc="0" normalizeH="0" baseline="0">
             <a:ln>
               <a:noFill/>
             </a:ln>
@@ -5476,9 +7483,15 @@
         </a:lvl9pPr>
       </a:lstStyle>
       <a:style>
-        <a:lnRef idx="0"/>
-        <a:fillRef idx="0"/>
-        <a:effectRef idx="0"/>
+        <a:lnRef idx="0">
+          <a:scrgbClr r="0" g="0" b="0"/>
+        </a:lnRef>
+        <a:fillRef idx="0">
+          <a:scrgbClr r="0" g="0" b="0"/>
+        </a:fillRef>
+        <a:effectRef idx="0">
+          <a:scrgbClr r="0" g="0" b="0"/>
+        </a:effectRef>
         <a:fontRef idx="none"/>
       </a:style>
     </a:spDef>
@@ -5495,7 +7508,7 @@
         <a:effectLst/>
         <a:sp3d/>
       </a:spPr>
-      <a:bodyPr rot="0" spcFirstLastPara="1" vertOverflow="overflow" horzOverflow="overflow" vert="horz" wrap="square" lIns="91439" tIns="45719" rIns="91439" bIns="45719" numCol="1" spcCol="38100" rtlCol="0" anchor="t" upright="0">
+      <a:bodyPr rot="0" spcFirstLastPara="1" vertOverflow="overflow" horzOverflow="overflow" vert="horz" wrap="square" lIns="91439" tIns="45719" rIns="91439" bIns="45719" numCol="1" spcCol="38100" rtlCol="0" anchor="t">
         <a:noAutofit/>
       </a:bodyPr>
       <a:lstStyle>
@@ -5514,7 +7527,7 @@
           <a:buFontTx/>
           <a:buNone/>
           <a:tabLst/>
-          <a:defRPr b="0" baseline="0" cap="none" i="0" spc="0" strike="noStrike" sz="1800" u="none" kumimoji="0" normalizeH="0">
+          <a:defRPr kumimoji="0" sz="1800" b="0" i="0" u="none" strike="noStrike" cap="none" spc="0" normalizeH="0" baseline="0">
             <a:ln>
               <a:noFill/>
             </a:ln>
@@ -5540,7 +7553,7 @@
           <a:buFontTx/>
           <a:buNone/>
           <a:tabLst/>
-          <a:defRPr b="0" baseline="0" cap="none" i="0" spc="0" strike="noStrike" sz="1800" u="none" kumimoji="0" normalizeH="0">
+          <a:defRPr kumimoji="0" sz="1800" b="0" i="0" u="none" strike="noStrike" cap="none" spc="0" normalizeH="0" baseline="0">
             <a:ln>
               <a:noFill/>
             </a:ln>
@@ -5566,7 +7579,7 @@
           <a:buFontTx/>
           <a:buNone/>
           <a:tabLst/>
-          <a:defRPr b="0" baseline="0" cap="none" i="0" spc="0" strike="noStrike" sz="1800" u="none" kumimoji="0" normalizeH="0">
+          <a:defRPr kumimoji="0" sz="1800" b="0" i="0" u="none" strike="noStrike" cap="none" spc="0" normalizeH="0" baseline="0">
             <a:ln>
               <a:noFill/>
             </a:ln>
@@ -5592,7 +7605,7 @@
           <a:buFontTx/>
           <a:buNone/>
           <a:tabLst/>
-          <a:defRPr b="0" baseline="0" cap="none" i="0" spc="0" strike="noStrike" sz="1800" u="none" kumimoji="0" normalizeH="0">
+          <a:defRPr kumimoji="0" sz="1800" b="0" i="0" u="none" strike="noStrike" cap="none" spc="0" normalizeH="0" baseline="0">
             <a:ln>
               <a:noFill/>
             </a:ln>
@@ -5618,7 +7631,7 @@
           <a:buFontTx/>
           <a:buNone/>
           <a:tabLst/>
-          <a:defRPr b="0" baseline="0" cap="none" i="0" spc="0" strike="noStrike" sz="1800" u="none" kumimoji="0" normalizeH="0">
+          <a:defRPr kumimoji="0" sz="1800" b="0" i="0" u="none" strike="noStrike" cap="none" spc="0" normalizeH="0" baseline="0">
             <a:ln>
               <a:noFill/>
             </a:ln>
@@ -5644,7 +7657,7 @@
           <a:buFontTx/>
           <a:buNone/>
           <a:tabLst/>
-          <a:defRPr b="0" baseline="0" cap="none" i="0" spc="0" strike="noStrike" sz="1800" u="none" kumimoji="0" normalizeH="0">
+          <a:defRPr kumimoji="0" sz="1800" b="0" i="0" u="none" strike="noStrike" cap="none" spc="0" normalizeH="0" baseline="0">
             <a:ln>
               <a:noFill/>
             </a:ln>
@@ -5670,7 +7683,7 @@
           <a:buFontTx/>
           <a:buNone/>
           <a:tabLst/>
-          <a:defRPr b="0" baseline="0" cap="none" i="0" spc="0" strike="noStrike" sz="1800" u="none" kumimoji="0" normalizeH="0">
+          <a:defRPr kumimoji="0" sz="1800" b="0" i="0" u="none" strike="noStrike" cap="none" spc="0" normalizeH="0" baseline="0">
             <a:ln>
               <a:noFill/>
             </a:ln>
@@ -5696,7 +7709,7 @@
           <a:buFontTx/>
           <a:buNone/>
           <a:tabLst/>
-          <a:defRPr b="0" baseline="0" cap="none" i="0" spc="0" strike="noStrike" sz="1800" u="none" kumimoji="0" normalizeH="0">
+          <a:defRPr kumimoji="0" sz="1800" b="0" i="0" u="none" strike="noStrike" cap="none" spc="0" normalizeH="0" baseline="0">
             <a:ln>
               <a:noFill/>
             </a:ln>
@@ -5722,7 +7735,7 @@
           <a:buFontTx/>
           <a:buNone/>
           <a:tabLst/>
-          <a:defRPr b="0" baseline="0" cap="none" i="0" spc="0" strike="noStrike" sz="1800" u="none" kumimoji="0" normalizeH="0">
+          <a:defRPr kumimoji="0" sz="1800" b="0" i="0" u="none" strike="noStrike" cap="none" spc="0" normalizeH="0" baseline="0">
             <a:ln>
               <a:noFill/>
             </a:ln>
@@ -5748,7 +7761,7 @@
           <a:buFontTx/>
           <a:buNone/>
           <a:tabLst/>
-          <a:defRPr b="0" baseline="0" cap="none" i="0" spc="0" strike="noStrike" sz="1800" u="none" kumimoji="0" normalizeH="0">
+          <a:defRPr kumimoji="0" sz="1800" b="0" i="0" u="none" strike="noStrike" cap="none" spc="0" normalizeH="0" baseline="0">
             <a:ln>
               <a:noFill/>
             </a:ln>
@@ -5761,9 +7774,15 @@
         </a:lvl9pPr>
       </a:lstStyle>
       <a:style>
-        <a:lnRef idx="0"/>
-        <a:fillRef idx="0"/>
-        <a:effectRef idx="0"/>
+        <a:lnRef idx="0">
+          <a:scrgbClr r="0" g="0" b="0"/>
+        </a:lnRef>
+        <a:fillRef idx="0">
+          <a:scrgbClr r="0" g="0" b="0"/>
+        </a:fillRef>
+        <a:effectRef idx="0">
+          <a:scrgbClr r="0" g="0" b="0"/>
+        </a:effectRef>
         <a:fontRef idx="none"/>
       </a:style>
     </a:lnDef>
@@ -5777,7 +7796,7 @@
         <a:effectLst/>
         <a:sp3d/>
       </a:spPr>
-      <a:bodyPr rot="0" spcFirstLastPara="1" vertOverflow="overflow" horzOverflow="overflow" vert="horz" wrap="square" lIns="50800" tIns="50800" rIns="50800" bIns="50800" numCol="1" spcCol="38100" rtlCol="0" anchor="ctr" upright="0">
+      <a:bodyPr rot="0" spcFirstLastPara="1" vertOverflow="overflow" horzOverflow="overflow" vert="horz" wrap="square" lIns="50800" tIns="50800" rIns="50800" bIns="50800" numCol="1" spcCol="38100" rtlCol="0" anchor="ctr">
         <a:spAutoFit/>
       </a:bodyPr>
       <a:lstStyle>
@@ -5796,7 +7815,7 @@
           <a:buFontTx/>
           <a:buNone/>
           <a:tabLst/>
-          <a:defRPr b="0" baseline="0" cap="none" i="0" spc="0" strike="noStrike" sz="3800" u="none" kumimoji="0" normalizeH="0">
+          <a:defRPr kumimoji="0" sz="3800" b="0" i="0" u="none" strike="noStrike" cap="none" spc="0" normalizeH="0" baseline="0">
             <a:ln>
               <a:noFill/>
             </a:ln>
@@ -5826,7 +7845,7 @@
           <a:buFontTx/>
           <a:buNone/>
           <a:tabLst/>
-          <a:defRPr b="0" baseline="0" cap="none" i="0" spc="0" strike="noStrike" sz="1800" u="none" kumimoji="0" normalizeH="0">
+          <a:defRPr kumimoji="0" sz="1800" b="0" i="0" u="none" strike="noStrike" cap="none" spc="0" normalizeH="0" baseline="0">
             <a:ln>
               <a:noFill/>
             </a:ln>
@@ -5852,7 +7871,7 @@
           <a:buFontTx/>
           <a:buNone/>
           <a:tabLst/>
-          <a:defRPr b="0" baseline="0" cap="none" i="0" spc="0" strike="noStrike" sz="1800" u="none" kumimoji="0" normalizeH="0">
+          <a:defRPr kumimoji="0" sz="1800" b="0" i="0" u="none" strike="noStrike" cap="none" spc="0" normalizeH="0" baseline="0">
             <a:ln>
               <a:noFill/>
             </a:ln>
@@ -5878,7 +7897,7 @@
           <a:buFontTx/>
           <a:buNone/>
           <a:tabLst/>
-          <a:defRPr b="0" baseline="0" cap="none" i="0" spc="0" strike="noStrike" sz="1800" u="none" kumimoji="0" normalizeH="0">
+          <a:defRPr kumimoji="0" sz="1800" b="0" i="0" u="none" strike="noStrike" cap="none" spc="0" normalizeH="0" baseline="0">
             <a:ln>
               <a:noFill/>
             </a:ln>
@@ -5904,7 +7923,7 @@
           <a:buFontTx/>
           <a:buNone/>
           <a:tabLst/>
-          <a:defRPr b="0" baseline="0" cap="none" i="0" spc="0" strike="noStrike" sz="1800" u="none" kumimoji="0" normalizeH="0">
+          <a:defRPr kumimoji="0" sz="1800" b="0" i="0" u="none" strike="noStrike" cap="none" spc="0" normalizeH="0" baseline="0">
             <a:ln>
               <a:noFill/>
             </a:ln>
@@ -5930,7 +7949,7 @@
           <a:buFontTx/>
           <a:buNone/>
           <a:tabLst/>
-          <a:defRPr b="0" baseline="0" cap="none" i="0" spc="0" strike="noStrike" sz="1800" u="none" kumimoji="0" normalizeH="0">
+          <a:defRPr kumimoji="0" sz="1800" b="0" i="0" u="none" strike="noStrike" cap="none" spc="0" normalizeH="0" baseline="0">
             <a:ln>
               <a:noFill/>
             </a:ln>
@@ -5956,7 +7975,7 @@
           <a:buFontTx/>
           <a:buNone/>
           <a:tabLst/>
-          <a:defRPr b="0" baseline="0" cap="none" i="0" spc="0" strike="noStrike" sz="1800" u="none" kumimoji="0" normalizeH="0">
+          <a:defRPr kumimoji="0" sz="1800" b="0" i="0" u="none" strike="noStrike" cap="none" spc="0" normalizeH="0" baseline="0">
             <a:ln>
               <a:noFill/>
             </a:ln>
@@ -5982,7 +8001,7 @@
           <a:buFontTx/>
           <a:buNone/>
           <a:tabLst/>
-          <a:defRPr b="0" baseline="0" cap="none" i="0" spc="0" strike="noStrike" sz="1800" u="none" kumimoji="0" normalizeH="0">
+          <a:defRPr kumimoji="0" sz="1800" b="0" i="0" u="none" strike="noStrike" cap="none" spc="0" normalizeH="0" baseline="0">
             <a:ln>
               <a:noFill/>
             </a:ln>
@@ -6008,7 +8027,7 @@
           <a:buFontTx/>
           <a:buNone/>
           <a:tabLst/>
-          <a:defRPr b="0" baseline="0" cap="none" i="0" spc="0" strike="noStrike" sz="1800" u="none" kumimoji="0" normalizeH="0">
+          <a:defRPr kumimoji="0" sz="1800" b="0" i="0" u="none" strike="noStrike" cap="none" spc="0" normalizeH="0" baseline="0">
             <a:ln>
               <a:noFill/>
             </a:ln>
@@ -6034,7 +8053,7 @@
           <a:buFontTx/>
           <a:buNone/>
           <a:tabLst/>
-          <a:defRPr b="0" baseline="0" cap="none" i="0" spc="0" strike="noStrike" sz="1800" u="none" kumimoji="0" normalizeH="0">
+          <a:defRPr kumimoji="0" sz="1800" b="0" i="0" u="none" strike="noStrike" cap="none" spc="0" normalizeH="0" baseline="0">
             <a:ln>
               <a:noFill/>
             </a:ln>
@@ -6047,18 +8066,25 @@
         </a:lvl9pPr>
       </a:lstStyle>
       <a:style>
-        <a:lnRef idx="0"/>
-        <a:fillRef idx="0"/>
-        <a:effectRef idx="0"/>
+        <a:lnRef idx="0">
+          <a:scrgbClr r="0" g="0" b="0"/>
+        </a:lnRef>
+        <a:fillRef idx="0">
+          <a:scrgbClr r="0" g="0" b="0"/>
+        </a:fillRef>
+        <a:effectRef idx="0">
+          <a:scrgbClr r="0" g="0" b="0"/>
+        </a:effectRef>
         <a:fontRef idx="none"/>
       </a:style>
     </a:txDef>
   </a:objectDefaults>
+  <a:extraClrSchemeLst/>
 </a:theme>
 </file>
 
 <file path=ppt/theme/theme2.xml><?xml version="1.0" encoding="utf-8"?>
-<a:theme xmlns:a="http://schemas.openxmlformats.org/drawingml/2006/main" xmlns:r="http://schemas.openxmlformats.org/officeDocument/2006/relationships" name="New_Template6">
+<a:theme xmlns:a="http://schemas.openxmlformats.org/drawingml/2006/main" name="New_Template6">
   <a:themeElements>
     <a:clrScheme name="New_Template6">
       <a:dk1>
@@ -6260,7 +8286,7 @@
         <a:effectLst/>
         <a:sp3d/>
       </a:spPr>
-      <a:bodyPr rot="0" spcFirstLastPara="1" vertOverflow="overflow" horzOverflow="overflow" vert="horz" wrap="square" lIns="50800" tIns="50800" rIns="50800" bIns="50800" numCol="1" spcCol="38100" rtlCol="0" anchor="ctr" upright="0">
+      <a:bodyPr rot="0" spcFirstLastPara="1" vertOverflow="overflow" horzOverflow="overflow" vert="horz" wrap="square" lIns="50800" tIns="50800" rIns="50800" bIns="50800" numCol="1" spcCol="38100" rtlCol="0" anchor="ctr">
         <a:spAutoFit/>
       </a:bodyPr>
       <a:lstStyle>
@@ -6279,7 +8305,7 @@
           <a:buFontTx/>
           <a:buNone/>
           <a:tabLst/>
-          <a:defRPr b="0" baseline="0" cap="none" i="0" spc="0" strike="noStrike" sz="3800" u="none" kumimoji="0" normalizeH="0">
+          <a:defRPr kumimoji="0" sz="3800" b="0" i="0" u="none" strike="noStrike" cap="none" spc="0" normalizeH="0" baseline="0">
             <a:ln>
               <a:noFill/>
             </a:ln>
@@ -6309,7 +8335,7 @@
           <a:buFontTx/>
           <a:buNone/>
           <a:tabLst/>
-          <a:defRPr b="0" baseline="0" cap="none" i="0" spc="0" strike="noStrike" sz="1800" u="none" kumimoji="0" normalizeH="0">
+          <a:defRPr kumimoji="0" sz="1800" b="0" i="0" u="none" strike="noStrike" cap="none" spc="0" normalizeH="0" baseline="0">
             <a:ln>
               <a:noFill/>
             </a:ln>
@@ -6335,7 +8361,7 @@
           <a:buFontTx/>
           <a:buNone/>
           <a:tabLst/>
-          <a:defRPr b="0" baseline="0" cap="none" i="0" spc="0" strike="noStrike" sz="1800" u="none" kumimoji="0" normalizeH="0">
+          <a:defRPr kumimoji="0" sz="1800" b="0" i="0" u="none" strike="noStrike" cap="none" spc="0" normalizeH="0" baseline="0">
             <a:ln>
               <a:noFill/>
             </a:ln>
@@ -6361,7 +8387,7 @@
           <a:buFontTx/>
           <a:buNone/>
           <a:tabLst/>
-          <a:defRPr b="0" baseline="0" cap="none" i="0" spc="0" strike="noStrike" sz="1800" u="none" kumimoji="0" normalizeH="0">
+          <a:defRPr kumimoji="0" sz="1800" b="0" i="0" u="none" strike="noStrike" cap="none" spc="0" normalizeH="0" baseline="0">
             <a:ln>
               <a:noFill/>
             </a:ln>
@@ -6387,7 +8413,7 @@
           <a:buFontTx/>
           <a:buNone/>
           <a:tabLst/>
-          <a:defRPr b="0" baseline="0" cap="none" i="0" spc="0" strike="noStrike" sz="1800" u="none" kumimoji="0" normalizeH="0">
+          <a:defRPr kumimoji="0" sz="1800" b="0" i="0" u="none" strike="noStrike" cap="none" spc="0" normalizeH="0" baseline="0">
             <a:ln>
               <a:noFill/>
             </a:ln>
@@ -6413,7 +8439,7 @@
           <a:buFontTx/>
           <a:buNone/>
           <a:tabLst/>
-          <a:defRPr b="0" baseline="0" cap="none" i="0" spc="0" strike="noStrike" sz="1800" u="none" kumimoji="0" normalizeH="0">
+          <a:defRPr kumimoji="0" sz="1800" b="0" i="0" u="none" strike="noStrike" cap="none" spc="0" normalizeH="0" baseline="0">
             <a:ln>
               <a:noFill/>
             </a:ln>
@@ -6439,7 +8465,7 @@
           <a:buFontTx/>
           <a:buNone/>
           <a:tabLst/>
-          <a:defRPr b="0" baseline="0" cap="none" i="0" spc="0" strike="noStrike" sz="1800" u="none" kumimoji="0" normalizeH="0">
+          <a:defRPr kumimoji="0" sz="1800" b="0" i="0" u="none" strike="noStrike" cap="none" spc="0" normalizeH="0" baseline="0">
             <a:ln>
               <a:noFill/>
             </a:ln>
@@ -6465,7 +8491,7 @@
           <a:buFontTx/>
           <a:buNone/>
           <a:tabLst/>
-          <a:defRPr b="0" baseline="0" cap="none" i="0" spc="0" strike="noStrike" sz="1800" u="none" kumimoji="0" normalizeH="0">
+          <a:defRPr kumimoji="0" sz="1800" b="0" i="0" u="none" strike="noStrike" cap="none" spc="0" normalizeH="0" baseline="0">
             <a:ln>
               <a:noFill/>
             </a:ln>
@@ -6491,7 +8517,7 @@
           <a:buFontTx/>
           <a:buNone/>
           <a:tabLst/>
-          <a:defRPr b="0" baseline="0" cap="none" i="0" spc="0" strike="noStrike" sz="1800" u="none" kumimoji="0" normalizeH="0">
+          <a:defRPr kumimoji="0" sz="1800" b="0" i="0" u="none" strike="noStrike" cap="none" spc="0" normalizeH="0" baseline="0">
             <a:ln>
               <a:noFill/>
             </a:ln>
@@ -6517,7 +8543,7 @@
           <a:buFontTx/>
           <a:buNone/>
           <a:tabLst/>
-          <a:defRPr b="0" baseline="0" cap="none" i="0" spc="0" strike="noStrike" sz="1800" u="none" kumimoji="0" normalizeH="0">
+          <a:defRPr kumimoji="0" sz="1800" b="0" i="0" u="none" strike="noStrike" cap="none" spc="0" normalizeH="0" baseline="0">
             <a:ln>
               <a:noFill/>
             </a:ln>
@@ -6530,9 +8556,15 @@
         </a:lvl9pPr>
       </a:lstStyle>
       <a:style>
-        <a:lnRef idx="0"/>
-        <a:fillRef idx="0"/>
-        <a:effectRef idx="0"/>
+        <a:lnRef idx="0">
+          <a:scrgbClr r="0" g="0" b="0"/>
+        </a:lnRef>
+        <a:fillRef idx="0">
+          <a:scrgbClr r="0" g="0" b="0"/>
+        </a:fillRef>
+        <a:effectRef idx="0">
+          <a:scrgbClr r="0" g="0" b="0"/>
+        </a:effectRef>
         <a:fontRef idx="none"/>
       </a:style>
     </a:spDef>
@@ -6549,7 +8581,7 @@
         <a:effectLst/>
         <a:sp3d/>
       </a:spPr>
-      <a:bodyPr rot="0" spcFirstLastPara="1" vertOverflow="overflow" horzOverflow="overflow" vert="horz" wrap="square" lIns="91439" tIns="45719" rIns="91439" bIns="45719" numCol="1" spcCol="38100" rtlCol="0" anchor="t" upright="0">
+      <a:bodyPr rot="0" spcFirstLastPara="1" vertOverflow="overflow" horzOverflow="overflow" vert="horz" wrap="square" lIns="91439" tIns="45719" rIns="91439" bIns="45719" numCol="1" spcCol="38100" rtlCol="0" anchor="t">
         <a:noAutofit/>
       </a:bodyPr>
       <a:lstStyle>
@@ -6568,7 +8600,7 @@
           <a:buFontTx/>
           <a:buNone/>
           <a:tabLst/>
-          <a:defRPr b="0" baseline="0" cap="none" i="0" spc="0" strike="noStrike" sz="1800" u="none" kumimoji="0" normalizeH="0">
+          <a:defRPr kumimoji="0" sz="1800" b="0" i="0" u="none" strike="noStrike" cap="none" spc="0" normalizeH="0" baseline="0">
             <a:ln>
               <a:noFill/>
             </a:ln>
@@ -6594,7 +8626,7 @@
           <a:buFontTx/>
           <a:buNone/>
           <a:tabLst/>
-          <a:defRPr b="0" baseline="0" cap="none" i="0" spc="0" strike="noStrike" sz="1800" u="none" kumimoji="0" normalizeH="0">
+          <a:defRPr kumimoji="0" sz="1800" b="0" i="0" u="none" strike="noStrike" cap="none" spc="0" normalizeH="0" baseline="0">
             <a:ln>
               <a:noFill/>
             </a:ln>
@@ -6620,7 +8652,7 @@
           <a:buFontTx/>
           <a:buNone/>
           <a:tabLst/>
-          <a:defRPr b="0" baseline="0" cap="none" i="0" spc="0" strike="noStrike" sz="1800" u="none" kumimoji="0" normalizeH="0">
+          <a:defRPr kumimoji="0" sz="1800" b="0" i="0" u="none" strike="noStrike" cap="none" spc="0" normalizeH="0" baseline="0">
             <a:ln>
               <a:noFill/>
             </a:ln>
@@ -6646,7 +8678,7 @@
           <a:buFontTx/>
           <a:buNone/>
           <a:tabLst/>
-          <a:defRPr b="0" baseline="0" cap="none" i="0" spc="0" strike="noStrike" sz="1800" u="none" kumimoji="0" normalizeH="0">
+          <a:defRPr kumimoji="0" sz="1800" b="0" i="0" u="none" strike="noStrike" cap="none" spc="0" normalizeH="0" baseline="0">
             <a:ln>
               <a:noFill/>
             </a:ln>
@@ -6672,7 +8704,7 @@
           <a:buFontTx/>
           <a:buNone/>
           <a:tabLst/>
-          <a:defRPr b="0" baseline="0" cap="none" i="0" spc="0" strike="noStrike" sz="1800" u="none" kumimoji="0" normalizeH="0">
+          <a:defRPr kumimoji="0" sz="1800" b="0" i="0" u="none" strike="noStrike" cap="none" spc="0" normalizeH="0" baseline="0">
             <a:ln>
               <a:noFill/>
             </a:ln>
@@ -6698,7 +8730,7 @@
           <a:buFontTx/>
           <a:buNone/>
           <a:tabLst/>
-          <a:defRPr b="0" baseline="0" cap="none" i="0" spc="0" strike="noStrike" sz="1800" u="none" kumimoji="0" normalizeH="0">
+          <a:defRPr kumimoji="0" sz="1800" b="0" i="0" u="none" strike="noStrike" cap="none" spc="0" normalizeH="0" baseline="0">
             <a:ln>
               <a:noFill/>
             </a:ln>
@@ -6724,7 +8756,7 @@
           <a:buFontTx/>
           <a:buNone/>
           <a:tabLst/>
-          <a:defRPr b="0" baseline="0" cap="none" i="0" spc="0" strike="noStrike" sz="1800" u="none" kumimoji="0" normalizeH="0">
+          <a:defRPr kumimoji="0" sz="1800" b="0" i="0" u="none" strike="noStrike" cap="none" spc="0" normalizeH="0" baseline="0">
             <a:ln>
               <a:noFill/>
             </a:ln>
@@ -6750,7 +8782,7 @@
           <a:buFontTx/>
           <a:buNone/>
           <a:tabLst/>
-          <a:defRPr b="0" baseline="0" cap="none" i="0" spc="0" strike="noStrike" sz="1800" u="none" kumimoji="0" normalizeH="0">
+          <a:defRPr kumimoji="0" sz="1800" b="0" i="0" u="none" strike="noStrike" cap="none" spc="0" normalizeH="0" baseline="0">
             <a:ln>
               <a:noFill/>
             </a:ln>
@@ -6776,7 +8808,7 @@
           <a:buFontTx/>
           <a:buNone/>
           <a:tabLst/>
-          <a:defRPr b="0" baseline="0" cap="none" i="0" spc="0" strike="noStrike" sz="1800" u="none" kumimoji="0" normalizeH="0">
+          <a:defRPr kumimoji="0" sz="1800" b="0" i="0" u="none" strike="noStrike" cap="none" spc="0" normalizeH="0" baseline="0">
             <a:ln>
               <a:noFill/>
             </a:ln>
@@ -6802,7 +8834,7 @@
           <a:buFontTx/>
           <a:buNone/>
           <a:tabLst/>
-          <a:defRPr b="0" baseline="0" cap="none" i="0" spc="0" strike="noStrike" sz="1800" u="none" kumimoji="0" normalizeH="0">
+          <a:defRPr kumimoji="0" sz="1800" b="0" i="0" u="none" strike="noStrike" cap="none" spc="0" normalizeH="0" baseline="0">
             <a:ln>
               <a:noFill/>
             </a:ln>
@@ -6815,9 +8847,15 @@
         </a:lvl9pPr>
       </a:lstStyle>
       <a:style>
-        <a:lnRef idx="0"/>
-        <a:fillRef idx="0"/>
-        <a:effectRef idx="0"/>
+        <a:lnRef idx="0">
+          <a:scrgbClr r="0" g="0" b="0"/>
+        </a:lnRef>
+        <a:fillRef idx="0">
+          <a:scrgbClr r="0" g="0" b="0"/>
+        </a:fillRef>
+        <a:effectRef idx="0">
+          <a:scrgbClr r="0" g="0" b="0"/>
+        </a:effectRef>
         <a:fontRef idx="none"/>
       </a:style>
     </a:lnDef>
@@ -6831,7 +8869,7 @@
         <a:effectLst/>
         <a:sp3d/>
       </a:spPr>
-      <a:bodyPr rot="0" spcFirstLastPara="1" vertOverflow="overflow" horzOverflow="overflow" vert="horz" wrap="square" lIns="50800" tIns="50800" rIns="50800" bIns="50800" numCol="1" spcCol="38100" rtlCol="0" anchor="ctr" upright="0">
+      <a:bodyPr rot="0" spcFirstLastPara="1" vertOverflow="overflow" horzOverflow="overflow" vert="horz" wrap="square" lIns="50800" tIns="50800" rIns="50800" bIns="50800" numCol="1" spcCol="38100" rtlCol="0" anchor="ctr">
         <a:spAutoFit/>
       </a:bodyPr>
       <a:lstStyle>
@@ -6850,7 +8888,7 @@
           <a:buFontTx/>
           <a:buNone/>
           <a:tabLst/>
-          <a:defRPr b="0" baseline="0" cap="none" i="0" spc="0" strike="noStrike" sz="3800" u="none" kumimoji="0" normalizeH="0">
+          <a:defRPr kumimoji="0" sz="3800" b="0" i="0" u="none" strike="noStrike" cap="none" spc="0" normalizeH="0" baseline="0">
             <a:ln>
               <a:noFill/>
             </a:ln>
@@ -6880,7 +8918,7 @@
           <a:buFontTx/>
           <a:buNone/>
           <a:tabLst/>
-          <a:defRPr b="0" baseline="0" cap="none" i="0" spc="0" strike="noStrike" sz="1800" u="none" kumimoji="0" normalizeH="0">
+          <a:defRPr kumimoji="0" sz="1800" b="0" i="0" u="none" strike="noStrike" cap="none" spc="0" normalizeH="0" baseline="0">
             <a:ln>
               <a:noFill/>
             </a:ln>
@@ -6906,7 +8944,7 @@
           <a:buFontTx/>
           <a:buNone/>
           <a:tabLst/>
-          <a:defRPr b="0" baseline="0" cap="none" i="0" spc="0" strike="noStrike" sz="1800" u="none" kumimoji="0" normalizeH="0">
+          <a:defRPr kumimoji="0" sz="1800" b="0" i="0" u="none" strike="noStrike" cap="none" spc="0" normalizeH="0" baseline="0">
             <a:ln>
               <a:noFill/>
             </a:ln>
@@ -6932,7 +8970,7 @@
           <a:buFontTx/>
           <a:buNone/>
           <a:tabLst/>
-          <a:defRPr b="0" baseline="0" cap="none" i="0" spc="0" strike="noStrike" sz="1800" u="none" kumimoji="0" normalizeH="0">
+          <a:defRPr kumimoji="0" sz="1800" b="0" i="0" u="none" strike="noStrike" cap="none" spc="0" normalizeH="0" baseline="0">
             <a:ln>
               <a:noFill/>
             </a:ln>
@@ -6958,7 +8996,7 @@
           <a:buFontTx/>
           <a:buNone/>
           <a:tabLst/>
-          <a:defRPr b="0" baseline="0" cap="none" i="0" spc="0" strike="noStrike" sz="1800" u="none" kumimoji="0" normalizeH="0">
+          <a:defRPr kumimoji="0" sz="1800" b="0" i="0" u="none" strike="noStrike" cap="none" spc="0" normalizeH="0" baseline="0">
             <a:ln>
               <a:noFill/>
             </a:ln>
@@ -6984,7 +9022,7 @@
           <a:buFontTx/>
           <a:buNone/>
           <a:tabLst/>
-          <a:defRPr b="0" baseline="0" cap="none" i="0" spc="0" strike="noStrike" sz="1800" u="none" kumimoji="0" normalizeH="0">
+          <a:defRPr kumimoji="0" sz="1800" b="0" i="0" u="none" strike="noStrike" cap="none" spc="0" normalizeH="0" baseline="0">
             <a:ln>
               <a:noFill/>
             </a:ln>
@@ -7010,7 +9048,7 @@
           <a:buFontTx/>
           <a:buNone/>
           <a:tabLst/>
-          <a:defRPr b="0" baseline="0" cap="none" i="0" spc="0" strike="noStrike" sz="1800" u="none" kumimoji="0" normalizeH="0">
+          <a:defRPr kumimoji="0" sz="1800" b="0" i="0" u="none" strike="noStrike" cap="none" spc="0" normalizeH="0" baseline="0">
             <a:ln>
               <a:noFill/>
             </a:ln>
@@ -7036,7 +9074,7 @@
           <a:buFontTx/>
           <a:buNone/>
           <a:tabLst/>
-          <a:defRPr b="0" baseline="0" cap="none" i="0" spc="0" strike="noStrike" sz="1800" u="none" kumimoji="0" normalizeH="0">
+          <a:defRPr kumimoji="0" sz="1800" b="0" i="0" u="none" strike="noStrike" cap="none" spc="0" normalizeH="0" baseline="0">
             <a:ln>
               <a:noFill/>
             </a:ln>
@@ -7062,7 +9100,7 @@
           <a:buFontTx/>
           <a:buNone/>
           <a:tabLst/>
-          <a:defRPr b="0" baseline="0" cap="none" i="0" spc="0" strike="noStrike" sz="1800" u="none" kumimoji="0" normalizeH="0">
+          <a:defRPr kumimoji="0" sz="1800" b="0" i="0" u="none" strike="noStrike" cap="none" spc="0" normalizeH="0" baseline="0">
             <a:ln>
               <a:noFill/>
             </a:ln>
@@ -7088,7 +9126,7 @@
           <a:buFontTx/>
           <a:buNone/>
           <a:tabLst/>
-          <a:defRPr b="0" baseline="0" cap="none" i="0" spc="0" strike="noStrike" sz="1800" u="none" kumimoji="0" normalizeH="0">
+          <a:defRPr kumimoji="0" sz="1800" b="0" i="0" u="none" strike="noStrike" cap="none" spc="0" normalizeH="0" baseline="0">
             <a:ln>
               <a:noFill/>
             </a:ln>
@@ -7101,12 +9139,19 @@
         </a:lvl9pPr>
       </a:lstStyle>
       <a:style>
-        <a:lnRef idx="0"/>
-        <a:fillRef idx="0"/>
-        <a:effectRef idx="0"/>
+        <a:lnRef idx="0">
+          <a:scrgbClr r="0" g="0" b="0"/>
+        </a:lnRef>
+        <a:fillRef idx="0">
+          <a:scrgbClr r="0" g="0" b="0"/>
+        </a:fillRef>
+        <a:effectRef idx="0">
+          <a:scrgbClr r="0" g="0" b="0"/>
+        </a:effectRef>
         <a:fontRef idx="none"/>
       </a:style>
     </a:txDef>
   </a:objectDefaults>
+  <a:extraClrSchemeLst/>
 </a:theme>
 </file>